--- a/_book/plot/pro-survey-q10-q12-bar-1.pptx
+++ b/_book/plot/pro-survey-q10-q12-bar-1.pptx
@@ -3218,7 +3218,7 @@
           </p:nvSpPr>
           <p:spPr>
             <a:xfrm>
-              <a:off x="2224840" y="2248125"/>
+              <a:off x="2326095" y="2248125"/>
               <a:ext cx="0" cy="2959205"/>
             </a:xfrm>
             <a:custGeom>
@@ -3261,7 +3261,7 @@
           </p:nvSpPr>
           <p:spPr>
             <a:xfrm>
-              <a:off x="2627422" y="2248125"/>
+              <a:off x="2931188" y="2248125"/>
               <a:ext cx="0" cy="2959205"/>
             </a:xfrm>
             <a:custGeom>
@@ -3304,7 +3304,7 @@
           </p:nvSpPr>
           <p:spPr>
             <a:xfrm>
-              <a:off x="3030004" y="2248125"/>
+              <a:off x="3536281" y="2248125"/>
               <a:ext cx="0" cy="2959205"/>
             </a:xfrm>
             <a:custGeom>
@@ -3347,92 +3347,6 @@
           </p:nvSpPr>
           <p:spPr>
             <a:xfrm>
-              <a:off x="3432586" y="2248125"/>
-              <a:ext cx="0" cy="2959205"/>
-            </a:xfrm>
-            <a:custGeom>
-              <a:avLst/>
-              <a:pathLst>
-                <a:path w="0" h="2959205">
-                  <a:moveTo>
-                    <a:pt x="0" y="2959205"/>
-                  </a:moveTo>
-                  <a:lnTo>
-                    <a:pt x="0" y="0"/>
-                  </a:lnTo>
-                  <a:lnTo>
-                    <a:pt x="0" y="0"/>
-                  </a:lnTo>
-                </a:path>
-              </a:pathLst>
-            </a:custGeom>
-            <a:ln w="3387" cap="flat">
-              <a:solidFill>
-                <a:srgbClr val="DEDEDE">
-                  <a:alpha val="100000"/>
-                </a:srgbClr>
-              </a:solidFill>
-              <a:prstDash val="solid"/>
-              <a:round/>
-            </a:ln>
-          </p:spPr>
-          <p:txBody>
-            <a:bodyPr/>
-            <a:lstStyle/>
-            <a:p/>
-          </p:txBody>
-        </p:sp>
-        <p:sp>
-          <p:nvSpPr>
-            <p:cNvPr id="10" name="pl10"/>
-            <p:cNvSpPr/>
-            <p:nvPr/>
-          </p:nvSpPr>
-          <p:spPr>
-            <a:xfrm>
-              <a:off x="3835168" y="2248125"/>
-              <a:ext cx="0" cy="2959205"/>
-            </a:xfrm>
-            <a:custGeom>
-              <a:avLst/>
-              <a:pathLst>
-                <a:path w="0" h="2959205">
-                  <a:moveTo>
-                    <a:pt x="0" y="2959205"/>
-                  </a:moveTo>
-                  <a:lnTo>
-                    <a:pt x="0" y="0"/>
-                  </a:lnTo>
-                  <a:lnTo>
-                    <a:pt x="0" y="0"/>
-                  </a:lnTo>
-                </a:path>
-              </a:pathLst>
-            </a:custGeom>
-            <a:ln w="3387" cap="flat">
-              <a:solidFill>
-                <a:srgbClr val="DEDEDE">
-                  <a:alpha val="100000"/>
-                </a:srgbClr>
-              </a:solidFill>
-              <a:prstDash val="solid"/>
-              <a:round/>
-            </a:ln>
-          </p:spPr>
-          <p:txBody>
-            <a:bodyPr/>
-            <a:lstStyle/>
-            <a:p/>
-          </p:txBody>
-        </p:sp>
-        <p:sp>
-          <p:nvSpPr>
-            <p:cNvPr id="11" name="pl11"/>
-            <p:cNvSpPr/>
-            <p:nvPr/>
-          </p:nvSpPr>
-          <p:spPr>
-            <a:xfrm>
               <a:off x="2023549" y="4865884"/>
               <a:ext cx="2036743" cy="0"/>
             </a:xfrm>
@@ -3470,7 +3384,7 @@
         </p:sp>
         <p:sp>
           <p:nvSpPr>
-            <p:cNvPr id="12" name="pl12"/>
+            <p:cNvPr id="10" name="pl10"/>
             <p:cNvSpPr/>
             <p:nvPr/>
           </p:nvSpPr>
@@ -3513,7 +3427,7 @@
         </p:sp>
         <p:sp>
           <p:nvSpPr>
-            <p:cNvPr id="13" name="pl13"/>
+            <p:cNvPr id="11" name="pl11"/>
             <p:cNvSpPr/>
             <p:nvPr/>
           </p:nvSpPr>
@@ -3556,7 +3470,7 @@
         </p:sp>
         <p:sp>
           <p:nvSpPr>
-            <p:cNvPr id="14" name="pl14"/>
+            <p:cNvPr id="12" name="pl12"/>
             <p:cNvSpPr/>
             <p:nvPr/>
           </p:nvSpPr>
@@ -3599,7 +3513,7 @@
         </p:sp>
         <p:sp>
           <p:nvSpPr>
-            <p:cNvPr id="15" name="pl15"/>
+            <p:cNvPr id="13" name="pl13"/>
             <p:cNvSpPr/>
             <p:nvPr/>
           </p:nvSpPr>
@@ -3642,7 +3556,7 @@
         </p:sp>
         <p:sp>
           <p:nvSpPr>
-            <p:cNvPr id="16" name="pl16"/>
+            <p:cNvPr id="14" name="pl14"/>
             <p:cNvSpPr/>
             <p:nvPr/>
           </p:nvSpPr>
@@ -3685,13 +3599,13 @@
         </p:sp>
         <p:sp>
           <p:nvSpPr>
-            <p:cNvPr id="17" name="pl17"/>
-            <p:cNvSpPr/>
-            <p:nvPr/>
-          </p:nvSpPr>
-          <p:spPr>
-            <a:xfrm>
-              <a:off x="2426131" y="2248125"/>
+            <p:cNvPr id="15" name="pl15"/>
+            <p:cNvSpPr/>
+            <p:nvPr/>
+          </p:nvSpPr>
+          <p:spPr>
+            <a:xfrm>
+              <a:off x="2628642" y="2248125"/>
               <a:ext cx="0" cy="2959205"/>
             </a:xfrm>
             <a:custGeom>
@@ -3728,13 +3642,13 @@
         </p:sp>
         <p:sp>
           <p:nvSpPr>
-            <p:cNvPr id="18" name="pl18"/>
-            <p:cNvSpPr/>
-            <p:nvPr/>
-          </p:nvSpPr>
-          <p:spPr>
-            <a:xfrm>
-              <a:off x="2828713" y="2248125"/>
+            <p:cNvPr id="16" name="pl16"/>
+            <p:cNvSpPr/>
+            <p:nvPr/>
+          </p:nvSpPr>
+          <p:spPr>
+            <a:xfrm>
+              <a:off x="3233735" y="2248125"/>
               <a:ext cx="0" cy="2959205"/>
             </a:xfrm>
             <a:custGeom>
@@ -3771,13 +3685,13 @@
         </p:sp>
         <p:sp>
           <p:nvSpPr>
-            <p:cNvPr id="19" name="pl19"/>
-            <p:cNvSpPr/>
-            <p:nvPr/>
-          </p:nvSpPr>
-          <p:spPr>
-            <a:xfrm>
-              <a:off x="3231295" y="2248125"/>
+            <p:cNvPr id="17" name="pl17"/>
+            <p:cNvSpPr/>
+            <p:nvPr/>
+          </p:nvSpPr>
+          <p:spPr>
+            <a:xfrm>
+              <a:off x="3838828" y="2248125"/>
               <a:ext cx="0" cy="2959205"/>
             </a:xfrm>
             <a:custGeom>
@@ -3814,93 +3728,7 @@
         </p:sp>
         <p:sp>
           <p:nvSpPr>
-            <p:cNvPr id="20" name="pl20"/>
-            <p:cNvSpPr/>
-            <p:nvPr/>
-          </p:nvSpPr>
-          <p:spPr>
-            <a:xfrm>
-              <a:off x="3633877" y="2248125"/>
-              <a:ext cx="0" cy="2959205"/>
-            </a:xfrm>
-            <a:custGeom>
-              <a:avLst/>
-              <a:pathLst>
-                <a:path w="0" h="2959205">
-                  <a:moveTo>
-                    <a:pt x="0" y="2959205"/>
-                  </a:moveTo>
-                  <a:lnTo>
-                    <a:pt x="0" y="0"/>
-                  </a:lnTo>
-                  <a:lnTo>
-                    <a:pt x="0" y="0"/>
-                  </a:lnTo>
-                </a:path>
-              </a:pathLst>
-            </a:custGeom>
-            <a:ln w="6775" cap="flat">
-              <a:solidFill>
-                <a:srgbClr val="DEDEDE">
-                  <a:alpha val="100000"/>
-                </a:srgbClr>
-              </a:solidFill>
-              <a:prstDash val="solid"/>
-              <a:round/>
-            </a:ln>
-          </p:spPr>
-          <p:txBody>
-            <a:bodyPr/>
-            <a:lstStyle/>
-            <a:p/>
-          </p:txBody>
-        </p:sp>
-        <p:sp>
-          <p:nvSpPr>
-            <p:cNvPr id="21" name="pl21"/>
-            <p:cNvSpPr/>
-            <p:nvPr/>
-          </p:nvSpPr>
-          <p:spPr>
-            <a:xfrm>
-              <a:off x="4036459" y="2248125"/>
-              <a:ext cx="0" cy="2959205"/>
-            </a:xfrm>
-            <a:custGeom>
-              <a:avLst/>
-              <a:pathLst>
-                <a:path w="0" h="2959205">
-                  <a:moveTo>
-                    <a:pt x="0" y="2959205"/>
-                  </a:moveTo>
-                  <a:lnTo>
-                    <a:pt x="0" y="0"/>
-                  </a:lnTo>
-                  <a:lnTo>
-                    <a:pt x="0" y="0"/>
-                  </a:lnTo>
-                </a:path>
-              </a:pathLst>
-            </a:custGeom>
-            <a:ln w="6775" cap="flat">
-              <a:solidFill>
-                <a:srgbClr val="DEDEDE">
-                  <a:alpha val="100000"/>
-                </a:srgbClr>
-              </a:solidFill>
-              <a:prstDash val="solid"/>
-              <a:round/>
-            </a:ln>
-          </p:spPr>
-          <p:txBody>
-            <a:bodyPr/>
-            <a:lstStyle/>
-            <a:p/>
-          </p:txBody>
-        </p:sp>
-        <p:sp>
-          <p:nvSpPr>
-            <p:cNvPr id="22" name="rc22"/>
+            <p:cNvPr id="18" name="rc18"/>
             <p:cNvSpPr/>
             <p:nvPr/>
           </p:nvSpPr>
@@ -3926,14 +3754,14 @@
         </p:sp>
         <p:sp>
           <p:nvSpPr>
-            <p:cNvPr id="23" name="rc23"/>
+            <p:cNvPr id="19" name="rc19"/>
             <p:cNvSpPr/>
             <p:nvPr/>
           </p:nvSpPr>
           <p:spPr>
             <a:xfrm>
               <a:off x="2023549" y="2902564"/>
-              <a:ext cx="1747206" cy="512170"/>
+              <a:ext cx="1893941" cy="512170"/>
             </a:xfrm>
             <a:prstGeom prst="rect">
               <a:avLst/>
@@ -3952,14 +3780,14 @@
         </p:sp>
         <p:sp>
           <p:nvSpPr>
-            <p:cNvPr id="24" name="rc24"/>
+            <p:cNvPr id="20" name="rc20"/>
             <p:cNvSpPr/>
             <p:nvPr/>
           </p:nvSpPr>
           <p:spPr>
             <a:xfrm>
               <a:off x="2023549" y="3471643"/>
-              <a:ext cx="958145" cy="512170"/>
+              <a:ext cx="943945" cy="512170"/>
             </a:xfrm>
             <a:prstGeom prst="rect">
               <a:avLst/>
@@ -3978,14 +3806,14 @@
         </p:sp>
         <p:sp>
           <p:nvSpPr>
-            <p:cNvPr id="25" name="rc25"/>
+            <p:cNvPr id="21" name="rc21"/>
             <p:cNvSpPr/>
             <p:nvPr/>
           </p:nvSpPr>
           <p:spPr>
             <a:xfrm>
               <a:off x="2023549" y="4040721"/>
-              <a:ext cx="531408" cy="512170"/>
+              <a:ext cx="502227" cy="512170"/>
             </a:xfrm>
             <a:prstGeom prst="rect">
               <a:avLst/>
@@ -4004,14 +3832,14 @@
         </p:sp>
         <p:sp>
           <p:nvSpPr>
-            <p:cNvPr id="26" name="rc26"/>
+            <p:cNvPr id="22" name="rc22"/>
             <p:cNvSpPr/>
             <p:nvPr/>
           </p:nvSpPr>
           <p:spPr>
             <a:xfrm>
               <a:off x="2023549" y="4609799"/>
-              <a:ext cx="281807" cy="512170"/>
+              <a:ext cx="266240" cy="512170"/>
             </a:xfrm>
             <a:prstGeom prst="rect">
               <a:avLst/>
@@ -4030,13 +3858,13 @@
         </p:sp>
         <p:sp>
           <p:nvSpPr>
-            <p:cNvPr id="27" name="tx27"/>
-            <p:cNvSpPr/>
-            <p:nvPr/>
-          </p:nvSpPr>
-          <p:spPr>
-            <a:xfrm>
-              <a:off x="3652266" y="2545098"/>
+            <p:cNvPr id="23" name="tx23"/>
+            <p:cNvSpPr/>
+            <p:nvPr/>
+          </p:nvSpPr>
+          <p:spPr>
+            <a:xfrm>
+              <a:off x="3651877" y="2545098"/>
               <a:ext cx="325215" cy="67753"/>
             </a:xfrm>
             <a:prstGeom prst="rect">
@@ -4076,13 +3904,13 @@
         </p:sp>
         <p:sp>
           <p:nvSpPr>
-            <p:cNvPr id="28" name="tx28"/>
-            <p:cNvSpPr/>
-            <p:nvPr/>
-          </p:nvSpPr>
-          <p:spPr>
-            <a:xfrm>
-              <a:off x="3466501" y="3102690"/>
+            <p:cNvPr id="24" name="tx24"/>
+            <p:cNvSpPr/>
+            <p:nvPr/>
+          </p:nvSpPr>
+          <p:spPr>
+            <a:xfrm>
+              <a:off x="3612847" y="3102690"/>
               <a:ext cx="261378" cy="79239"/>
             </a:xfrm>
             <a:prstGeom prst="rect">
@@ -4122,13 +3950,13 @@
         </p:sp>
         <p:sp>
           <p:nvSpPr>
-            <p:cNvPr id="29" name="tx29"/>
-            <p:cNvSpPr/>
-            <p:nvPr/>
-          </p:nvSpPr>
-          <p:spPr>
-            <a:xfrm>
-              <a:off x="3024569" y="3687288"/>
+            <p:cNvPr id="25" name="tx25"/>
+            <p:cNvSpPr/>
+            <p:nvPr/>
+          </p:nvSpPr>
+          <p:spPr>
+            <a:xfrm>
+              <a:off x="3010758" y="3687288"/>
               <a:ext cx="358562" cy="79239"/>
             </a:xfrm>
             <a:prstGeom prst="rect">
@@ -4168,13 +3996,13 @@
         </p:sp>
         <p:sp>
           <p:nvSpPr>
-            <p:cNvPr id="30" name="tx30"/>
-            <p:cNvSpPr/>
-            <p:nvPr/>
-          </p:nvSpPr>
-          <p:spPr>
-            <a:xfrm>
-              <a:off x="2597832" y="4256366"/>
+            <p:cNvPr id="26" name="tx26"/>
+            <p:cNvSpPr/>
+            <p:nvPr/>
+          </p:nvSpPr>
+          <p:spPr>
+            <a:xfrm>
+              <a:off x="2569040" y="4256366"/>
               <a:ext cx="418851" cy="79239"/>
             </a:xfrm>
             <a:prstGeom prst="rect">
@@ -4214,13 +4042,13 @@
         </p:sp>
         <p:sp>
           <p:nvSpPr>
-            <p:cNvPr id="31" name="tx31"/>
-            <p:cNvSpPr/>
-            <p:nvPr/>
-          </p:nvSpPr>
-          <p:spPr>
-            <a:xfrm>
-              <a:off x="2348231" y="4825391"/>
+            <p:cNvPr id="27" name="tx27"/>
+            <p:cNvSpPr/>
+            <p:nvPr/>
+          </p:nvSpPr>
+          <p:spPr>
+            <a:xfrm>
+              <a:off x="2333054" y="4825391"/>
               <a:ext cx="479141" cy="79292"/>
             </a:xfrm>
             <a:prstGeom prst="rect">
@@ -4260,7 +4088,7 @@
         </p:sp>
         <p:sp>
           <p:nvSpPr>
-            <p:cNvPr id="32" name="rc32"/>
+            <p:cNvPr id="28" name="rc28"/>
             <p:cNvSpPr/>
             <p:nvPr/>
           </p:nvSpPr>
@@ -4290,7 +4118,7 @@
         </p:sp>
         <p:sp>
           <p:nvSpPr>
-            <p:cNvPr id="33" name="tx33"/>
+            <p:cNvPr id="29" name="tx29"/>
             <p:cNvSpPr/>
             <p:nvPr/>
           </p:nvSpPr>
@@ -4336,7 +4164,7 @@
         </p:sp>
         <p:sp>
           <p:nvSpPr>
-            <p:cNvPr id="34" name="tx34"/>
+            <p:cNvPr id="30" name="tx30"/>
             <p:cNvSpPr/>
             <p:nvPr/>
           </p:nvSpPr>
@@ -4382,7 +4210,7 @@
         </p:sp>
         <p:sp>
           <p:nvSpPr>
-            <p:cNvPr id="35" name="tx35"/>
+            <p:cNvPr id="31" name="tx31"/>
             <p:cNvSpPr/>
             <p:nvPr/>
           </p:nvSpPr>
@@ -4428,7 +4256,7 @@
         </p:sp>
         <p:sp>
           <p:nvSpPr>
-            <p:cNvPr id="36" name="tx36"/>
+            <p:cNvPr id="32" name="tx32"/>
             <p:cNvSpPr/>
             <p:nvPr/>
           </p:nvSpPr>
@@ -4474,7 +4302,7 @@
         </p:sp>
         <p:sp>
           <p:nvSpPr>
-            <p:cNvPr id="37" name="tx37"/>
+            <p:cNvPr id="33" name="tx33"/>
             <p:cNvSpPr/>
             <p:nvPr/>
           </p:nvSpPr>
@@ -4520,7 +4348,7 @@
         </p:sp>
         <p:sp>
           <p:nvSpPr>
-            <p:cNvPr id="38" name="pl38"/>
+            <p:cNvPr id="34" name="pl34"/>
             <p:cNvSpPr/>
             <p:nvPr/>
           </p:nvSpPr>
@@ -4560,7 +4388,7 @@
         </p:sp>
         <p:sp>
           <p:nvSpPr>
-            <p:cNvPr id="39" name="pl39"/>
+            <p:cNvPr id="35" name="pl35"/>
             <p:cNvSpPr/>
             <p:nvPr/>
           </p:nvSpPr>
@@ -4600,7 +4428,7 @@
         </p:sp>
         <p:sp>
           <p:nvSpPr>
-            <p:cNvPr id="40" name="pl40"/>
+            <p:cNvPr id="36" name="pl36"/>
             <p:cNvSpPr/>
             <p:nvPr/>
           </p:nvSpPr>
@@ -4640,7 +4468,7 @@
         </p:sp>
         <p:sp>
           <p:nvSpPr>
-            <p:cNvPr id="41" name="pl41"/>
+            <p:cNvPr id="37" name="pl37"/>
             <p:cNvSpPr/>
             <p:nvPr/>
           </p:nvSpPr>
@@ -4680,7 +4508,7 @@
         </p:sp>
         <p:sp>
           <p:nvSpPr>
-            <p:cNvPr id="42" name="pl42"/>
+            <p:cNvPr id="38" name="pl38"/>
             <p:cNvSpPr/>
             <p:nvPr/>
           </p:nvSpPr>
@@ -4720,7 +4548,7 @@
         </p:sp>
         <p:sp>
           <p:nvSpPr>
-            <p:cNvPr id="43" name="pl43"/>
+            <p:cNvPr id="39" name="pl39"/>
             <p:cNvSpPr/>
             <p:nvPr/>
           </p:nvSpPr>
@@ -4760,13 +4588,13 @@
         </p:sp>
         <p:sp>
           <p:nvSpPr>
-            <p:cNvPr id="44" name="pl44"/>
-            <p:cNvSpPr/>
-            <p:nvPr/>
-          </p:nvSpPr>
-          <p:spPr>
-            <a:xfrm>
-              <a:off x="2426131" y="5207331"/>
+            <p:cNvPr id="40" name="pl40"/>
+            <p:cNvSpPr/>
+            <p:nvPr/>
+          </p:nvSpPr>
+          <p:spPr>
+            <a:xfrm>
+              <a:off x="2628642" y="5207331"/>
               <a:ext cx="0" cy="34794"/>
             </a:xfrm>
             <a:custGeom>
@@ -4800,13 +4628,13 @@
         </p:sp>
         <p:sp>
           <p:nvSpPr>
-            <p:cNvPr id="45" name="pl45"/>
-            <p:cNvSpPr/>
-            <p:nvPr/>
-          </p:nvSpPr>
-          <p:spPr>
-            <a:xfrm>
-              <a:off x="2828713" y="5207331"/>
+            <p:cNvPr id="41" name="pl41"/>
+            <p:cNvSpPr/>
+            <p:nvPr/>
+          </p:nvSpPr>
+          <p:spPr>
+            <a:xfrm>
+              <a:off x="3233735" y="5207331"/>
               <a:ext cx="0" cy="34794"/>
             </a:xfrm>
             <a:custGeom>
@@ -4840,13 +4668,13 @@
         </p:sp>
         <p:sp>
           <p:nvSpPr>
-            <p:cNvPr id="46" name="pl46"/>
-            <p:cNvSpPr/>
-            <p:nvPr/>
-          </p:nvSpPr>
-          <p:spPr>
-            <a:xfrm>
-              <a:off x="3231295" y="5207331"/>
+            <p:cNvPr id="42" name="pl42"/>
+            <p:cNvSpPr/>
+            <p:nvPr/>
+          </p:nvSpPr>
+          <p:spPr>
+            <a:xfrm>
+              <a:off x="3838828" y="5207331"/>
               <a:ext cx="0" cy="34794"/>
             </a:xfrm>
             <a:custGeom>
@@ -4880,87 +4708,7 @@
         </p:sp>
         <p:sp>
           <p:nvSpPr>
-            <p:cNvPr id="47" name="pl47"/>
-            <p:cNvSpPr/>
-            <p:nvPr/>
-          </p:nvSpPr>
-          <p:spPr>
-            <a:xfrm>
-              <a:off x="3633877" y="5207331"/>
-              <a:ext cx="0" cy="34794"/>
-            </a:xfrm>
-            <a:custGeom>
-              <a:avLst/>
-              <a:pathLst>
-                <a:path w="0" h="34794">
-                  <a:moveTo>
-                    <a:pt x="0" y="34794"/>
-                  </a:moveTo>
-                  <a:lnTo>
-                    <a:pt x="0" y="0"/>
-                  </a:lnTo>
-                </a:path>
-              </a:pathLst>
-            </a:custGeom>
-            <a:ln w="6775" cap="flat">
-              <a:solidFill>
-                <a:srgbClr val="B3B3B3">
-                  <a:alpha val="100000"/>
-                </a:srgbClr>
-              </a:solidFill>
-              <a:prstDash val="solid"/>
-              <a:round/>
-            </a:ln>
-          </p:spPr>
-          <p:txBody>
-            <a:bodyPr/>
-            <a:lstStyle/>
-            <a:p/>
-          </p:txBody>
-        </p:sp>
-        <p:sp>
-          <p:nvSpPr>
-            <p:cNvPr id="48" name="pl48"/>
-            <p:cNvSpPr/>
-            <p:nvPr/>
-          </p:nvSpPr>
-          <p:spPr>
-            <a:xfrm>
-              <a:off x="4036459" y="5207331"/>
-              <a:ext cx="0" cy="34794"/>
-            </a:xfrm>
-            <a:custGeom>
-              <a:avLst/>
-              <a:pathLst>
-                <a:path w="0" h="34794">
-                  <a:moveTo>
-                    <a:pt x="0" y="34794"/>
-                  </a:moveTo>
-                  <a:lnTo>
-                    <a:pt x="0" y="0"/>
-                  </a:lnTo>
-                </a:path>
-              </a:pathLst>
-            </a:custGeom>
-            <a:ln w="6775" cap="flat">
-              <a:solidFill>
-                <a:srgbClr val="B3B3B3">
-                  <a:alpha val="100000"/>
-                </a:srgbClr>
-              </a:solidFill>
-              <a:prstDash val="solid"/>
-              <a:round/>
-            </a:ln>
-          </p:spPr>
-          <p:txBody>
-            <a:bodyPr/>
-            <a:lstStyle/>
-            <a:p/>
-          </p:txBody>
-        </p:sp>
-        <p:sp>
-          <p:nvSpPr>
-            <p:cNvPr id="49" name="tx49"/>
+            <p:cNvPr id="43" name="tx43"/>
             <p:cNvSpPr/>
             <p:nvPr/>
           </p:nvSpPr>
@@ -5006,13 +4754,3627 @@
         </p:sp>
         <p:sp>
           <p:nvSpPr>
-            <p:cNvPr id="50" name="tx50"/>
-            <p:cNvSpPr/>
-            <p:nvPr/>
-          </p:nvSpPr>
-          <p:spPr>
-            <a:xfrm>
-              <a:off x="2363975" y="5268269"/>
+            <p:cNvPr id="44" name="tx44"/>
+            <p:cNvSpPr/>
+            <p:nvPr/>
+          </p:nvSpPr>
+          <p:spPr>
+            <a:xfrm>
+              <a:off x="2535408" y="5268269"/>
+              <a:ext cx="186466" cy="81691"/>
+            </a:xfrm>
+            <a:prstGeom prst="rect">
+              <a:avLst/>
+            </a:prstGeom>
+            <a:noFill/>
+          </p:spPr>
+          <p:txBody>
+            <a:bodyPr lIns="0" rIns="0" tIns="0" bIns="0" anchorCtr="1" anchor="ctr" wrap="none"/>
+            <a:lstStyle/>
+            <a:p>
+              <a:pPr algn="l" marL="0" marR="0" indent="0">
+                <a:lnSpc>
+                  <a:spcPts val="880"/>
+                </a:lnSpc>
+                <a:spcBef>
+                  <a:spcPts val="0"/>
+                </a:spcBef>
+                <a:spcAft>
+                  <a:spcPts val="0"/>
+                </a:spcAft>
+              </a:pPr>
+              <a:r>
+                <a:rPr sz="880">
+                  <a:solidFill>
+                    <a:srgbClr val="4D4D4D">
+                      <a:alpha val="100000"/>
+                    </a:srgbClr>
+                  </a:solidFill>
+                  <a:latin typeface="Arial"/>
+                  <a:cs typeface="Arial"/>
+                </a:rPr>
+                <a:t>100</a:t>
+              </a:r>
+            </a:p>
+          </p:txBody>
+        </p:sp>
+        <p:sp>
+          <p:nvSpPr>
+            <p:cNvPr id="45" name="tx45"/>
+            <p:cNvSpPr/>
+            <p:nvPr/>
+          </p:nvSpPr>
+          <p:spPr>
+            <a:xfrm>
+              <a:off x="3140501" y="5268269"/>
+              <a:ext cx="186466" cy="81691"/>
+            </a:xfrm>
+            <a:prstGeom prst="rect">
+              <a:avLst/>
+            </a:prstGeom>
+            <a:noFill/>
+          </p:spPr>
+          <p:txBody>
+            <a:bodyPr lIns="0" rIns="0" tIns="0" bIns="0" anchorCtr="1" anchor="ctr" wrap="none"/>
+            <a:lstStyle/>
+            <a:p>
+              <a:pPr algn="l" marL="0" marR="0" indent="0">
+                <a:lnSpc>
+                  <a:spcPts val="880"/>
+                </a:lnSpc>
+                <a:spcBef>
+                  <a:spcPts val="0"/>
+                </a:spcBef>
+                <a:spcAft>
+                  <a:spcPts val="0"/>
+                </a:spcAft>
+              </a:pPr>
+              <a:r>
+                <a:rPr sz="880">
+                  <a:solidFill>
+                    <a:srgbClr val="4D4D4D">
+                      <a:alpha val="100000"/>
+                    </a:srgbClr>
+                  </a:solidFill>
+                  <a:latin typeface="Arial"/>
+                  <a:cs typeface="Arial"/>
+                </a:rPr>
+                <a:t>200</a:t>
+              </a:r>
+            </a:p>
+          </p:txBody>
+        </p:sp>
+        <p:sp>
+          <p:nvSpPr>
+            <p:cNvPr id="46" name="tx46"/>
+            <p:cNvSpPr/>
+            <p:nvPr/>
+          </p:nvSpPr>
+          <p:spPr>
+            <a:xfrm>
+              <a:off x="3745595" y="5268215"/>
+              <a:ext cx="186466" cy="81746"/>
+            </a:xfrm>
+            <a:prstGeom prst="rect">
+              <a:avLst/>
+            </a:prstGeom>
+            <a:noFill/>
+          </p:spPr>
+          <p:txBody>
+            <a:bodyPr lIns="0" rIns="0" tIns="0" bIns="0" anchorCtr="1" anchor="ctr" wrap="none"/>
+            <a:lstStyle/>
+            <a:p>
+              <a:pPr algn="l" marL="0" marR="0" indent="0">
+                <a:lnSpc>
+                  <a:spcPts val="880"/>
+                </a:lnSpc>
+                <a:spcBef>
+                  <a:spcPts val="0"/>
+                </a:spcBef>
+                <a:spcAft>
+                  <a:spcPts val="0"/>
+                </a:spcAft>
+              </a:pPr>
+              <a:r>
+                <a:rPr sz="880">
+                  <a:solidFill>
+                    <a:srgbClr val="4D4D4D">
+                      <a:alpha val="100000"/>
+                    </a:srgbClr>
+                  </a:solidFill>
+                  <a:latin typeface="Arial"/>
+                  <a:cs typeface="Arial"/>
+                </a:rPr>
+                <a:t>300</a:t>
+              </a:r>
+            </a:p>
+          </p:txBody>
+        </p:sp>
+        <p:sp>
+          <p:nvSpPr>
+            <p:cNvPr id="47" name="tx47"/>
+            <p:cNvSpPr/>
+            <p:nvPr/>
+          </p:nvSpPr>
+          <p:spPr>
+            <a:xfrm>
+              <a:off x="2023549" y="2019594"/>
+              <a:ext cx="368022" cy="122619"/>
+            </a:xfrm>
+            <a:prstGeom prst="rect">
+              <a:avLst/>
+            </a:prstGeom>
+            <a:noFill/>
+          </p:spPr>
+          <p:txBody>
+            <a:bodyPr lIns="0" rIns="0" tIns="0" bIns="0" anchorCtr="1" anchor="ctr" wrap="none"/>
+            <a:lstStyle/>
+            <a:p>
+              <a:pPr algn="l" marL="0" marR="0" indent="0">
+                <a:lnSpc>
+                  <a:spcPts val="1320"/>
+                </a:lnSpc>
+                <a:spcBef>
+                  <a:spcPts val="0"/>
+                </a:spcBef>
+                <a:spcAft>
+                  <a:spcPts val="0"/>
+                </a:spcAft>
+              </a:pPr>
+              <a:r>
+                <a:rPr sz="1320">
+                  <a:solidFill>
+                    <a:srgbClr val="000000">
+                      <a:alpha val="100000"/>
+                    </a:srgbClr>
+                  </a:solidFill>
+                  <a:latin typeface="Arial"/>
+                  <a:cs typeface="Arial"/>
+                </a:rPr>
+                <a:t>0-3岁</a:t>
+              </a:r>
+            </a:p>
+          </p:txBody>
+        </p:sp>
+        <p:sp>
+          <p:nvSpPr>
+            <p:cNvPr id="48" name="rc48"/>
+            <p:cNvSpPr/>
+            <p:nvPr/>
+          </p:nvSpPr>
+          <p:spPr>
+            <a:xfrm>
+              <a:off x="4129881" y="1952625"/>
+              <a:ext cx="2438400" cy="3657600"/>
+            </a:xfrm>
+            <a:prstGeom prst="rect">
+              <a:avLst/>
+            </a:prstGeom>
+            <a:solidFill>
+              <a:srgbClr val="FFFFFF">
+                <a:alpha val="100000"/>
+              </a:srgbClr>
+            </a:solidFill>
+            <a:ln w="13550" cap="rnd">
+              <a:solidFill>
+                <a:srgbClr val="FFFFFF">
+                  <a:alpha val="100000"/>
+                </a:srgbClr>
+              </a:solidFill>
+              <a:prstDash val="solid"/>
+              <a:round/>
+            </a:ln>
+          </p:spPr>
+          <p:txBody>
+            <a:bodyPr/>
+            <a:lstStyle/>
+            <a:p/>
+          </p:txBody>
+        </p:sp>
+        <p:sp>
+          <p:nvSpPr>
+            <p:cNvPr id="49" name="rc49"/>
+            <p:cNvSpPr/>
+            <p:nvPr/>
+          </p:nvSpPr>
+          <p:spPr>
+            <a:xfrm>
+              <a:off x="4461949" y="2248125"/>
+              <a:ext cx="2036743" cy="2959205"/>
+            </a:xfrm>
+            <a:prstGeom prst="rect">
+              <a:avLst/>
+            </a:prstGeom>
+            <a:solidFill>
+              <a:srgbClr val="FFFFFF">
+                <a:alpha val="100000"/>
+              </a:srgbClr>
+            </a:solidFill>
+          </p:spPr>
+          <p:txBody>
+            <a:bodyPr/>
+            <a:lstStyle/>
+            <a:p/>
+          </p:txBody>
+        </p:sp>
+        <p:sp>
+          <p:nvSpPr>
+            <p:cNvPr id="50" name="pl50"/>
+            <p:cNvSpPr/>
+            <p:nvPr/>
+          </p:nvSpPr>
+          <p:spPr>
+            <a:xfrm>
+              <a:off x="4829009" y="2248125"/>
+              <a:ext cx="0" cy="2959205"/>
+            </a:xfrm>
+            <a:custGeom>
+              <a:avLst/>
+              <a:pathLst>
+                <a:path w="0" h="2959205">
+                  <a:moveTo>
+                    <a:pt x="0" y="2959205"/>
+                  </a:moveTo>
+                  <a:lnTo>
+                    <a:pt x="0" y="0"/>
+                  </a:lnTo>
+                  <a:lnTo>
+                    <a:pt x="0" y="0"/>
+                  </a:lnTo>
+                </a:path>
+              </a:pathLst>
+            </a:custGeom>
+            <a:ln w="3387" cap="flat">
+              <a:solidFill>
+                <a:srgbClr val="DEDEDE">
+                  <a:alpha val="100000"/>
+                </a:srgbClr>
+              </a:solidFill>
+              <a:prstDash val="solid"/>
+              <a:round/>
+            </a:ln>
+          </p:spPr>
+          <p:txBody>
+            <a:bodyPr/>
+            <a:lstStyle/>
+            <a:p/>
+          </p:txBody>
+        </p:sp>
+        <p:sp>
+          <p:nvSpPr>
+            <p:cNvPr id="51" name="pl51"/>
+            <p:cNvSpPr/>
+            <p:nvPr/>
+          </p:nvSpPr>
+          <p:spPr>
+            <a:xfrm>
+              <a:off x="5563129" y="2248125"/>
+              <a:ext cx="0" cy="2959205"/>
+            </a:xfrm>
+            <a:custGeom>
+              <a:avLst/>
+              <a:pathLst>
+                <a:path w="0" h="2959205">
+                  <a:moveTo>
+                    <a:pt x="0" y="2959205"/>
+                  </a:moveTo>
+                  <a:lnTo>
+                    <a:pt x="0" y="0"/>
+                  </a:lnTo>
+                  <a:lnTo>
+                    <a:pt x="0" y="0"/>
+                  </a:lnTo>
+                </a:path>
+              </a:pathLst>
+            </a:custGeom>
+            <a:ln w="3387" cap="flat">
+              <a:solidFill>
+                <a:srgbClr val="DEDEDE">
+                  <a:alpha val="100000"/>
+                </a:srgbClr>
+              </a:solidFill>
+              <a:prstDash val="solid"/>
+              <a:round/>
+            </a:ln>
+          </p:spPr>
+          <p:txBody>
+            <a:bodyPr/>
+            <a:lstStyle/>
+            <a:p/>
+          </p:txBody>
+        </p:sp>
+        <p:sp>
+          <p:nvSpPr>
+            <p:cNvPr id="52" name="pl52"/>
+            <p:cNvSpPr/>
+            <p:nvPr/>
+          </p:nvSpPr>
+          <p:spPr>
+            <a:xfrm>
+              <a:off x="6297249" y="2248125"/>
+              <a:ext cx="0" cy="2959205"/>
+            </a:xfrm>
+            <a:custGeom>
+              <a:avLst/>
+              <a:pathLst>
+                <a:path w="0" h="2959205">
+                  <a:moveTo>
+                    <a:pt x="0" y="2959205"/>
+                  </a:moveTo>
+                  <a:lnTo>
+                    <a:pt x="0" y="0"/>
+                  </a:lnTo>
+                  <a:lnTo>
+                    <a:pt x="0" y="0"/>
+                  </a:lnTo>
+                </a:path>
+              </a:pathLst>
+            </a:custGeom>
+            <a:ln w="3387" cap="flat">
+              <a:solidFill>
+                <a:srgbClr val="DEDEDE">
+                  <a:alpha val="100000"/>
+                </a:srgbClr>
+              </a:solidFill>
+              <a:prstDash val="solid"/>
+              <a:round/>
+            </a:ln>
+          </p:spPr>
+          <p:txBody>
+            <a:bodyPr/>
+            <a:lstStyle/>
+            <a:p/>
+          </p:txBody>
+        </p:sp>
+        <p:sp>
+          <p:nvSpPr>
+            <p:cNvPr id="53" name="pl53"/>
+            <p:cNvSpPr/>
+            <p:nvPr/>
+          </p:nvSpPr>
+          <p:spPr>
+            <a:xfrm>
+              <a:off x="4461949" y="4865884"/>
+              <a:ext cx="2036743" cy="0"/>
+            </a:xfrm>
+            <a:custGeom>
+              <a:avLst/>
+              <a:pathLst>
+                <a:path w="2036743" h="0">
+                  <a:moveTo>
+                    <a:pt x="0" y="0"/>
+                  </a:moveTo>
+                  <a:lnTo>
+                    <a:pt x="2036743" y="0"/>
+                  </a:lnTo>
+                  <a:lnTo>
+                    <a:pt x="2036743" y="0"/>
+                  </a:lnTo>
+                </a:path>
+              </a:pathLst>
+            </a:custGeom>
+            <a:ln w="6775" cap="flat">
+              <a:solidFill>
+                <a:srgbClr val="DEDEDE">
+                  <a:alpha val="100000"/>
+                </a:srgbClr>
+              </a:solidFill>
+              <a:prstDash val="solid"/>
+              <a:round/>
+            </a:ln>
+          </p:spPr>
+          <p:txBody>
+            <a:bodyPr/>
+            <a:lstStyle/>
+            <a:p/>
+          </p:txBody>
+        </p:sp>
+        <p:sp>
+          <p:nvSpPr>
+            <p:cNvPr id="54" name="pl54"/>
+            <p:cNvSpPr/>
+            <p:nvPr/>
+          </p:nvSpPr>
+          <p:spPr>
+            <a:xfrm>
+              <a:off x="4461949" y="4296806"/>
+              <a:ext cx="2036743" cy="0"/>
+            </a:xfrm>
+            <a:custGeom>
+              <a:avLst/>
+              <a:pathLst>
+                <a:path w="2036743" h="0">
+                  <a:moveTo>
+                    <a:pt x="0" y="0"/>
+                  </a:moveTo>
+                  <a:lnTo>
+                    <a:pt x="2036743" y="0"/>
+                  </a:lnTo>
+                  <a:lnTo>
+                    <a:pt x="2036743" y="0"/>
+                  </a:lnTo>
+                </a:path>
+              </a:pathLst>
+            </a:custGeom>
+            <a:ln w="6775" cap="flat">
+              <a:solidFill>
+                <a:srgbClr val="DEDEDE">
+                  <a:alpha val="100000"/>
+                </a:srgbClr>
+              </a:solidFill>
+              <a:prstDash val="solid"/>
+              <a:round/>
+            </a:ln>
+          </p:spPr>
+          <p:txBody>
+            <a:bodyPr/>
+            <a:lstStyle/>
+            <a:p/>
+          </p:txBody>
+        </p:sp>
+        <p:sp>
+          <p:nvSpPr>
+            <p:cNvPr id="55" name="pl55"/>
+            <p:cNvSpPr/>
+            <p:nvPr/>
+          </p:nvSpPr>
+          <p:spPr>
+            <a:xfrm>
+              <a:off x="4461949" y="3727728"/>
+              <a:ext cx="2036743" cy="0"/>
+            </a:xfrm>
+            <a:custGeom>
+              <a:avLst/>
+              <a:pathLst>
+                <a:path w="2036743" h="0">
+                  <a:moveTo>
+                    <a:pt x="0" y="0"/>
+                  </a:moveTo>
+                  <a:lnTo>
+                    <a:pt x="2036743" y="0"/>
+                  </a:lnTo>
+                  <a:lnTo>
+                    <a:pt x="2036743" y="0"/>
+                  </a:lnTo>
+                </a:path>
+              </a:pathLst>
+            </a:custGeom>
+            <a:ln w="6775" cap="flat">
+              <a:solidFill>
+                <a:srgbClr val="DEDEDE">
+                  <a:alpha val="100000"/>
+                </a:srgbClr>
+              </a:solidFill>
+              <a:prstDash val="solid"/>
+              <a:round/>
+            </a:ln>
+          </p:spPr>
+          <p:txBody>
+            <a:bodyPr/>
+            <a:lstStyle/>
+            <a:p/>
+          </p:txBody>
+        </p:sp>
+        <p:sp>
+          <p:nvSpPr>
+            <p:cNvPr id="56" name="pl56"/>
+            <p:cNvSpPr/>
+            <p:nvPr/>
+          </p:nvSpPr>
+          <p:spPr>
+            <a:xfrm>
+              <a:off x="4461949" y="3158650"/>
+              <a:ext cx="2036743" cy="0"/>
+            </a:xfrm>
+            <a:custGeom>
+              <a:avLst/>
+              <a:pathLst>
+                <a:path w="2036743" h="0">
+                  <a:moveTo>
+                    <a:pt x="0" y="0"/>
+                  </a:moveTo>
+                  <a:lnTo>
+                    <a:pt x="2036743" y="0"/>
+                  </a:lnTo>
+                  <a:lnTo>
+                    <a:pt x="2036743" y="0"/>
+                  </a:lnTo>
+                </a:path>
+              </a:pathLst>
+            </a:custGeom>
+            <a:ln w="6775" cap="flat">
+              <a:solidFill>
+                <a:srgbClr val="DEDEDE">
+                  <a:alpha val="100000"/>
+                </a:srgbClr>
+              </a:solidFill>
+              <a:prstDash val="solid"/>
+              <a:round/>
+            </a:ln>
+          </p:spPr>
+          <p:txBody>
+            <a:bodyPr/>
+            <a:lstStyle/>
+            <a:p/>
+          </p:txBody>
+        </p:sp>
+        <p:sp>
+          <p:nvSpPr>
+            <p:cNvPr id="57" name="pl57"/>
+            <p:cNvSpPr/>
+            <p:nvPr/>
+          </p:nvSpPr>
+          <p:spPr>
+            <a:xfrm>
+              <a:off x="4461949" y="2589572"/>
+              <a:ext cx="2036743" cy="0"/>
+            </a:xfrm>
+            <a:custGeom>
+              <a:avLst/>
+              <a:pathLst>
+                <a:path w="2036743" h="0">
+                  <a:moveTo>
+                    <a:pt x="0" y="0"/>
+                  </a:moveTo>
+                  <a:lnTo>
+                    <a:pt x="2036743" y="0"/>
+                  </a:lnTo>
+                  <a:lnTo>
+                    <a:pt x="2036743" y="0"/>
+                  </a:lnTo>
+                </a:path>
+              </a:pathLst>
+            </a:custGeom>
+            <a:ln w="6775" cap="flat">
+              <a:solidFill>
+                <a:srgbClr val="DEDEDE">
+                  <a:alpha val="100000"/>
+                </a:srgbClr>
+              </a:solidFill>
+              <a:prstDash val="solid"/>
+              <a:round/>
+            </a:ln>
+          </p:spPr>
+          <p:txBody>
+            <a:bodyPr/>
+            <a:lstStyle/>
+            <a:p/>
+          </p:txBody>
+        </p:sp>
+        <p:sp>
+          <p:nvSpPr>
+            <p:cNvPr id="58" name="pl58"/>
+            <p:cNvSpPr/>
+            <p:nvPr/>
+          </p:nvSpPr>
+          <p:spPr>
+            <a:xfrm>
+              <a:off x="4461949" y="2248125"/>
+              <a:ext cx="0" cy="2959205"/>
+            </a:xfrm>
+            <a:custGeom>
+              <a:avLst/>
+              <a:pathLst>
+                <a:path w="0" h="2959205">
+                  <a:moveTo>
+                    <a:pt x="0" y="2959205"/>
+                  </a:moveTo>
+                  <a:lnTo>
+                    <a:pt x="0" y="0"/>
+                  </a:lnTo>
+                  <a:lnTo>
+                    <a:pt x="0" y="0"/>
+                  </a:lnTo>
+                </a:path>
+              </a:pathLst>
+            </a:custGeom>
+            <a:ln w="6775" cap="flat">
+              <a:solidFill>
+                <a:srgbClr val="DEDEDE">
+                  <a:alpha val="100000"/>
+                </a:srgbClr>
+              </a:solidFill>
+              <a:prstDash val="solid"/>
+              <a:round/>
+            </a:ln>
+          </p:spPr>
+          <p:txBody>
+            <a:bodyPr/>
+            <a:lstStyle/>
+            <a:p/>
+          </p:txBody>
+        </p:sp>
+        <p:sp>
+          <p:nvSpPr>
+            <p:cNvPr id="59" name="pl59"/>
+            <p:cNvSpPr/>
+            <p:nvPr/>
+          </p:nvSpPr>
+          <p:spPr>
+            <a:xfrm>
+              <a:off x="5196069" y="2248125"/>
+              <a:ext cx="0" cy="2959205"/>
+            </a:xfrm>
+            <a:custGeom>
+              <a:avLst/>
+              <a:pathLst>
+                <a:path w="0" h="2959205">
+                  <a:moveTo>
+                    <a:pt x="0" y="2959205"/>
+                  </a:moveTo>
+                  <a:lnTo>
+                    <a:pt x="0" y="0"/>
+                  </a:lnTo>
+                  <a:lnTo>
+                    <a:pt x="0" y="0"/>
+                  </a:lnTo>
+                </a:path>
+              </a:pathLst>
+            </a:custGeom>
+            <a:ln w="6775" cap="flat">
+              <a:solidFill>
+                <a:srgbClr val="DEDEDE">
+                  <a:alpha val="100000"/>
+                </a:srgbClr>
+              </a:solidFill>
+              <a:prstDash val="solid"/>
+              <a:round/>
+            </a:ln>
+          </p:spPr>
+          <p:txBody>
+            <a:bodyPr/>
+            <a:lstStyle/>
+            <a:p/>
+          </p:txBody>
+        </p:sp>
+        <p:sp>
+          <p:nvSpPr>
+            <p:cNvPr id="60" name="pl60"/>
+            <p:cNvSpPr/>
+            <p:nvPr/>
+          </p:nvSpPr>
+          <p:spPr>
+            <a:xfrm>
+              <a:off x="5930189" y="2248125"/>
+              <a:ext cx="0" cy="2959205"/>
+            </a:xfrm>
+            <a:custGeom>
+              <a:avLst/>
+              <a:pathLst>
+                <a:path w="0" h="2959205">
+                  <a:moveTo>
+                    <a:pt x="0" y="2959205"/>
+                  </a:moveTo>
+                  <a:lnTo>
+                    <a:pt x="0" y="0"/>
+                  </a:lnTo>
+                  <a:lnTo>
+                    <a:pt x="0" y="0"/>
+                  </a:lnTo>
+                </a:path>
+              </a:pathLst>
+            </a:custGeom>
+            <a:ln w="6775" cap="flat">
+              <a:solidFill>
+                <a:srgbClr val="DEDEDE">
+                  <a:alpha val="100000"/>
+                </a:srgbClr>
+              </a:solidFill>
+              <a:prstDash val="solid"/>
+              <a:round/>
+            </a:ln>
+          </p:spPr>
+          <p:txBody>
+            <a:bodyPr/>
+            <a:lstStyle/>
+            <a:p/>
+          </p:txBody>
+        </p:sp>
+        <p:sp>
+          <p:nvSpPr>
+            <p:cNvPr id="61" name="rc61"/>
+            <p:cNvSpPr/>
+            <p:nvPr/>
+          </p:nvSpPr>
+          <p:spPr>
+            <a:xfrm>
+              <a:off x="4461949" y="2333486"/>
+              <a:ext cx="1996807" cy="512170"/>
+            </a:xfrm>
+            <a:prstGeom prst="rect">
+              <a:avLst/>
+            </a:prstGeom>
+            <a:solidFill>
+              <a:srgbClr val="595959">
+                <a:alpha val="100000"/>
+              </a:srgbClr>
+            </a:solidFill>
+          </p:spPr>
+          <p:txBody>
+            <a:bodyPr/>
+            <a:lstStyle/>
+            <a:p/>
+          </p:txBody>
+        </p:sp>
+        <p:sp>
+          <p:nvSpPr>
+            <p:cNvPr id="62" name="rc62"/>
+            <p:cNvSpPr/>
+            <p:nvPr/>
+          </p:nvSpPr>
+          <p:spPr>
+            <a:xfrm>
+              <a:off x="4461949" y="2902564"/>
+              <a:ext cx="1732523" cy="512170"/>
+            </a:xfrm>
+            <a:prstGeom prst="rect">
+              <a:avLst/>
+            </a:prstGeom>
+            <a:solidFill>
+              <a:srgbClr val="595959">
+                <a:alpha val="100000"/>
+              </a:srgbClr>
+            </a:solidFill>
+          </p:spPr>
+          <p:txBody>
+            <a:bodyPr/>
+            <a:lstStyle/>
+            <a:p/>
+          </p:txBody>
+        </p:sp>
+        <p:sp>
+          <p:nvSpPr>
+            <p:cNvPr id="63" name="rc63"/>
+            <p:cNvSpPr/>
+            <p:nvPr/>
+          </p:nvSpPr>
+          <p:spPr>
+            <a:xfrm>
+              <a:off x="4461949" y="3471643"/>
+              <a:ext cx="1123203" cy="512170"/>
+            </a:xfrm>
+            <a:prstGeom prst="rect">
+              <a:avLst/>
+            </a:prstGeom>
+            <a:solidFill>
+              <a:srgbClr val="595959">
+                <a:alpha val="100000"/>
+              </a:srgbClr>
+            </a:solidFill>
+          </p:spPr>
+          <p:txBody>
+            <a:bodyPr/>
+            <a:lstStyle/>
+            <a:p/>
+          </p:txBody>
+        </p:sp>
+        <p:sp>
+          <p:nvSpPr>
+            <p:cNvPr id="64" name="rc64"/>
+            <p:cNvSpPr/>
+            <p:nvPr/>
+          </p:nvSpPr>
+          <p:spPr>
+            <a:xfrm>
+              <a:off x="4461949" y="4040721"/>
+              <a:ext cx="1093839" cy="512170"/>
+            </a:xfrm>
+            <a:prstGeom prst="rect">
+              <a:avLst/>
+            </a:prstGeom>
+            <a:solidFill>
+              <a:srgbClr val="595959">
+                <a:alpha val="100000"/>
+              </a:srgbClr>
+            </a:solidFill>
+          </p:spPr>
+          <p:txBody>
+            <a:bodyPr/>
+            <a:lstStyle/>
+            <a:p/>
+          </p:txBody>
+        </p:sp>
+        <p:sp>
+          <p:nvSpPr>
+            <p:cNvPr id="65" name="rc65"/>
+            <p:cNvSpPr/>
+            <p:nvPr/>
+          </p:nvSpPr>
+          <p:spPr>
+            <a:xfrm>
+              <a:off x="4461949" y="4609799"/>
+              <a:ext cx="660708" cy="512170"/>
+            </a:xfrm>
+            <a:prstGeom prst="rect">
+              <a:avLst/>
+            </a:prstGeom>
+            <a:solidFill>
+              <a:srgbClr val="595959">
+                <a:alpha val="100000"/>
+              </a:srgbClr>
+            </a:solidFill>
+          </p:spPr>
+          <p:txBody>
+            <a:bodyPr/>
+            <a:lstStyle/>
+            <a:p/>
+          </p:txBody>
+        </p:sp>
+        <p:sp>
+          <p:nvSpPr>
+            <p:cNvPr id="66" name="tx66"/>
+            <p:cNvSpPr/>
+            <p:nvPr/>
+          </p:nvSpPr>
+          <p:spPr>
+            <a:xfrm>
+              <a:off x="6163974" y="2533612"/>
+              <a:ext cx="261378" cy="79239"/>
+            </a:xfrm>
+            <a:prstGeom prst="rect">
+              <a:avLst/>
+            </a:prstGeom>
+            <a:noFill/>
+          </p:spPr>
+          <p:txBody>
+            <a:bodyPr lIns="0" rIns="0" tIns="0" bIns="0" anchorCtr="1" anchor="ctr" wrap="none"/>
+            <a:lstStyle/>
+            <a:p>
+              <a:pPr algn="l" marL="0" marR="0" indent="0">
+                <a:lnSpc>
+                  <a:spcPts val="853"/>
+                </a:lnSpc>
+                <a:spcBef>
+                  <a:spcPts val="0"/>
+                </a:spcBef>
+                <a:spcAft>
+                  <a:spcPts val="0"/>
+                </a:spcAft>
+              </a:pPr>
+              <a:r>
+                <a:rPr sz="853" b="1">
+                  <a:solidFill>
+                    <a:srgbClr val="FFFFFF">
+                      <a:alpha val="100000"/>
+                    </a:srgbClr>
+                  </a:solidFill>
+                  <a:latin typeface="Arial"/>
+                  <a:cs typeface="Arial"/>
+                </a:rPr>
+                <a:t>≤10亿</a:t>
+              </a:r>
+            </a:p>
+          </p:txBody>
+        </p:sp>
+        <p:sp>
+          <p:nvSpPr>
+            <p:cNvPr id="67" name="tx67"/>
+            <p:cNvSpPr/>
+            <p:nvPr/>
+          </p:nvSpPr>
+          <p:spPr>
+            <a:xfrm>
+              <a:off x="5802508" y="3102690"/>
+              <a:ext cx="358562" cy="79239"/>
+            </a:xfrm>
+            <a:prstGeom prst="rect">
+              <a:avLst/>
+            </a:prstGeom>
+            <a:noFill/>
+          </p:spPr>
+          <p:txBody>
+            <a:bodyPr lIns="0" rIns="0" tIns="0" bIns="0" anchorCtr="1" anchor="ctr" wrap="none"/>
+            <a:lstStyle/>
+            <a:p>
+              <a:pPr algn="l" marL="0" marR="0" indent="0">
+                <a:lnSpc>
+                  <a:spcPts val="853"/>
+                </a:lnSpc>
+                <a:spcBef>
+                  <a:spcPts val="0"/>
+                </a:spcBef>
+                <a:spcAft>
+                  <a:spcPts val="0"/>
+                </a:spcAft>
+              </a:pPr>
+              <a:r>
+                <a:rPr sz="853" b="1">
+                  <a:solidFill>
+                    <a:srgbClr val="FFFFFF">
+                      <a:alpha val="100000"/>
+                    </a:srgbClr>
+                  </a:solidFill>
+                  <a:latin typeface="Arial"/>
+                  <a:cs typeface="Arial"/>
+                </a:rPr>
+                <a:t>10-50亿</a:t>
+              </a:r>
+            </a:p>
+          </p:txBody>
+        </p:sp>
+        <p:sp>
+          <p:nvSpPr>
+            <p:cNvPr id="68" name="tx68"/>
+            <p:cNvSpPr/>
+            <p:nvPr/>
+          </p:nvSpPr>
+          <p:spPr>
+            <a:xfrm>
+              <a:off x="5132898" y="3671768"/>
+              <a:ext cx="418851" cy="79239"/>
+            </a:xfrm>
+            <a:prstGeom prst="rect">
+              <a:avLst/>
+            </a:prstGeom>
+            <a:noFill/>
+          </p:spPr>
+          <p:txBody>
+            <a:bodyPr lIns="0" rIns="0" tIns="0" bIns="0" anchorCtr="1" anchor="ctr" wrap="none"/>
+            <a:lstStyle/>
+            <a:p>
+              <a:pPr algn="l" marL="0" marR="0" indent="0">
+                <a:lnSpc>
+                  <a:spcPts val="853"/>
+                </a:lnSpc>
+                <a:spcBef>
+                  <a:spcPts val="0"/>
+                </a:spcBef>
+                <a:spcAft>
+                  <a:spcPts val="0"/>
+                </a:spcAft>
+              </a:pPr>
+              <a:r>
+                <a:rPr sz="853" b="1">
+                  <a:solidFill>
+                    <a:srgbClr val="FFFFFF">
+                      <a:alpha val="100000"/>
+                    </a:srgbClr>
+                  </a:solidFill>
+                  <a:latin typeface="Arial"/>
+                  <a:cs typeface="Arial"/>
+                </a:rPr>
+                <a:t>50-100亿</a:t>
+              </a:r>
+            </a:p>
+          </p:txBody>
+        </p:sp>
+        <p:sp>
+          <p:nvSpPr>
+            <p:cNvPr id="69" name="tx69"/>
+            <p:cNvSpPr/>
+            <p:nvPr/>
+          </p:nvSpPr>
+          <p:spPr>
+            <a:xfrm>
+              <a:off x="5197170" y="4252332"/>
+              <a:ext cx="325215" cy="67753"/>
+            </a:xfrm>
+            <a:prstGeom prst="rect">
+              <a:avLst/>
+            </a:prstGeom>
+            <a:noFill/>
+          </p:spPr>
+          <p:txBody>
+            <a:bodyPr lIns="0" rIns="0" tIns="0" bIns="0" anchorCtr="1" anchor="ctr" wrap="none"/>
+            <a:lstStyle/>
+            <a:p>
+              <a:pPr algn="l" marL="0" marR="0" indent="0">
+                <a:lnSpc>
+                  <a:spcPts val="853"/>
+                </a:lnSpc>
+                <a:spcBef>
+                  <a:spcPts val="0"/>
+                </a:spcBef>
+                <a:spcAft>
+                  <a:spcPts val="0"/>
+                </a:spcAft>
+              </a:pPr>
+              <a:r>
+                <a:rPr sz="853" b="1">
+                  <a:solidFill>
+                    <a:srgbClr val="FFFFFF">
+                      <a:alpha val="100000"/>
+                    </a:srgbClr>
+                  </a:solidFill>
+                  <a:latin typeface="Arial"/>
+                  <a:cs typeface="Arial"/>
+                </a:rPr>
+                <a:t>不应摄入</a:t>
+              </a:r>
+            </a:p>
+          </p:txBody>
+        </p:sp>
+        <p:sp>
+          <p:nvSpPr>
+            <p:cNvPr id="70" name="tx70"/>
+            <p:cNvSpPr/>
+            <p:nvPr/>
+          </p:nvSpPr>
+          <p:spPr>
+            <a:xfrm>
+              <a:off x="5156059" y="4825391"/>
+              <a:ext cx="479141" cy="79292"/>
+            </a:xfrm>
+            <a:prstGeom prst="rect">
+              <a:avLst/>
+            </a:prstGeom>
+            <a:noFill/>
+          </p:spPr>
+          <p:txBody>
+            <a:bodyPr lIns="0" rIns="0" tIns="0" bIns="0" anchorCtr="1" anchor="ctr" wrap="none"/>
+            <a:lstStyle/>
+            <a:p>
+              <a:pPr algn="l" marL="0" marR="0" indent="0">
+                <a:lnSpc>
+                  <a:spcPts val="853"/>
+                </a:lnSpc>
+                <a:spcBef>
+                  <a:spcPts val="0"/>
+                </a:spcBef>
+                <a:spcAft>
+                  <a:spcPts val="0"/>
+                </a:spcAft>
+              </a:pPr>
+              <a:r>
+                <a:rPr sz="853">
+                  <a:solidFill>
+                    <a:srgbClr val="000000">
+                      <a:alpha val="100000"/>
+                    </a:srgbClr>
+                  </a:solidFill>
+                  <a:latin typeface="Arial"/>
+                  <a:cs typeface="Arial"/>
+                </a:rPr>
+                <a:t>100-300亿</a:t>
+              </a:r>
+            </a:p>
+          </p:txBody>
+        </p:sp>
+        <p:sp>
+          <p:nvSpPr>
+            <p:cNvPr id="71" name="rc71"/>
+            <p:cNvSpPr/>
+            <p:nvPr/>
+          </p:nvSpPr>
+          <p:spPr>
+            <a:xfrm>
+              <a:off x="4461949" y="2248125"/>
+              <a:ext cx="2036743" cy="2959205"/>
+            </a:xfrm>
+            <a:prstGeom prst="rect">
+              <a:avLst/>
+            </a:prstGeom>
+            <a:ln w="13550" cap="rnd">
+              <a:solidFill>
+                <a:srgbClr val="B3B3B3">
+                  <a:alpha val="100000"/>
+                </a:srgbClr>
+              </a:solidFill>
+              <a:prstDash val="solid"/>
+              <a:round/>
+            </a:ln>
+          </p:spPr>
+          <p:txBody>
+            <a:bodyPr/>
+            <a:lstStyle/>
+            <a:p/>
+          </p:txBody>
+        </p:sp>
+        <p:sp>
+          <p:nvSpPr>
+            <p:cNvPr id="72" name="tx72"/>
+            <p:cNvSpPr/>
+            <p:nvPr/>
+          </p:nvSpPr>
+          <p:spPr>
+            <a:xfrm>
+              <a:off x="4364999" y="4825611"/>
+              <a:ext cx="62155" cy="80272"/>
+            </a:xfrm>
+            <a:prstGeom prst="rect">
+              <a:avLst/>
+            </a:prstGeom>
+            <a:noFill/>
+          </p:spPr>
+          <p:txBody>
+            <a:bodyPr lIns="0" rIns="0" tIns="0" bIns="0" anchorCtr="1" anchor="ctr" wrap="none"/>
+            <a:lstStyle/>
+            <a:p>
+              <a:pPr algn="l" marL="0" marR="0" indent="0">
+                <a:lnSpc>
+                  <a:spcPts val="880"/>
+                </a:lnSpc>
+                <a:spcBef>
+                  <a:spcPts val="0"/>
+                </a:spcBef>
+                <a:spcAft>
+                  <a:spcPts val="0"/>
+                </a:spcAft>
+              </a:pPr>
+              <a:r>
+                <a:rPr sz="880" b="1">
+                  <a:solidFill>
+                    <a:srgbClr val="4D4D4D">
+                      <a:alpha val="100000"/>
+                    </a:srgbClr>
+                  </a:solidFill>
+                  <a:latin typeface="Arial"/>
+                  <a:cs typeface="Arial"/>
+                </a:rPr>
+                <a:t>5</a:t>
+              </a:r>
+            </a:p>
+          </p:txBody>
+        </p:sp>
+        <p:sp>
+          <p:nvSpPr>
+            <p:cNvPr id="73" name="tx73"/>
+            <p:cNvSpPr/>
+            <p:nvPr/>
+          </p:nvSpPr>
+          <p:spPr>
+            <a:xfrm>
+              <a:off x="4364999" y="4256478"/>
+              <a:ext cx="62155" cy="80327"/>
+            </a:xfrm>
+            <a:prstGeom prst="rect">
+              <a:avLst/>
+            </a:prstGeom>
+            <a:noFill/>
+          </p:spPr>
+          <p:txBody>
+            <a:bodyPr lIns="0" rIns="0" tIns="0" bIns="0" anchorCtr="1" anchor="ctr" wrap="none"/>
+            <a:lstStyle/>
+            <a:p>
+              <a:pPr algn="l" marL="0" marR="0" indent="0">
+                <a:lnSpc>
+                  <a:spcPts val="880"/>
+                </a:lnSpc>
+                <a:spcBef>
+                  <a:spcPts val="0"/>
+                </a:spcBef>
+                <a:spcAft>
+                  <a:spcPts val="0"/>
+                </a:spcAft>
+              </a:pPr>
+              <a:r>
+                <a:rPr sz="880" b="1">
+                  <a:solidFill>
+                    <a:srgbClr val="4D4D4D">
+                      <a:alpha val="100000"/>
+                    </a:srgbClr>
+                  </a:solidFill>
+                  <a:latin typeface="Arial"/>
+                  <a:cs typeface="Arial"/>
+                </a:rPr>
+                <a:t>4</a:t>
+              </a:r>
+            </a:p>
+          </p:txBody>
+        </p:sp>
+        <p:sp>
+          <p:nvSpPr>
+            <p:cNvPr id="74" name="tx74"/>
+            <p:cNvSpPr/>
+            <p:nvPr/>
+          </p:nvSpPr>
+          <p:spPr>
+            <a:xfrm>
+              <a:off x="4364999" y="3686036"/>
+              <a:ext cx="62155" cy="81691"/>
+            </a:xfrm>
+            <a:prstGeom prst="rect">
+              <a:avLst/>
+            </a:prstGeom>
+            <a:noFill/>
+          </p:spPr>
+          <p:txBody>
+            <a:bodyPr lIns="0" rIns="0" tIns="0" bIns="0" anchorCtr="1" anchor="ctr" wrap="none"/>
+            <a:lstStyle/>
+            <a:p>
+              <a:pPr algn="l" marL="0" marR="0" indent="0">
+                <a:lnSpc>
+                  <a:spcPts val="880"/>
+                </a:lnSpc>
+                <a:spcBef>
+                  <a:spcPts val="0"/>
+                </a:spcBef>
+                <a:spcAft>
+                  <a:spcPts val="0"/>
+                </a:spcAft>
+              </a:pPr>
+              <a:r>
+                <a:rPr sz="880" b="1">
+                  <a:solidFill>
+                    <a:srgbClr val="4D4D4D">
+                      <a:alpha val="100000"/>
+                    </a:srgbClr>
+                  </a:solidFill>
+                  <a:latin typeface="Arial"/>
+                  <a:cs typeface="Arial"/>
+                </a:rPr>
+                <a:t>3</a:t>
+              </a:r>
+            </a:p>
+          </p:txBody>
+        </p:sp>
+        <p:sp>
+          <p:nvSpPr>
+            <p:cNvPr id="75" name="tx75"/>
+            <p:cNvSpPr/>
+            <p:nvPr/>
+          </p:nvSpPr>
+          <p:spPr>
+            <a:xfrm>
+              <a:off x="4364999" y="3118322"/>
+              <a:ext cx="62155" cy="80327"/>
+            </a:xfrm>
+            <a:prstGeom prst="rect">
+              <a:avLst/>
+            </a:prstGeom>
+            <a:noFill/>
+          </p:spPr>
+          <p:txBody>
+            <a:bodyPr lIns="0" rIns="0" tIns="0" bIns="0" anchorCtr="1" anchor="ctr" wrap="none"/>
+            <a:lstStyle/>
+            <a:p>
+              <a:pPr algn="l" marL="0" marR="0" indent="0">
+                <a:lnSpc>
+                  <a:spcPts val="880"/>
+                </a:lnSpc>
+                <a:spcBef>
+                  <a:spcPts val="0"/>
+                </a:spcBef>
+                <a:spcAft>
+                  <a:spcPts val="0"/>
+                </a:spcAft>
+              </a:pPr>
+              <a:r>
+                <a:rPr sz="880" b="1">
+                  <a:solidFill>
+                    <a:srgbClr val="4D4D4D">
+                      <a:alpha val="100000"/>
+                    </a:srgbClr>
+                  </a:solidFill>
+                  <a:latin typeface="Arial"/>
+                  <a:cs typeface="Arial"/>
+                </a:rPr>
+                <a:t>2</a:t>
+              </a:r>
+            </a:p>
+          </p:txBody>
+        </p:sp>
+        <p:sp>
+          <p:nvSpPr>
+            <p:cNvPr id="76" name="tx76"/>
+            <p:cNvSpPr/>
+            <p:nvPr/>
+          </p:nvSpPr>
+          <p:spPr>
+            <a:xfrm>
+              <a:off x="4364999" y="2549244"/>
+              <a:ext cx="62155" cy="80327"/>
+            </a:xfrm>
+            <a:prstGeom prst="rect">
+              <a:avLst/>
+            </a:prstGeom>
+            <a:noFill/>
+          </p:spPr>
+          <p:txBody>
+            <a:bodyPr lIns="0" rIns="0" tIns="0" bIns="0" anchorCtr="1" anchor="ctr" wrap="none"/>
+            <a:lstStyle/>
+            <a:p>
+              <a:pPr algn="l" marL="0" marR="0" indent="0">
+                <a:lnSpc>
+                  <a:spcPts val="880"/>
+                </a:lnSpc>
+                <a:spcBef>
+                  <a:spcPts val="0"/>
+                </a:spcBef>
+                <a:spcAft>
+                  <a:spcPts val="0"/>
+                </a:spcAft>
+              </a:pPr>
+              <a:r>
+                <a:rPr sz="880" b="1">
+                  <a:solidFill>
+                    <a:srgbClr val="4D4D4D">
+                      <a:alpha val="100000"/>
+                    </a:srgbClr>
+                  </a:solidFill>
+                  <a:latin typeface="Arial"/>
+                  <a:cs typeface="Arial"/>
+                </a:rPr>
+                <a:t>1</a:t>
+              </a:r>
+            </a:p>
+          </p:txBody>
+        </p:sp>
+        <p:sp>
+          <p:nvSpPr>
+            <p:cNvPr id="77" name="pl77"/>
+            <p:cNvSpPr/>
+            <p:nvPr/>
+          </p:nvSpPr>
+          <p:spPr>
+            <a:xfrm>
+              <a:off x="4427154" y="4865884"/>
+              <a:ext cx="34794" cy="0"/>
+            </a:xfrm>
+            <a:custGeom>
+              <a:avLst/>
+              <a:pathLst>
+                <a:path w="34794" h="0">
+                  <a:moveTo>
+                    <a:pt x="0" y="0"/>
+                  </a:moveTo>
+                  <a:lnTo>
+                    <a:pt x="34794" y="0"/>
+                  </a:lnTo>
+                </a:path>
+              </a:pathLst>
+            </a:custGeom>
+            <a:ln w="6775" cap="flat">
+              <a:solidFill>
+                <a:srgbClr val="B3B3B3">
+                  <a:alpha val="100000"/>
+                </a:srgbClr>
+              </a:solidFill>
+              <a:prstDash val="solid"/>
+              <a:round/>
+            </a:ln>
+          </p:spPr>
+          <p:txBody>
+            <a:bodyPr/>
+            <a:lstStyle/>
+            <a:p/>
+          </p:txBody>
+        </p:sp>
+        <p:sp>
+          <p:nvSpPr>
+            <p:cNvPr id="78" name="pl78"/>
+            <p:cNvSpPr/>
+            <p:nvPr/>
+          </p:nvSpPr>
+          <p:spPr>
+            <a:xfrm>
+              <a:off x="4427154" y="4296806"/>
+              <a:ext cx="34794" cy="0"/>
+            </a:xfrm>
+            <a:custGeom>
+              <a:avLst/>
+              <a:pathLst>
+                <a:path w="34794" h="0">
+                  <a:moveTo>
+                    <a:pt x="0" y="0"/>
+                  </a:moveTo>
+                  <a:lnTo>
+                    <a:pt x="34794" y="0"/>
+                  </a:lnTo>
+                </a:path>
+              </a:pathLst>
+            </a:custGeom>
+            <a:ln w="6775" cap="flat">
+              <a:solidFill>
+                <a:srgbClr val="B3B3B3">
+                  <a:alpha val="100000"/>
+                </a:srgbClr>
+              </a:solidFill>
+              <a:prstDash val="solid"/>
+              <a:round/>
+            </a:ln>
+          </p:spPr>
+          <p:txBody>
+            <a:bodyPr/>
+            <a:lstStyle/>
+            <a:p/>
+          </p:txBody>
+        </p:sp>
+        <p:sp>
+          <p:nvSpPr>
+            <p:cNvPr id="79" name="pl79"/>
+            <p:cNvSpPr/>
+            <p:nvPr/>
+          </p:nvSpPr>
+          <p:spPr>
+            <a:xfrm>
+              <a:off x="4427154" y="3727728"/>
+              <a:ext cx="34794" cy="0"/>
+            </a:xfrm>
+            <a:custGeom>
+              <a:avLst/>
+              <a:pathLst>
+                <a:path w="34794" h="0">
+                  <a:moveTo>
+                    <a:pt x="0" y="0"/>
+                  </a:moveTo>
+                  <a:lnTo>
+                    <a:pt x="34794" y="0"/>
+                  </a:lnTo>
+                </a:path>
+              </a:pathLst>
+            </a:custGeom>
+            <a:ln w="6775" cap="flat">
+              <a:solidFill>
+                <a:srgbClr val="B3B3B3">
+                  <a:alpha val="100000"/>
+                </a:srgbClr>
+              </a:solidFill>
+              <a:prstDash val="solid"/>
+              <a:round/>
+            </a:ln>
+          </p:spPr>
+          <p:txBody>
+            <a:bodyPr/>
+            <a:lstStyle/>
+            <a:p/>
+          </p:txBody>
+        </p:sp>
+        <p:sp>
+          <p:nvSpPr>
+            <p:cNvPr id="80" name="pl80"/>
+            <p:cNvSpPr/>
+            <p:nvPr/>
+          </p:nvSpPr>
+          <p:spPr>
+            <a:xfrm>
+              <a:off x="4427154" y="3158650"/>
+              <a:ext cx="34794" cy="0"/>
+            </a:xfrm>
+            <a:custGeom>
+              <a:avLst/>
+              <a:pathLst>
+                <a:path w="34794" h="0">
+                  <a:moveTo>
+                    <a:pt x="0" y="0"/>
+                  </a:moveTo>
+                  <a:lnTo>
+                    <a:pt x="34794" y="0"/>
+                  </a:lnTo>
+                </a:path>
+              </a:pathLst>
+            </a:custGeom>
+            <a:ln w="6775" cap="flat">
+              <a:solidFill>
+                <a:srgbClr val="B3B3B3">
+                  <a:alpha val="100000"/>
+                </a:srgbClr>
+              </a:solidFill>
+              <a:prstDash val="solid"/>
+              <a:round/>
+            </a:ln>
+          </p:spPr>
+          <p:txBody>
+            <a:bodyPr/>
+            <a:lstStyle/>
+            <a:p/>
+          </p:txBody>
+        </p:sp>
+        <p:sp>
+          <p:nvSpPr>
+            <p:cNvPr id="81" name="pl81"/>
+            <p:cNvSpPr/>
+            <p:nvPr/>
+          </p:nvSpPr>
+          <p:spPr>
+            <a:xfrm>
+              <a:off x="4427154" y="2589572"/>
+              <a:ext cx="34794" cy="0"/>
+            </a:xfrm>
+            <a:custGeom>
+              <a:avLst/>
+              <a:pathLst>
+                <a:path w="34794" h="0">
+                  <a:moveTo>
+                    <a:pt x="0" y="0"/>
+                  </a:moveTo>
+                  <a:lnTo>
+                    <a:pt x="34794" y="0"/>
+                  </a:lnTo>
+                </a:path>
+              </a:pathLst>
+            </a:custGeom>
+            <a:ln w="6775" cap="flat">
+              <a:solidFill>
+                <a:srgbClr val="B3B3B3">
+                  <a:alpha val="100000"/>
+                </a:srgbClr>
+              </a:solidFill>
+              <a:prstDash val="solid"/>
+              <a:round/>
+            </a:ln>
+          </p:spPr>
+          <p:txBody>
+            <a:bodyPr/>
+            <a:lstStyle/>
+            <a:p/>
+          </p:txBody>
+        </p:sp>
+        <p:sp>
+          <p:nvSpPr>
+            <p:cNvPr id="82" name="pl82"/>
+            <p:cNvSpPr/>
+            <p:nvPr/>
+          </p:nvSpPr>
+          <p:spPr>
+            <a:xfrm>
+              <a:off x="4461949" y="5207331"/>
+              <a:ext cx="0" cy="34794"/>
+            </a:xfrm>
+            <a:custGeom>
+              <a:avLst/>
+              <a:pathLst>
+                <a:path w="0" h="34794">
+                  <a:moveTo>
+                    <a:pt x="0" y="34794"/>
+                  </a:moveTo>
+                  <a:lnTo>
+                    <a:pt x="0" y="0"/>
+                  </a:lnTo>
+                </a:path>
+              </a:pathLst>
+            </a:custGeom>
+            <a:ln w="6775" cap="flat">
+              <a:solidFill>
+                <a:srgbClr val="B3B3B3">
+                  <a:alpha val="100000"/>
+                </a:srgbClr>
+              </a:solidFill>
+              <a:prstDash val="solid"/>
+              <a:round/>
+            </a:ln>
+          </p:spPr>
+          <p:txBody>
+            <a:bodyPr/>
+            <a:lstStyle/>
+            <a:p/>
+          </p:txBody>
+        </p:sp>
+        <p:sp>
+          <p:nvSpPr>
+            <p:cNvPr id="83" name="pl83"/>
+            <p:cNvSpPr/>
+            <p:nvPr/>
+          </p:nvSpPr>
+          <p:spPr>
+            <a:xfrm>
+              <a:off x="5196069" y="5207331"/>
+              <a:ext cx="0" cy="34794"/>
+            </a:xfrm>
+            <a:custGeom>
+              <a:avLst/>
+              <a:pathLst>
+                <a:path w="0" h="34794">
+                  <a:moveTo>
+                    <a:pt x="0" y="34794"/>
+                  </a:moveTo>
+                  <a:lnTo>
+                    <a:pt x="0" y="0"/>
+                  </a:lnTo>
+                </a:path>
+              </a:pathLst>
+            </a:custGeom>
+            <a:ln w="6775" cap="flat">
+              <a:solidFill>
+                <a:srgbClr val="B3B3B3">
+                  <a:alpha val="100000"/>
+                </a:srgbClr>
+              </a:solidFill>
+              <a:prstDash val="solid"/>
+              <a:round/>
+            </a:ln>
+          </p:spPr>
+          <p:txBody>
+            <a:bodyPr/>
+            <a:lstStyle/>
+            <a:p/>
+          </p:txBody>
+        </p:sp>
+        <p:sp>
+          <p:nvSpPr>
+            <p:cNvPr id="84" name="pl84"/>
+            <p:cNvSpPr/>
+            <p:nvPr/>
+          </p:nvSpPr>
+          <p:spPr>
+            <a:xfrm>
+              <a:off x="5930189" y="5207331"/>
+              <a:ext cx="0" cy="34794"/>
+            </a:xfrm>
+            <a:custGeom>
+              <a:avLst/>
+              <a:pathLst>
+                <a:path w="0" h="34794">
+                  <a:moveTo>
+                    <a:pt x="0" y="34794"/>
+                  </a:moveTo>
+                  <a:lnTo>
+                    <a:pt x="0" y="0"/>
+                  </a:lnTo>
+                </a:path>
+              </a:pathLst>
+            </a:custGeom>
+            <a:ln w="6775" cap="flat">
+              <a:solidFill>
+                <a:srgbClr val="B3B3B3">
+                  <a:alpha val="100000"/>
+                </a:srgbClr>
+              </a:solidFill>
+              <a:prstDash val="solid"/>
+              <a:round/>
+            </a:ln>
+          </p:spPr>
+          <p:txBody>
+            <a:bodyPr/>
+            <a:lstStyle/>
+            <a:p/>
+          </p:txBody>
+        </p:sp>
+        <p:sp>
+          <p:nvSpPr>
+            <p:cNvPr id="85" name="tx85"/>
+            <p:cNvSpPr/>
+            <p:nvPr/>
+          </p:nvSpPr>
+          <p:spPr>
+            <a:xfrm>
+              <a:off x="4430871" y="5268269"/>
+              <a:ext cx="62155" cy="81691"/>
+            </a:xfrm>
+            <a:prstGeom prst="rect">
+              <a:avLst/>
+            </a:prstGeom>
+            <a:noFill/>
+          </p:spPr>
+          <p:txBody>
+            <a:bodyPr lIns="0" rIns="0" tIns="0" bIns="0" anchorCtr="1" anchor="ctr" wrap="none"/>
+            <a:lstStyle/>
+            <a:p>
+              <a:pPr algn="l" marL="0" marR="0" indent="0">
+                <a:lnSpc>
+                  <a:spcPts val="880"/>
+                </a:lnSpc>
+                <a:spcBef>
+                  <a:spcPts val="0"/>
+                </a:spcBef>
+                <a:spcAft>
+                  <a:spcPts val="0"/>
+                </a:spcAft>
+              </a:pPr>
+              <a:r>
+                <a:rPr sz="880">
+                  <a:solidFill>
+                    <a:srgbClr val="4D4D4D">
+                      <a:alpha val="100000"/>
+                    </a:srgbClr>
+                  </a:solidFill>
+                  <a:latin typeface="Arial"/>
+                  <a:cs typeface="Arial"/>
+                </a:rPr>
+                <a:t>0</a:t>
+              </a:r>
+            </a:p>
+          </p:txBody>
+        </p:sp>
+        <p:sp>
+          <p:nvSpPr>
+            <p:cNvPr id="86" name="tx86"/>
+            <p:cNvSpPr/>
+            <p:nvPr/>
+          </p:nvSpPr>
+          <p:spPr>
+            <a:xfrm>
+              <a:off x="5102836" y="5268269"/>
+              <a:ext cx="186466" cy="81691"/>
+            </a:xfrm>
+            <a:prstGeom prst="rect">
+              <a:avLst/>
+            </a:prstGeom>
+            <a:noFill/>
+          </p:spPr>
+          <p:txBody>
+            <a:bodyPr lIns="0" rIns="0" tIns="0" bIns="0" anchorCtr="1" anchor="ctr" wrap="none"/>
+            <a:lstStyle/>
+            <a:p>
+              <a:pPr algn="l" marL="0" marR="0" indent="0">
+                <a:lnSpc>
+                  <a:spcPts val="880"/>
+                </a:lnSpc>
+                <a:spcBef>
+                  <a:spcPts val="0"/>
+                </a:spcBef>
+                <a:spcAft>
+                  <a:spcPts val="0"/>
+                </a:spcAft>
+              </a:pPr>
+              <a:r>
+                <a:rPr sz="880">
+                  <a:solidFill>
+                    <a:srgbClr val="4D4D4D">
+                      <a:alpha val="100000"/>
+                    </a:srgbClr>
+                  </a:solidFill>
+                  <a:latin typeface="Arial"/>
+                  <a:cs typeface="Arial"/>
+                </a:rPr>
+                <a:t>100</a:t>
+              </a:r>
+            </a:p>
+          </p:txBody>
+        </p:sp>
+        <p:sp>
+          <p:nvSpPr>
+            <p:cNvPr id="87" name="tx87"/>
+            <p:cNvSpPr/>
+            <p:nvPr/>
+          </p:nvSpPr>
+          <p:spPr>
+            <a:xfrm>
+              <a:off x="5836956" y="5268269"/>
+              <a:ext cx="186466" cy="81691"/>
+            </a:xfrm>
+            <a:prstGeom prst="rect">
+              <a:avLst/>
+            </a:prstGeom>
+            <a:noFill/>
+          </p:spPr>
+          <p:txBody>
+            <a:bodyPr lIns="0" rIns="0" tIns="0" bIns="0" anchorCtr="1" anchor="ctr" wrap="none"/>
+            <a:lstStyle/>
+            <a:p>
+              <a:pPr algn="l" marL="0" marR="0" indent="0">
+                <a:lnSpc>
+                  <a:spcPts val="880"/>
+                </a:lnSpc>
+                <a:spcBef>
+                  <a:spcPts val="0"/>
+                </a:spcBef>
+                <a:spcAft>
+                  <a:spcPts val="0"/>
+                </a:spcAft>
+              </a:pPr>
+              <a:r>
+                <a:rPr sz="880">
+                  <a:solidFill>
+                    <a:srgbClr val="4D4D4D">
+                      <a:alpha val="100000"/>
+                    </a:srgbClr>
+                  </a:solidFill>
+                  <a:latin typeface="Arial"/>
+                  <a:cs typeface="Arial"/>
+                </a:rPr>
+                <a:t>200</a:t>
+              </a:r>
+            </a:p>
+          </p:txBody>
+        </p:sp>
+        <p:sp>
+          <p:nvSpPr>
+            <p:cNvPr id="88" name="tx88"/>
+            <p:cNvSpPr/>
+            <p:nvPr/>
+          </p:nvSpPr>
+          <p:spPr>
+            <a:xfrm>
+              <a:off x="4461949" y="2019594"/>
+              <a:ext cx="461255" cy="122619"/>
+            </a:xfrm>
+            <a:prstGeom prst="rect">
+              <a:avLst/>
+            </a:prstGeom>
+            <a:noFill/>
+          </p:spPr>
+          <p:txBody>
+            <a:bodyPr lIns="0" rIns="0" tIns="0" bIns="0" anchorCtr="1" anchor="ctr" wrap="none"/>
+            <a:lstStyle/>
+            <a:p>
+              <a:pPr algn="l" marL="0" marR="0" indent="0">
+                <a:lnSpc>
+                  <a:spcPts val="1320"/>
+                </a:lnSpc>
+                <a:spcBef>
+                  <a:spcPts val="0"/>
+                </a:spcBef>
+                <a:spcAft>
+                  <a:spcPts val="0"/>
+                </a:spcAft>
+              </a:pPr>
+              <a:r>
+                <a:rPr sz="1320">
+                  <a:solidFill>
+                    <a:srgbClr val="000000">
+                      <a:alpha val="100000"/>
+                    </a:srgbClr>
+                  </a:solidFill>
+                  <a:latin typeface="Arial"/>
+                  <a:cs typeface="Arial"/>
+                </a:rPr>
+                <a:t>3-12岁</a:t>
+              </a:r>
+            </a:p>
+          </p:txBody>
+        </p:sp>
+        <p:sp>
+          <p:nvSpPr>
+            <p:cNvPr id="89" name="rc89"/>
+            <p:cNvSpPr/>
+            <p:nvPr/>
+          </p:nvSpPr>
+          <p:spPr>
+            <a:xfrm>
+              <a:off x="6568281" y="1952625"/>
+              <a:ext cx="2438399" cy="3657600"/>
+            </a:xfrm>
+            <a:prstGeom prst="rect">
+              <a:avLst/>
+            </a:prstGeom>
+            <a:solidFill>
+              <a:srgbClr val="FFFFFF">
+                <a:alpha val="100000"/>
+              </a:srgbClr>
+            </a:solidFill>
+            <a:ln w="13550" cap="rnd">
+              <a:solidFill>
+                <a:srgbClr val="FFFFFF">
+                  <a:alpha val="100000"/>
+                </a:srgbClr>
+              </a:solidFill>
+              <a:prstDash val="solid"/>
+              <a:round/>
+            </a:ln>
+          </p:spPr>
+          <p:txBody>
+            <a:bodyPr/>
+            <a:lstStyle/>
+            <a:p/>
+          </p:txBody>
+        </p:sp>
+        <p:sp>
+          <p:nvSpPr>
+            <p:cNvPr id="90" name="rc90"/>
+            <p:cNvSpPr/>
+            <p:nvPr/>
+          </p:nvSpPr>
+          <p:spPr>
+            <a:xfrm>
+              <a:off x="6900349" y="2248125"/>
+              <a:ext cx="2036743" cy="2959205"/>
+            </a:xfrm>
+            <a:prstGeom prst="rect">
+              <a:avLst/>
+            </a:prstGeom>
+            <a:solidFill>
+              <a:srgbClr val="FFFFFF">
+                <a:alpha val="100000"/>
+              </a:srgbClr>
+            </a:solidFill>
+          </p:spPr>
+          <p:txBody>
+            <a:bodyPr/>
+            <a:lstStyle/>
+            <a:p/>
+          </p:txBody>
+        </p:sp>
+        <p:sp>
+          <p:nvSpPr>
+            <p:cNvPr id="91" name="pl91"/>
+            <p:cNvSpPr/>
+            <p:nvPr/>
+          </p:nvSpPr>
+          <p:spPr>
+            <a:xfrm>
+              <a:off x="7117393" y="2248125"/>
+              <a:ext cx="0" cy="2959205"/>
+            </a:xfrm>
+            <a:custGeom>
+              <a:avLst/>
+              <a:pathLst>
+                <a:path w="0" h="2959205">
+                  <a:moveTo>
+                    <a:pt x="0" y="2959205"/>
+                  </a:moveTo>
+                  <a:lnTo>
+                    <a:pt x="0" y="0"/>
+                  </a:lnTo>
+                  <a:lnTo>
+                    <a:pt x="0" y="0"/>
+                  </a:lnTo>
+                </a:path>
+              </a:pathLst>
+            </a:custGeom>
+            <a:ln w="3387" cap="flat">
+              <a:solidFill>
+                <a:srgbClr val="DEDEDE">
+                  <a:alpha val="100000"/>
+                </a:srgbClr>
+              </a:solidFill>
+              <a:prstDash val="solid"/>
+              <a:round/>
+            </a:ln>
+          </p:spPr>
+          <p:txBody>
+            <a:bodyPr/>
+            <a:lstStyle/>
+            <a:p/>
+          </p:txBody>
+        </p:sp>
+        <p:sp>
+          <p:nvSpPr>
+            <p:cNvPr id="92" name="pl92"/>
+            <p:cNvSpPr/>
+            <p:nvPr/>
+          </p:nvSpPr>
+          <p:spPr>
+            <a:xfrm>
+              <a:off x="7551482" y="2248125"/>
+              <a:ext cx="0" cy="2959205"/>
+            </a:xfrm>
+            <a:custGeom>
+              <a:avLst/>
+              <a:pathLst>
+                <a:path w="0" h="2959205">
+                  <a:moveTo>
+                    <a:pt x="0" y="2959205"/>
+                  </a:moveTo>
+                  <a:lnTo>
+                    <a:pt x="0" y="0"/>
+                  </a:lnTo>
+                  <a:lnTo>
+                    <a:pt x="0" y="0"/>
+                  </a:lnTo>
+                </a:path>
+              </a:pathLst>
+            </a:custGeom>
+            <a:ln w="3387" cap="flat">
+              <a:solidFill>
+                <a:srgbClr val="DEDEDE">
+                  <a:alpha val="100000"/>
+                </a:srgbClr>
+              </a:solidFill>
+              <a:prstDash val="solid"/>
+              <a:round/>
+            </a:ln>
+          </p:spPr>
+          <p:txBody>
+            <a:bodyPr/>
+            <a:lstStyle/>
+            <a:p/>
+          </p:txBody>
+        </p:sp>
+        <p:sp>
+          <p:nvSpPr>
+            <p:cNvPr id="93" name="pl93"/>
+            <p:cNvSpPr/>
+            <p:nvPr/>
+          </p:nvSpPr>
+          <p:spPr>
+            <a:xfrm>
+              <a:off x="7985570" y="2248125"/>
+              <a:ext cx="0" cy="2959205"/>
+            </a:xfrm>
+            <a:custGeom>
+              <a:avLst/>
+              <a:pathLst>
+                <a:path w="0" h="2959205">
+                  <a:moveTo>
+                    <a:pt x="0" y="2959205"/>
+                  </a:moveTo>
+                  <a:lnTo>
+                    <a:pt x="0" y="0"/>
+                  </a:lnTo>
+                  <a:lnTo>
+                    <a:pt x="0" y="0"/>
+                  </a:lnTo>
+                </a:path>
+              </a:pathLst>
+            </a:custGeom>
+            <a:ln w="3387" cap="flat">
+              <a:solidFill>
+                <a:srgbClr val="DEDEDE">
+                  <a:alpha val="100000"/>
+                </a:srgbClr>
+              </a:solidFill>
+              <a:prstDash val="solid"/>
+              <a:round/>
+            </a:ln>
+          </p:spPr>
+          <p:txBody>
+            <a:bodyPr/>
+            <a:lstStyle/>
+            <a:p/>
+          </p:txBody>
+        </p:sp>
+        <p:sp>
+          <p:nvSpPr>
+            <p:cNvPr id="94" name="pl94"/>
+            <p:cNvSpPr/>
+            <p:nvPr/>
+          </p:nvSpPr>
+          <p:spPr>
+            <a:xfrm>
+              <a:off x="8419658" y="2248125"/>
+              <a:ext cx="0" cy="2959205"/>
+            </a:xfrm>
+            <a:custGeom>
+              <a:avLst/>
+              <a:pathLst>
+                <a:path w="0" h="2959205">
+                  <a:moveTo>
+                    <a:pt x="0" y="2959205"/>
+                  </a:moveTo>
+                  <a:lnTo>
+                    <a:pt x="0" y="0"/>
+                  </a:lnTo>
+                  <a:lnTo>
+                    <a:pt x="0" y="0"/>
+                  </a:lnTo>
+                </a:path>
+              </a:pathLst>
+            </a:custGeom>
+            <a:ln w="3387" cap="flat">
+              <a:solidFill>
+                <a:srgbClr val="DEDEDE">
+                  <a:alpha val="100000"/>
+                </a:srgbClr>
+              </a:solidFill>
+              <a:prstDash val="solid"/>
+              <a:round/>
+            </a:ln>
+          </p:spPr>
+          <p:txBody>
+            <a:bodyPr/>
+            <a:lstStyle/>
+            <a:p/>
+          </p:txBody>
+        </p:sp>
+        <p:sp>
+          <p:nvSpPr>
+            <p:cNvPr id="95" name="pl95"/>
+            <p:cNvSpPr/>
+            <p:nvPr/>
+          </p:nvSpPr>
+          <p:spPr>
+            <a:xfrm>
+              <a:off x="8853747" y="2248125"/>
+              <a:ext cx="0" cy="2959205"/>
+            </a:xfrm>
+            <a:custGeom>
+              <a:avLst/>
+              <a:pathLst>
+                <a:path w="0" h="2959205">
+                  <a:moveTo>
+                    <a:pt x="0" y="2959205"/>
+                  </a:moveTo>
+                  <a:lnTo>
+                    <a:pt x="0" y="0"/>
+                  </a:lnTo>
+                  <a:lnTo>
+                    <a:pt x="0" y="0"/>
+                  </a:lnTo>
+                </a:path>
+              </a:pathLst>
+            </a:custGeom>
+            <a:ln w="3387" cap="flat">
+              <a:solidFill>
+                <a:srgbClr val="DEDEDE">
+                  <a:alpha val="100000"/>
+                </a:srgbClr>
+              </a:solidFill>
+              <a:prstDash val="solid"/>
+              <a:round/>
+            </a:ln>
+          </p:spPr>
+          <p:txBody>
+            <a:bodyPr/>
+            <a:lstStyle/>
+            <a:p/>
+          </p:txBody>
+        </p:sp>
+        <p:sp>
+          <p:nvSpPr>
+            <p:cNvPr id="96" name="pl96"/>
+            <p:cNvSpPr/>
+            <p:nvPr/>
+          </p:nvSpPr>
+          <p:spPr>
+            <a:xfrm>
+              <a:off x="6900349" y="4865884"/>
+              <a:ext cx="2036743" cy="0"/>
+            </a:xfrm>
+            <a:custGeom>
+              <a:avLst/>
+              <a:pathLst>
+                <a:path w="2036743" h="0">
+                  <a:moveTo>
+                    <a:pt x="0" y="0"/>
+                  </a:moveTo>
+                  <a:lnTo>
+                    <a:pt x="2036743" y="0"/>
+                  </a:lnTo>
+                  <a:lnTo>
+                    <a:pt x="2036743" y="0"/>
+                  </a:lnTo>
+                </a:path>
+              </a:pathLst>
+            </a:custGeom>
+            <a:ln w="6775" cap="flat">
+              <a:solidFill>
+                <a:srgbClr val="DEDEDE">
+                  <a:alpha val="100000"/>
+                </a:srgbClr>
+              </a:solidFill>
+              <a:prstDash val="solid"/>
+              <a:round/>
+            </a:ln>
+          </p:spPr>
+          <p:txBody>
+            <a:bodyPr/>
+            <a:lstStyle/>
+            <a:p/>
+          </p:txBody>
+        </p:sp>
+        <p:sp>
+          <p:nvSpPr>
+            <p:cNvPr id="97" name="pl97"/>
+            <p:cNvSpPr/>
+            <p:nvPr/>
+          </p:nvSpPr>
+          <p:spPr>
+            <a:xfrm>
+              <a:off x="6900349" y="4296806"/>
+              <a:ext cx="2036743" cy="0"/>
+            </a:xfrm>
+            <a:custGeom>
+              <a:avLst/>
+              <a:pathLst>
+                <a:path w="2036743" h="0">
+                  <a:moveTo>
+                    <a:pt x="0" y="0"/>
+                  </a:moveTo>
+                  <a:lnTo>
+                    <a:pt x="2036743" y="0"/>
+                  </a:lnTo>
+                  <a:lnTo>
+                    <a:pt x="2036743" y="0"/>
+                  </a:lnTo>
+                </a:path>
+              </a:pathLst>
+            </a:custGeom>
+            <a:ln w="6775" cap="flat">
+              <a:solidFill>
+                <a:srgbClr val="DEDEDE">
+                  <a:alpha val="100000"/>
+                </a:srgbClr>
+              </a:solidFill>
+              <a:prstDash val="solid"/>
+              <a:round/>
+            </a:ln>
+          </p:spPr>
+          <p:txBody>
+            <a:bodyPr/>
+            <a:lstStyle/>
+            <a:p/>
+          </p:txBody>
+        </p:sp>
+        <p:sp>
+          <p:nvSpPr>
+            <p:cNvPr id="98" name="pl98"/>
+            <p:cNvSpPr/>
+            <p:nvPr/>
+          </p:nvSpPr>
+          <p:spPr>
+            <a:xfrm>
+              <a:off x="6900349" y="3727728"/>
+              <a:ext cx="2036743" cy="0"/>
+            </a:xfrm>
+            <a:custGeom>
+              <a:avLst/>
+              <a:pathLst>
+                <a:path w="2036743" h="0">
+                  <a:moveTo>
+                    <a:pt x="0" y="0"/>
+                  </a:moveTo>
+                  <a:lnTo>
+                    <a:pt x="2036743" y="0"/>
+                  </a:lnTo>
+                  <a:lnTo>
+                    <a:pt x="2036743" y="0"/>
+                  </a:lnTo>
+                </a:path>
+              </a:pathLst>
+            </a:custGeom>
+            <a:ln w="6775" cap="flat">
+              <a:solidFill>
+                <a:srgbClr val="DEDEDE">
+                  <a:alpha val="100000"/>
+                </a:srgbClr>
+              </a:solidFill>
+              <a:prstDash val="solid"/>
+              <a:round/>
+            </a:ln>
+          </p:spPr>
+          <p:txBody>
+            <a:bodyPr/>
+            <a:lstStyle/>
+            <a:p/>
+          </p:txBody>
+        </p:sp>
+        <p:sp>
+          <p:nvSpPr>
+            <p:cNvPr id="99" name="pl99"/>
+            <p:cNvSpPr/>
+            <p:nvPr/>
+          </p:nvSpPr>
+          <p:spPr>
+            <a:xfrm>
+              <a:off x="6900349" y="3158650"/>
+              <a:ext cx="2036743" cy="0"/>
+            </a:xfrm>
+            <a:custGeom>
+              <a:avLst/>
+              <a:pathLst>
+                <a:path w="2036743" h="0">
+                  <a:moveTo>
+                    <a:pt x="0" y="0"/>
+                  </a:moveTo>
+                  <a:lnTo>
+                    <a:pt x="2036743" y="0"/>
+                  </a:lnTo>
+                  <a:lnTo>
+                    <a:pt x="2036743" y="0"/>
+                  </a:lnTo>
+                </a:path>
+              </a:pathLst>
+            </a:custGeom>
+            <a:ln w="6775" cap="flat">
+              <a:solidFill>
+                <a:srgbClr val="DEDEDE">
+                  <a:alpha val="100000"/>
+                </a:srgbClr>
+              </a:solidFill>
+              <a:prstDash val="solid"/>
+              <a:round/>
+            </a:ln>
+          </p:spPr>
+          <p:txBody>
+            <a:bodyPr/>
+            <a:lstStyle/>
+            <a:p/>
+          </p:txBody>
+        </p:sp>
+        <p:sp>
+          <p:nvSpPr>
+            <p:cNvPr id="100" name="pl100"/>
+            <p:cNvSpPr/>
+            <p:nvPr/>
+          </p:nvSpPr>
+          <p:spPr>
+            <a:xfrm>
+              <a:off x="6900349" y="2589572"/>
+              <a:ext cx="2036743" cy="0"/>
+            </a:xfrm>
+            <a:custGeom>
+              <a:avLst/>
+              <a:pathLst>
+                <a:path w="2036743" h="0">
+                  <a:moveTo>
+                    <a:pt x="0" y="0"/>
+                  </a:moveTo>
+                  <a:lnTo>
+                    <a:pt x="2036743" y="0"/>
+                  </a:lnTo>
+                  <a:lnTo>
+                    <a:pt x="2036743" y="0"/>
+                  </a:lnTo>
+                </a:path>
+              </a:pathLst>
+            </a:custGeom>
+            <a:ln w="6775" cap="flat">
+              <a:solidFill>
+                <a:srgbClr val="DEDEDE">
+                  <a:alpha val="100000"/>
+                </a:srgbClr>
+              </a:solidFill>
+              <a:prstDash val="solid"/>
+              <a:round/>
+            </a:ln>
+          </p:spPr>
+          <p:txBody>
+            <a:bodyPr/>
+            <a:lstStyle/>
+            <a:p/>
+          </p:txBody>
+        </p:sp>
+        <p:sp>
+          <p:nvSpPr>
+            <p:cNvPr id="101" name="pl101"/>
+            <p:cNvSpPr/>
+            <p:nvPr/>
+          </p:nvSpPr>
+          <p:spPr>
+            <a:xfrm>
+              <a:off x="6900349" y="2248125"/>
+              <a:ext cx="0" cy="2959205"/>
+            </a:xfrm>
+            <a:custGeom>
+              <a:avLst/>
+              <a:pathLst>
+                <a:path w="0" h="2959205">
+                  <a:moveTo>
+                    <a:pt x="0" y="2959205"/>
+                  </a:moveTo>
+                  <a:lnTo>
+                    <a:pt x="0" y="0"/>
+                  </a:lnTo>
+                  <a:lnTo>
+                    <a:pt x="0" y="0"/>
+                  </a:lnTo>
+                </a:path>
+              </a:pathLst>
+            </a:custGeom>
+            <a:ln w="6775" cap="flat">
+              <a:solidFill>
+                <a:srgbClr val="DEDEDE">
+                  <a:alpha val="100000"/>
+                </a:srgbClr>
+              </a:solidFill>
+              <a:prstDash val="solid"/>
+              <a:round/>
+            </a:ln>
+          </p:spPr>
+          <p:txBody>
+            <a:bodyPr/>
+            <a:lstStyle/>
+            <a:p/>
+          </p:txBody>
+        </p:sp>
+        <p:sp>
+          <p:nvSpPr>
+            <p:cNvPr id="102" name="pl102"/>
+            <p:cNvSpPr/>
+            <p:nvPr/>
+          </p:nvSpPr>
+          <p:spPr>
+            <a:xfrm>
+              <a:off x="7334437" y="2248125"/>
+              <a:ext cx="0" cy="2959205"/>
+            </a:xfrm>
+            <a:custGeom>
+              <a:avLst/>
+              <a:pathLst>
+                <a:path w="0" h="2959205">
+                  <a:moveTo>
+                    <a:pt x="0" y="2959205"/>
+                  </a:moveTo>
+                  <a:lnTo>
+                    <a:pt x="0" y="0"/>
+                  </a:lnTo>
+                  <a:lnTo>
+                    <a:pt x="0" y="0"/>
+                  </a:lnTo>
+                </a:path>
+              </a:pathLst>
+            </a:custGeom>
+            <a:ln w="6775" cap="flat">
+              <a:solidFill>
+                <a:srgbClr val="DEDEDE">
+                  <a:alpha val="100000"/>
+                </a:srgbClr>
+              </a:solidFill>
+              <a:prstDash val="solid"/>
+              <a:round/>
+            </a:ln>
+          </p:spPr>
+          <p:txBody>
+            <a:bodyPr/>
+            <a:lstStyle/>
+            <a:p/>
+          </p:txBody>
+        </p:sp>
+        <p:sp>
+          <p:nvSpPr>
+            <p:cNvPr id="103" name="pl103"/>
+            <p:cNvSpPr/>
+            <p:nvPr/>
+          </p:nvSpPr>
+          <p:spPr>
+            <a:xfrm>
+              <a:off x="7768526" y="2248125"/>
+              <a:ext cx="0" cy="2959205"/>
+            </a:xfrm>
+            <a:custGeom>
+              <a:avLst/>
+              <a:pathLst>
+                <a:path w="0" h="2959205">
+                  <a:moveTo>
+                    <a:pt x="0" y="2959205"/>
+                  </a:moveTo>
+                  <a:lnTo>
+                    <a:pt x="0" y="0"/>
+                  </a:lnTo>
+                  <a:lnTo>
+                    <a:pt x="0" y="0"/>
+                  </a:lnTo>
+                </a:path>
+              </a:pathLst>
+            </a:custGeom>
+            <a:ln w="6775" cap="flat">
+              <a:solidFill>
+                <a:srgbClr val="DEDEDE">
+                  <a:alpha val="100000"/>
+                </a:srgbClr>
+              </a:solidFill>
+              <a:prstDash val="solid"/>
+              <a:round/>
+            </a:ln>
+          </p:spPr>
+          <p:txBody>
+            <a:bodyPr/>
+            <a:lstStyle/>
+            <a:p/>
+          </p:txBody>
+        </p:sp>
+        <p:sp>
+          <p:nvSpPr>
+            <p:cNvPr id="104" name="pl104"/>
+            <p:cNvSpPr/>
+            <p:nvPr/>
+          </p:nvSpPr>
+          <p:spPr>
+            <a:xfrm>
+              <a:off x="8202614" y="2248125"/>
+              <a:ext cx="0" cy="2959205"/>
+            </a:xfrm>
+            <a:custGeom>
+              <a:avLst/>
+              <a:pathLst>
+                <a:path w="0" h="2959205">
+                  <a:moveTo>
+                    <a:pt x="0" y="2959205"/>
+                  </a:moveTo>
+                  <a:lnTo>
+                    <a:pt x="0" y="0"/>
+                  </a:lnTo>
+                  <a:lnTo>
+                    <a:pt x="0" y="0"/>
+                  </a:lnTo>
+                </a:path>
+              </a:pathLst>
+            </a:custGeom>
+            <a:ln w="6775" cap="flat">
+              <a:solidFill>
+                <a:srgbClr val="DEDEDE">
+                  <a:alpha val="100000"/>
+                </a:srgbClr>
+              </a:solidFill>
+              <a:prstDash val="solid"/>
+              <a:round/>
+            </a:ln>
+          </p:spPr>
+          <p:txBody>
+            <a:bodyPr/>
+            <a:lstStyle/>
+            <a:p/>
+          </p:txBody>
+        </p:sp>
+        <p:sp>
+          <p:nvSpPr>
+            <p:cNvPr id="105" name="pl105"/>
+            <p:cNvSpPr/>
+            <p:nvPr/>
+          </p:nvSpPr>
+          <p:spPr>
+            <a:xfrm>
+              <a:off x="8636703" y="2248125"/>
+              <a:ext cx="0" cy="2959205"/>
+            </a:xfrm>
+            <a:custGeom>
+              <a:avLst/>
+              <a:pathLst>
+                <a:path w="0" h="2959205">
+                  <a:moveTo>
+                    <a:pt x="0" y="2959205"/>
+                  </a:moveTo>
+                  <a:lnTo>
+                    <a:pt x="0" y="0"/>
+                  </a:lnTo>
+                  <a:lnTo>
+                    <a:pt x="0" y="0"/>
+                  </a:lnTo>
+                </a:path>
+              </a:pathLst>
+            </a:custGeom>
+            <a:ln w="6775" cap="flat">
+              <a:solidFill>
+                <a:srgbClr val="DEDEDE">
+                  <a:alpha val="100000"/>
+                </a:srgbClr>
+              </a:solidFill>
+              <a:prstDash val="solid"/>
+              <a:round/>
+            </a:ln>
+          </p:spPr>
+          <p:txBody>
+            <a:bodyPr/>
+            <a:lstStyle/>
+            <a:p/>
+          </p:txBody>
+        </p:sp>
+        <p:sp>
+          <p:nvSpPr>
+            <p:cNvPr id="106" name="rc106"/>
+            <p:cNvSpPr/>
+            <p:nvPr/>
+          </p:nvSpPr>
+          <p:spPr>
+            <a:xfrm>
+              <a:off x="6900349" y="2333486"/>
+              <a:ext cx="1996807" cy="512170"/>
+            </a:xfrm>
+            <a:prstGeom prst="rect">
+              <a:avLst/>
+            </a:prstGeom>
+            <a:solidFill>
+              <a:srgbClr val="595959">
+                <a:alpha val="100000"/>
+              </a:srgbClr>
+            </a:solidFill>
+          </p:spPr>
+          <p:txBody>
+            <a:bodyPr/>
+            <a:lstStyle/>
+            <a:p/>
+          </p:txBody>
+        </p:sp>
+        <p:sp>
+          <p:nvSpPr>
+            <p:cNvPr id="107" name="rc107"/>
+            <p:cNvSpPr/>
+            <p:nvPr/>
+          </p:nvSpPr>
+          <p:spPr>
+            <a:xfrm>
+              <a:off x="6900349" y="2902564"/>
+              <a:ext cx="1805808" cy="512170"/>
+            </a:xfrm>
+            <a:prstGeom prst="rect">
+              <a:avLst/>
+            </a:prstGeom>
+            <a:solidFill>
+              <a:srgbClr val="595959">
+                <a:alpha val="100000"/>
+              </a:srgbClr>
+            </a:solidFill>
+          </p:spPr>
+          <p:txBody>
+            <a:bodyPr/>
+            <a:lstStyle/>
+            <a:p/>
+          </p:txBody>
+        </p:sp>
+        <p:sp>
+          <p:nvSpPr>
+            <p:cNvPr id="108" name="rc108"/>
+            <p:cNvSpPr/>
+            <p:nvPr/>
+          </p:nvSpPr>
+          <p:spPr>
+            <a:xfrm>
+              <a:off x="6900349" y="3471643"/>
+              <a:ext cx="1623490" cy="512170"/>
+            </a:xfrm>
+            <a:prstGeom prst="rect">
+              <a:avLst/>
+            </a:prstGeom>
+            <a:solidFill>
+              <a:srgbClr val="595959">
+                <a:alpha val="100000"/>
+              </a:srgbClr>
+            </a:solidFill>
+          </p:spPr>
+          <p:txBody>
+            <a:bodyPr/>
+            <a:lstStyle/>
+            <a:p/>
+          </p:txBody>
+        </p:sp>
+        <p:sp>
+          <p:nvSpPr>
+            <p:cNvPr id="109" name="rc109"/>
+            <p:cNvSpPr/>
+            <p:nvPr/>
+          </p:nvSpPr>
+          <p:spPr>
+            <a:xfrm>
+              <a:off x="6900349" y="4040721"/>
+              <a:ext cx="1128630" cy="512170"/>
+            </a:xfrm>
+            <a:prstGeom prst="rect">
+              <a:avLst/>
+            </a:prstGeom>
+            <a:solidFill>
+              <a:srgbClr val="595959">
+                <a:alpha val="100000"/>
+              </a:srgbClr>
+            </a:solidFill>
+          </p:spPr>
+          <p:txBody>
+            <a:bodyPr/>
+            <a:lstStyle/>
+            <a:p/>
+          </p:txBody>
+        </p:sp>
+        <p:sp>
+          <p:nvSpPr>
+            <p:cNvPr id="110" name="rc110"/>
+            <p:cNvSpPr/>
+            <p:nvPr/>
+          </p:nvSpPr>
+          <p:spPr>
+            <a:xfrm>
+              <a:off x="6900349" y="4609799"/>
+              <a:ext cx="755313" cy="512170"/>
+            </a:xfrm>
+            <a:prstGeom prst="rect">
+              <a:avLst/>
+            </a:prstGeom>
+            <a:solidFill>
+              <a:srgbClr val="595959">
+                <a:alpha val="100000"/>
+              </a:srgbClr>
+            </a:solidFill>
+          </p:spPr>
+          <p:txBody>
+            <a:bodyPr/>
+            <a:lstStyle/>
+            <a:p/>
+          </p:txBody>
+        </p:sp>
+        <p:sp>
+          <p:nvSpPr>
+            <p:cNvPr id="111" name="tx111"/>
+            <p:cNvSpPr/>
+            <p:nvPr/>
+          </p:nvSpPr>
+          <p:spPr>
+            <a:xfrm>
+              <a:off x="8447267" y="2533612"/>
+              <a:ext cx="418851" cy="79239"/>
+            </a:xfrm>
+            <a:prstGeom prst="rect">
+              <a:avLst/>
+            </a:prstGeom>
+            <a:noFill/>
+          </p:spPr>
+          <p:txBody>
+            <a:bodyPr lIns="0" rIns="0" tIns="0" bIns="0" anchorCtr="1" anchor="ctr" wrap="none"/>
+            <a:lstStyle/>
+            <a:p>
+              <a:pPr algn="l" marL="0" marR="0" indent="0">
+                <a:lnSpc>
+                  <a:spcPts val="853"/>
+                </a:lnSpc>
+                <a:spcBef>
+                  <a:spcPts val="0"/>
+                </a:spcBef>
+                <a:spcAft>
+                  <a:spcPts val="0"/>
+                </a:spcAft>
+              </a:pPr>
+              <a:r>
+                <a:rPr sz="853" b="1">
+                  <a:solidFill>
+                    <a:srgbClr val="FFFFFF">
+                      <a:alpha val="100000"/>
+                    </a:srgbClr>
+                  </a:solidFill>
+                  <a:latin typeface="Arial"/>
+                  <a:cs typeface="Arial"/>
+                </a:rPr>
+                <a:t>50-100亿</a:t>
+              </a:r>
+            </a:p>
+          </p:txBody>
+        </p:sp>
+        <p:sp>
+          <p:nvSpPr>
+            <p:cNvPr id="112" name="tx112"/>
+            <p:cNvSpPr/>
+            <p:nvPr/>
+          </p:nvSpPr>
+          <p:spPr>
+            <a:xfrm>
+              <a:off x="8195978" y="3102690"/>
+              <a:ext cx="479141" cy="79239"/>
+            </a:xfrm>
+            <a:prstGeom prst="rect">
+              <a:avLst/>
+            </a:prstGeom>
+            <a:noFill/>
+          </p:spPr>
+          <p:txBody>
+            <a:bodyPr lIns="0" rIns="0" tIns="0" bIns="0" anchorCtr="1" anchor="ctr" wrap="none"/>
+            <a:lstStyle/>
+            <a:p>
+              <a:pPr algn="l" marL="0" marR="0" indent="0">
+                <a:lnSpc>
+                  <a:spcPts val="853"/>
+                </a:lnSpc>
+                <a:spcBef>
+                  <a:spcPts val="0"/>
+                </a:spcBef>
+                <a:spcAft>
+                  <a:spcPts val="0"/>
+                </a:spcAft>
+              </a:pPr>
+              <a:r>
+                <a:rPr sz="853" b="1">
+                  <a:solidFill>
+                    <a:srgbClr val="FFFFFF">
+                      <a:alpha val="100000"/>
+                    </a:srgbClr>
+                  </a:solidFill>
+                  <a:latin typeface="Arial"/>
+                  <a:cs typeface="Arial"/>
+                </a:rPr>
+                <a:t>100-300亿</a:t>
+              </a:r>
+            </a:p>
+          </p:txBody>
+        </p:sp>
+        <p:sp>
+          <p:nvSpPr>
+            <p:cNvPr id="113" name="tx113"/>
+            <p:cNvSpPr/>
+            <p:nvPr/>
+          </p:nvSpPr>
+          <p:spPr>
+            <a:xfrm>
+              <a:off x="8134240" y="3671768"/>
+              <a:ext cx="358562" cy="79239"/>
+            </a:xfrm>
+            <a:prstGeom prst="rect">
+              <a:avLst/>
+            </a:prstGeom>
+            <a:noFill/>
+          </p:spPr>
+          <p:txBody>
+            <a:bodyPr lIns="0" rIns="0" tIns="0" bIns="0" anchorCtr="1" anchor="ctr" wrap="none"/>
+            <a:lstStyle/>
+            <a:p>
+              <a:pPr algn="l" marL="0" marR="0" indent="0">
+                <a:lnSpc>
+                  <a:spcPts val="853"/>
+                </a:lnSpc>
+                <a:spcBef>
+                  <a:spcPts val="0"/>
+                </a:spcBef>
+                <a:spcAft>
+                  <a:spcPts val="0"/>
+                </a:spcAft>
+              </a:pPr>
+              <a:r>
+                <a:rPr sz="853" b="1">
+                  <a:solidFill>
+                    <a:srgbClr val="FFFFFF">
+                      <a:alpha val="100000"/>
+                    </a:srgbClr>
+                  </a:solidFill>
+                  <a:latin typeface="Arial"/>
+                  <a:cs typeface="Arial"/>
+                </a:rPr>
+                <a:t>10-50亿</a:t>
+              </a:r>
+            </a:p>
+          </p:txBody>
+        </p:sp>
+        <p:sp>
+          <p:nvSpPr>
+            <p:cNvPr id="114" name="tx114"/>
+            <p:cNvSpPr/>
+            <p:nvPr/>
+          </p:nvSpPr>
+          <p:spPr>
+            <a:xfrm>
+              <a:off x="7736563" y="4240846"/>
+              <a:ext cx="261378" cy="79239"/>
+            </a:xfrm>
+            <a:prstGeom prst="rect">
+              <a:avLst/>
+            </a:prstGeom>
+            <a:noFill/>
+          </p:spPr>
+          <p:txBody>
+            <a:bodyPr lIns="0" rIns="0" tIns="0" bIns="0" anchorCtr="1" anchor="ctr" wrap="none"/>
+            <a:lstStyle/>
+            <a:p>
+              <a:pPr algn="l" marL="0" marR="0" indent="0">
+                <a:lnSpc>
+                  <a:spcPts val="853"/>
+                </a:lnSpc>
+                <a:spcBef>
+                  <a:spcPts val="0"/>
+                </a:spcBef>
+                <a:spcAft>
+                  <a:spcPts val="0"/>
+                </a:spcAft>
+              </a:pPr>
+              <a:r>
+                <a:rPr sz="853" b="1">
+                  <a:solidFill>
+                    <a:srgbClr val="FFFFFF">
+                      <a:alpha val="100000"/>
+                    </a:srgbClr>
+                  </a:solidFill>
+                  <a:latin typeface="Arial"/>
+                  <a:cs typeface="Arial"/>
+                </a:rPr>
+                <a:t>≤10亿</a:t>
+              </a:r>
+            </a:p>
+          </p:txBody>
+        </p:sp>
+        <p:sp>
+          <p:nvSpPr>
+            <p:cNvPr id="115" name="tx115"/>
+            <p:cNvSpPr/>
+            <p:nvPr/>
+          </p:nvSpPr>
+          <p:spPr>
+            <a:xfrm>
+              <a:off x="7686700" y="4825391"/>
+              <a:ext cx="479141" cy="79292"/>
+            </a:xfrm>
+            <a:prstGeom prst="rect">
+              <a:avLst/>
+            </a:prstGeom>
+            <a:noFill/>
+          </p:spPr>
+          <p:txBody>
+            <a:bodyPr lIns="0" rIns="0" tIns="0" bIns="0" anchorCtr="1" anchor="ctr" wrap="none"/>
+            <a:lstStyle/>
+            <a:p>
+              <a:pPr algn="l" marL="0" marR="0" indent="0">
+                <a:lnSpc>
+                  <a:spcPts val="853"/>
+                </a:lnSpc>
+                <a:spcBef>
+                  <a:spcPts val="0"/>
+                </a:spcBef>
+                <a:spcAft>
+                  <a:spcPts val="0"/>
+                </a:spcAft>
+              </a:pPr>
+              <a:r>
+                <a:rPr sz="853">
+                  <a:solidFill>
+                    <a:srgbClr val="000000">
+                      <a:alpha val="100000"/>
+                    </a:srgbClr>
+                  </a:solidFill>
+                  <a:latin typeface="Arial"/>
+                  <a:cs typeface="Arial"/>
+                </a:rPr>
+                <a:t>300-500亿</a:t>
+              </a:r>
+            </a:p>
+          </p:txBody>
+        </p:sp>
+        <p:sp>
+          <p:nvSpPr>
+            <p:cNvPr id="116" name="rc116"/>
+            <p:cNvSpPr/>
+            <p:nvPr/>
+          </p:nvSpPr>
+          <p:spPr>
+            <a:xfrm>
+              <a:off x="6900349" y="2248125"/>
+              <a:ext cx="2036743" cy="2959205"/>
+            </a:xfrm>
+            <a:prstGeom prst="rect">
+              <a:avLst/>
+            </a:prstGeom>
+            <a:ln w="13550" cap="rnd">
+              <a:solidFill>
+                <a:srgbClr val="B3B3B3">
+                  <a:alpha val="100000"/>
+                </a:srgbClr>
+              </a:solidFill>
+              <a:prstDash val="solid"/>
+              <a:round/>
+            </a:ln>
+          </p:spPr>
+          <p:txBody>
+            <a:bodyPr/>
+            <a:lstStyle/>
+            <a:p/>
+          </p:txBody>
+        </p:sp>
+        <p:sp>
+          <p:nvSpPr>
+            <p:cNvPr id="117" name="tx117"/>
+            <p:cNvSpPr/>
+            <p:nvPr/>
+          </p:nvSpPr>
+          <p:spPr>
+            <a:xfrm>
+              <a:off x="6803399" y="4825611"/>
+              <a:ext cx="62155" cy="80272"/>
+            </a:xfrm>
+            <a:prstGeom prst="rect">
+              <a:avLst/>
+            </a:prstGeom>
+            <a:noFill/>
+          </p:spPr>
+          <p:txBody>
+            <a:bodyPr lIns="0" rIns="0" tIns="0" bIns="0" anchorCtr="1" anchor="ctr" wrap="none"/>
+            <a:lstStyle/>
+            <a:p>
+              <a:pPr algn="l" marL="0" marR="0" indent="0">
+                <a:lnSpc>
+                  <a:spcPts val="880"/>
+                </a:lnSpc>
+                <a:spcBef>
+                  <a:spcPts val="0"/>
+                </a:spcBef>
+                <a:spcAft>
+                  <a:spcPts val="0"/>
+                </a:spcAft>
+              </a:pPr>
+              <a:r>
+                <a:rPr sz="880" b="1">
+                  <a:solidFill>
+                    <a:srgbClr val="4D4D4D">
+                      <a:alpha val="100000"/>
+                    </a:srgbClr>
+                  </a:solidFill>
+                  <a:latin typeface="Arial"/>
+                  <a:cs typeface="Arial"/>
+                </a:rPr>
+                <a:t>5</a:t>
+              </a:r>
+            </a:p>
+          </p:txBody>
+        </p:sp>
+        <p:sp>
+          <p:nvSpPr>
+            <p:cNvPr id="118" name="tx118"/>
+            <p:cNvSpPr/>
+            <p:nvPr/>
+          </p:nvSpPr>
+          <p:spPr>
+            <a:xfrm>
+              <a:off x="6803399" y="4256478"/>
+              <a:ext cx="62155" cy="80327"/>
+            </a:xfrm>
+            <a:prstGeom prst="rect">
+              <a:avLst/>
+            </a:prstGeom>
+            <a:noFill/>
+          </p:spPr>
+          <p:txBody>
+            <a:bodyPr lIns="0" rIns="0" tIns="0" bIns="0" anchorCtr="1" anchor="ctr" wrap="none"/>
+            <a:lstStyle/>
+            <a:p>
+              <a:pPr algn="l" marL="0" marR="0" indent="0">
+                <a:lnSpc>
+                  <a:spcPts val="880"/>
+                </a:lnSpc>
+                <a:spcBef>
+                  <a:spcPts val="0"/>
+                </a:spcBef>
+                <a:spcAft>
+                  <a:spcPts val="0"/>
+                </a:spcAft>
+              </a:pPr>
+              <a:r>
+                <a:rPr sz="880" b="1">
+                  <a:solidFill>
+                    <a:srgbClr val="4D4D4D">
+                      <a:alpha val="100000"/>
+                    </a:srgbClr>
+                  </a:solidFill>
+                  <a:latin typeface="Arial"/>
+                  <a:cs typeface="Arial"/>
+                </a:rPr>
+                <a:t>4</a:t>
+              </a:r>
+            </a:p>
+          </p:txBody>
+        </p:sp>
+        <p:sp>
+          <p:nvSpPr>
+            <p:cNvPr id="119" name="tx119"/>
+            <p:cNvSpPr/>
+            <p:nvPr/>
+          </p:nvSpPr>
+          <p:spPr>
+            <a:xfrm>
+              <a:off x="6803399" y="3686036"/>
+              <a:ext cx="62155" cy="81691"/>
+            </a:xfrm>
+            <a:prstGeom prst="rect">
+              <a:avLst/>
+            </a:prstGeom>
+            <a:noFill/>
+          </p:spPr>
+          <p:txBody>
+            <a:bodyPr lIns="0" rIns="0" tIns="0" bIns="0" anchorCtr="1" anchor="ctr" wrap="none"/>
+            <a:lstStyle/>
+            <a:p>
+              <a:pPr algn="l" marL="0" marR="0" indent="0">
+                <a:lnSpc>
+                  <a:spcPts val="880"/>
+                </a:lnSpc>
+                <a:spcBef>
+                  <a:spcPts val="0"/>
+                </a:spcBef>
+                <a:spcAft>
+                  <a:spcPts val="0"/>
+                </a:spcAft>
+              </a:pPr>
+              <a:r>
+                <a:rPr sz="880" b="1">
+                  <a:solidFill>
+                    <a:srgbClr val="4D4D4D">
+                      <a:alpha val="100000"/>
+                    </a:srgbClr>
+                  </a:solidFill>
+                  <a:latin typeface="Arial"/>
+                  <a:cs typeface="Arial"/>
+                </a:rPr>
+                <a:t>3</a:t>
+              </a:r>
+            </a:p>
+          </p:txBody>
+        </p:sp>
+        <p:sp>
+          <p:nvSpPr>
+            <p:cNvPr id="120" name="tx120"/>
+            <p:cNvSpPr/>
+            <p:nvPr/>
+          </p:nvSpPr>
+          <p:spPr>
+            <a:xfrm>
+              <a:off x="6803399" y="3118322"/>
+              <a:ext cx="62155" cy="80327"/>
+            </a:xfrm>
+            <a:prstGeom prst="rect">
+              <a:avLst/>
+            </a:prstGeom>
+            <a:noFill/>
+          </p:spPr>
+          <p:txBody>
+            <a:bodyPr lIns="0" rIns="0" tIns="0" bIns="0" anchorCtr="1" anchor="ctr" wrap="none"/>
+            <a:lstStyle/>
+            <a:p>
+              <a:pPr algn="l" marL="0" marR="0" indent="0">
+                <a:lnSpc>
+                  <a:spcPts val="880"/>
+                </a:lnSpc>
+                <a:spcBef>
+                  <a:spcPts val="0"/>
+                </a:spcBef>
+                <a:spcAft>
+                  <a:spcPts val="0"/>
+                </a:spcAft>
+              </a:pPr>
+              <a:r>
+                <a:rPr sz="880" b="1">
+                  <a:solidFill>
+                    <a:srgbClr val="4D4D4D">
+                      <a:alpha val="100000"/>
+                    </a:srgbClr>
+                  </a:solidFill>
+                  <a:latin typeface="Arial"/>
+                  <a:cs typeface="Arial"/>
+                </a:rPr>
+                <a:t>2</a:t>
+              </a:r>
+            </a:p>
+          </p:txBody>
+        </p:sp>
+        <p:sp>
+          <p:nvSpPr>
+            <p:cNvPr id="121" name="tx121"/>
+            <p:cNvSpPr/>
+            <p:nvPr/>
+          </p:nvSpPr>
+          <p:spPr>
+            <a:xfrm>
+              <a:off x="6803399" y="2549244"/>
+              <a:ext cx="62155" cy="80327"/>
+            </a:xfrm>
+            <a:prstGeom prst="rect">
+              <a:avLst/>
+            </a:prstGeom>
+            <a:noFill/>
+          </p:spPr>
+          <p:txBody>
+            <a:bodyPr lIns="0" rIns="0" tIns="0" bIns="0" anchorCtr="1" anchor="ctr" wrap="none"/>
+            <a:lstStyle/>
+            <a:p>
+              <a:pPr algn="l" marL="0" marR="0" indent="0">
+                <a:lnSpc>
+                  <a:spcPts val="880"/>
+                </a:lnSpc>
+                <a:spcBef>
+                  <a:spcPts val="0"/>
+                </a:spcBef>
+                <a:spcAft>
+                  <a:spcPts val="0"/>
+                </a:spcAft>
+              </a:pPr>
+              <a:r>
+                <a:rPr sz="880" b="1">
+                  <a:solidFill>
+                    <a:srgbClr val="4D4D4D">
+                      <a:alpha val="100000"/>
+                    </a:srgbClr>
+                  </a:solidFill>
+                  <a:latin typeface="Arial"/>
+                  <a:cs typeface="Arial"/>
+                </a:rPr>
+                <a:t>1</a:t>
+              </a:r>
+            </a:p>
+          </p:txBody>
+        </p:sp>
+        <p:sp>
+          <p:nvSpPr>
+            <p:cNvPr id="122" name="pl122"/>
+            <p:cNvSpPr/>
+            <p:nvPr/>
+          </p:nvSpPr>
+          <p:spPr>
+            <a:xfrm>
+              <a:off x="6865554" y="4865884"/>
+              <a:ext cx="34794" cy="0"/>
+            </a:xfrm>
+            <a:custGeom>
+              <a:avLst/>
+              <a:pathLst>
+                <a:path w="34794" h="0">
+                  <a:moveTo>
+                    <a:pt x="0" y="0"/>
+                  </a:moveTo>
+                  <a:lnTo>
+                    <a:pt x="34794" y="0"/>
+                  </a:lnTo>
+                </a:path>
+              </a:pathLst>
+            </a:custGeom>
+            <a:ln w="6775" cap="flat">
+              <a:solidFill>
+                <a:srgbClr val="B3B3B3">
+                  <a:alpha val="100000"/>
+                </a:srgbClr>
+              </a:solidFill>
+              <a:prstDash val="solid"/>
+              <a:round/>
+            </a:ln>
+          </p:spPr>
+          <p:txBody>
+            <a:bodyPr/>
+            <a:lstStyle/>
+            <a:p/>
+          </p:txBody>
+        </p:sp>
+        <p:sp>
+          <p:nvSpPr>
+            <p:cNvPr id="123" name="pl123"/>
+            <p:cNvSpPr/>
+            <p:nvPr/>
+          </p:nvSpPr>
+          <p:spPr>
+            <a:xfrm>
+              <a:off x="6865554" y="4296806"/>
+              <a:ext cx="34794" cy="0"/>
+            </a:xfrm>
+            <a:custGeom>
+              <a:avLst/>
+              <a:pathLst>
+                <a:path w="34794" h="0">
+                  <a:moveTo>
+                    <a:pt x="0" y="0"/>
+                  </a:moveTo>
+                  <a:lnTo>
+                    <a:pt x="34794" y="0"/>
+                  </a:lnTo>
+                </a:path>
+              </a:pathLst>
+            </a:custGeom>
+            <a:ln w="6775" cap="flat">
+              <a:solidFill>
+                <a:srgbClr val="B3B3B3">
+                  <a:alpha val="100000"/>
+                </a:srgbClr>
+              </a:solidFill>
+              <a:prstDash val="solid"/>
+              <a:round/>
+            </a:ln>
+          </p:spPr>
+          <p:txBody>
+            <a:bodyPr/>
+            <a:lstStyle/>
+            <a:p/>
+          </p:txBody>
+        </p:sp>
+        <p:sp>
+          <p:nvSpPr>
+            <p:cNvPr id="124" name="pl124"/>
+            <p:cNvSpPr/>
+            <p:nvPr/>
+          </p:nvSpPr>
+          <p:spPr>
+            <a:xfrm>
+              <a:off x="6865554" y="3727728"/>
+              <a:ext cx="34794" cy="0"/>
+            </a:xfrm>
+            <a:custGeom>
+              <a:avLst/>
+              <a:pathLst>
+                <a:path w="34794" h="0">
+                  <a:moveTo>
+                    <a:pt x="0" y="0"/>
+                  </a:moveTo>
+                  <a:lnTo>
+                    <a:pt x="34794" y="0"/>
+                  </a:lnTo>
+                </a:path>
+              </a:pathLst>
+            </a:custGeom>
+            <a:ln w="6775" cap="flat">
+              <a:solidFill>
+                <a:srgbClr val="B3B3B3">
+                  <a:alpha val="100000"/>
+                </a:srgbClr>
+              </a:solidFill>
+              <a:prstDash val="solid"/>
+              <a:round/>
+            </a:ln>
+          </p:spPr>
+          <p:txBody>
+            <a:bodyPr/>
+            <a:lstStyle/>
+            <a:p/>
+          </p:txBody>
+        </p:sp>
+        <p:sp>
+          <p:nvSpPr>
+            <p:cNvPr id="125" name="pl125"/>
+            <p:cNvSpPr/>
+            <p:nvPr/>
+          </p:nvSpPr>
+          <p:spPr>
+            <a:xfrm>
+              <a:off x="6865554" y="3158650"/>
+              <a:ext cx="34794" cy="0"/>
+            </a:xfrm>
+            <a:custGeom>
+              <a:avLst/>
+              <a:pathLst>
+                <a:path w="34794" h="0">
+                  <a:moveTo>
+                    <a:pt x="0" y="0"/>
+                  </a:moveTo>
+                  <a:lnTo>
+                    <a:pt x="34794" y="0"/>
+                  </a:lnTo>
+                </a:path>
+              </a:pathLst>
+            </a:custGeom>
+            <a:ln w="6775" cap="flat">
+              <a:solidFill>
+                <a:srgbClr val="B3B3B3">
+                  <a:alpha val="100000"/>
+                </a:srgbClr>
+              </a:solidFill>
+              <a:prstDash val="solid"/>
+              <a:round/>
+            </a:ln>
+          </p:spPr>
+          <p:txBody>
+            <a:bodyPr/>
+            <a:lstStyle/>
+            <a:p/>
+          </p:txBody>
+        </p:sp>
+        <p:sp>
+          <p:nvSpPr>
+            <p:cNvPr id="126" name="pl126"/>
+            <p:cNvSpPr/>
+            <p:nvPr/>
+          </p:nvSpPr>
+          <p:spPr>
+            <a:xfrm>
+              <a:off x="6865554" y="2589572"/>
+              <a:ext cx="34794" cy="0"/>
+            </a:xfrm>
+            <a:custGeom>
+              <a:avLst/>
+              <a:pathLst>
+                <a:path w="34794" h="0">
+                  <a:moveTo>
+                    <a:pt x="0" y="0"/>
+                  </a:moveTo>
+                  <a:lnTo>
+                    <a:pt x="34794" y="0"/>
+                  </a:lnTo>
+                </a:path>
+              </a:pathLst>
+            </a:custGeom>
+            <a:ln w="6775" cap="flat">
+              <a:solidFill>
+                <a:srgbClr val="B3B3B3">
+                  <a:alpha val="100000"/>
+                </a:srgbClr>
+              </a:solidFill>
+              <a:prstDash val="solid"/>
+              <a:round/>
+            </a:ln>
+          </p:spPr>
+          <p:txBody>
+            <a:bodyPr/>
+            <a:lstStyle/>
+            <a:p/>
+          </p:txBody>
+        </p:sp>
+        <p:sp>
+          <p:nvSpPr>
+            <p:cNvPr id="127" name="pl127"/>
+            <p:cNvSpPr/>
+            <p:nvPr/>
+          </p:nvSpPr>
+          <p:spPr>
+            <a:xfrm>
+              <a:off x="6900349" y="5207331"/>
+              <a:ext cx="0" cy="34794"/>
+            </a:xfrm>
+            <a:custGeom>
+              <a:avLst/>
+              <a:pathLst>
+                <a:path w="0" h="34794">
+                  <a:moveTo>
+                    <a:pt x="0" y="34794"/>
+                  </a:moveTo>
+                  <a:lnTo>
+                    <a:pt x="0" y="0"/>
+                  </a:lnTo>
+                </a:path>
+              </a:pathLst>
+            </a:custGeom>
+            <a:ln w="6775" cap="flat">
+              <a:solidFill>
+                <a:srgbClr val="B3B3B3">
+                  <a:alpha val="100000"/>
+                </a:srgbClr>
+              </a:solidFill>
+              <a:prstDash val="solid"/>
+              <a:round/>
+            </a:ln>
+          </p:spPr>
+          <p:txBody>
+            <a:bodyPr/>
+            <a:lstStyle/>
+            <a:p/>
+          </p:txBody>
+        </p:sp>
+        <p:sp>
+          <p:nvSpPr>
+            <p:cNvPr id="128" name="pl128"/>
+            <p:cNvSpPr/>
+            <p:nvPr/>
+          </p:nvSpPr>
+          <p:spPr>
+            <a:xfrm>
+              <a:off x="7334437" y="5207331"/>
+              <a:ext cx="0" cy="34794"/>
+            </a:xfrm>
+            <a:custGeom>
+              <a:avLst/>
+              <a:pathLst>
+                <a:path w="0" h="34794">
+                  <a:moveTo>
+                    <a:pt x="0" y="34794"/>
+                  </a:moveTo>
+                  <a:lnTo>
+                    <a:pt x="0" y="0"/>
+                  </a:lnTo>
+                </a:path>
+              </a:pathLst>
+            </a:custGeom>
+            <a:ln w="6775" cap="flat">
+              <a:solidFill>
+                <a:srgbClr val="B3B3B3">
+                  <a:alpha val="100000"/>
+                </a:srgbClr>
+              </a:solidFill>
+              <a:prstDash val="solid"/>
+              <a:round/>
+            </a:ln>
+          </p:spPr>
+          <p:txBody>
+            <a:bodyPr/>
+            <a:lstStyle/>
+            <a:p/>
+          </p:txBody>
+        </p:sp>
+        <p:sp>
+          <p:nvSpPr>
+            <p:cNvPr id="129" name="pl129"/>
+            <p:cNvSpPr/>
+            <p:nvPr/>
+          </p:nvSpPr>
+          <p:spPr>
+            <a:xfrm>
+              <a:off x="7768526" y="5207331"/>
+              <a:ext cx="0" cy="34794"/>
+            </a:xfrm>
+            <a:custGeom>
+              <a:avLst/>
+              <a:pathLst>
+                <a:path w="0" h="34794">
+                  <a:moveTo>
+                    <a:pt x="0" y="34794"/>
+                  </a:moveTo>
+                  <a:lnTo>
+                    <a:pt x="0" y="0"/>
+                  </a:lnTo>
+                </a:path>
+              </a:pathLst>
+            </a:custGeom>
+            <a:ln w="6775" cap="flat">
+              <a:solidFill>
+                <a:srgbClr val="B3B3B3">
+                  <a:alpha val="100000"/>
+                </a:srgbClr>
+              </a:solidFill>
+              <a:prstDash val="solid"/>
+              <a:round/>
+            </a:ln>
+          </p:spPr>
+          <p:txBody>
+            <a:bodyPr/>
+            <a:lstStyle/>
+            <a:p/>
+          </p:txBody>
+        </p:sp>
+        <p:sp>
+          <p:nvSpPr>
+            <p:cNvPr id="130" name="pl130"/>
+            <p:cNvSpPr/>
+            <p:nvPr/>
+          </p:nvSpPr>
+          <p:spPr>
+            <a:xfrm>
+              <a:off x="8202614" y="5207331"/>
+              <a:ext cx="0" cy="34794"/>
+            </a:xfrm>
+            <a:custGeom>
+              <a:avLst/>
+              <a:pathLst>
+                <a:path w="0" h="34794">
+                  <a:moveTo>
+                    <a:pt x="0" y="34794"/>
+                  </a:moveTo>
+                  <a:lnTo>
+                    <a:pt x="0" y="0"/>
+                  </a:lnTo>
+                </a:path>
+              </a:pathLst>
+            </a:custGeom>
+            <a:ln w="6775" cap="flat">
+              <a:solidFill>
+                <a:srgbClr val="B3B3B3">
+                  <a:alpha val="100000"/>
+                </a:srgbClr>
+              </a:solidFill>
+              <a:prstDash val="solid"/>
+              <a:round/>
+            </a:ln>
+          </p:spPr>
+          <p:txBody>
+            <a:bodyPr/>
+            <a:lstStyle/>
+            <a:p/>
+          </p:txBody>
+        </p:sp>
+        <p:sp>
+          <p:nvSpPr>
+            <p:cNvPr id="131" name="pl131"/>
+            <p:cNvSpPr/>
+            <p:nvPr/>
+          </p:nvSpPr>
+          <p:spPr>
+            <a:xfrm>
+              <a:off x="8636703" y="5207331"/>
+              <a:ext cx="0" cy="34794"/>
+            </a:xfrm>
+            <a:custGeom>
+              <a:avLst/>
+              <a:pathLst>
+                <a:path w="0" h="34794">
+                  <a:moveTo>
+                    <a:pt x="0" y="34794"/>
+                  </a:moveTo>
+                  <a:lnTo>
+                    <a:pt x="0" y="0"/>
+                  </a:lnTo>
+                </a:path>
+              </a:pathLst>
+            </a:custGeom>
+            <a:ln w="6775" cap="flat">
+              <a:solidFill>
+                <a:srgbClr val="B3B3B3">
+                  <a:alpha val="100000"/>
+                </a:srgbClr>
+              </a:solidFill>
+              <a:prstDash val="solid"/>
+              <a:round/>
+            </a:ln>
+          </p:spPr>
+          <p:txBody>
+            <a:bodyPr/>
+            <a:lstStyle/>
+            <a:p/>
+          </p:txBody>
+        </p:sp>
+        <p:sp>
+          <p:nvSpPr>
+            <p:cNvPr id="132" name="tx132"/>
+            <p:cNvSpPr/>
+            <p:nvPr/>
+          </p:nvSpPr>
+          <p:spPr>
+            <a:xfrm>
+              <a:off x="6869271" y="5268269"/>
+              <a:ext cx="62155" cy="81691"/>
+            </a:xfrm>
+            <a:prstGeom prst="rect">
+              <a:avLst/>
+            </a:prstGeom>
+            <a:noFill/>
+          </p:spPr>
+          <p:txBody>
+            <a:bodyPr lIns="0" rIns="0" tIns="0" bIns="0" anchorCtr="1" anchor="ctr" wrap="none"/>
+            <a:lstStyle/>
+            <a:p>
+              <a:pPr algn="l" marL="0" marR="0" indent="0">
+                <a:lnSpc>
+                  <a:spcPts val="880"/>
+                </a:lnSpc>
+                <a:spcBef>
+                  <a:spcPts val="0"/>
+                </a:spcBef>
+                <a:spcAft>
+                  <a:spcPts val="0"/>
+                </a:spcAft>
+              </a:pPr>
+              <a:r>
+                <a:rPr sz="880">
+                  <a:solidFill>
+                    <a:srgbClr val="4D4D4D">
+                      <a:alpha val="100000"/>
+                    </a:srgbClr>
+                  </a:solidFill>
+                  <a:latin typeface="Arial"/>
+                  <a:cs typeface="Arial"/>
+                </a:rPr>
+                <a:t>0</a:t>
+              </a:r>
+            </a:p>
+          </p:txBody>
+        </p:sp>
+        <p:sp>
+          <p:nvSpPr>
+            <p:cNvPr id="133" name="tx133"/>
+            <p:cNvSpPr/>
+            <p:nvPr/>
+          </p:nvSpPr>
+          <p:spPr>
+            <a:xfrm>
+              <a:off x="7272282" y="5268269"/>
               <a:ext cx="124311" cy="81691"/>
             </a:xfrm>
             <a:prstGeom prst="rect">
@@ -5052,13 +8414,13 @@
         </p:sp>
         <p:sp>
           <p:nvSpPr>
-            <p:cNvPr id="51" name="tx51"/>
-            <p:cNvSpPr/>
-            <p:nvPr/>
-          </p:nvSpPr>
-          <p:spPr>
-            <a:xfrm>
-              <a:off x="2735480" y="5268269"/>
+            <p:cNvPr id="134" name="tx134"/>
+            <p:cNvSpPr/>
+            <p:nvPr/>
+          </p:nvSpPr>
+          <p:spPr>
+            <a:xfrm>
+              <a:off x="7675292" y="5268269"/>
               <a:ext cx="186466" cy="81691"/>
             </a:xfrm>
             <a:prstGeom prst="rect">
@@ -5098,13 +8460,13 @@
         </p:sp>
         <p:sp>
           <p:nvSpPr>
-            <p:cNvPr id="52" name="tx52"/>
-            <p:cNvSpPr/>
-            <p:nvPr/>
-          </p:nvSpPr>
-          <p:spPr>
-            <a:xfrm>
-              <a:off x="3138062" y="5268269"/>
+            <p:cNvPr id="135" name="tx135"/>
+            <p:cNvSpPr/>
+            <p:nvPr/>
+          </p:nvSpPr>
+          <p:spPr>
+            <a:xfrm>
+              <a:off x="8109381" y="5268269"/>
               <a:ext cx="186466" cy="81691"/>
             </a:xfrm>
             <a:prstGeom prst="rect">
@@ -5144,13 +8506,13 @@
         </p:sp>
         <p:sp>
           <p:nvSpPr>
-            <p:cNvPr id="53" name="tx53"/>
-            <p:cNvSpPr/>
-            <p:nvPr/>
-          </p:nvSpPr>
-          <p:spPr>
-            <a:xfrm>
-              <a:off x="3540644" y="5268269"/>
+            <p:cNvPr id="136" name="tx136"/>
+            <p:cNvSpPr/>
+            <p:nvPr/>
+          </p:nvSpPr>
+          <p:spPr>
+            <a:xfrm>
+              <a:off x="8543469" y="5268269"/>
               <a:ext cx="186466" cy="81691"/>
             </a:xfrm>
             <a:prstGeom prst="rect">
@@ -5190,3971 +8552,7 @@
         </p:sp>
         <p:sp>
           <p:nvSpPr>
-            <p:cNvPr id="54" name="tx54"/>
-            <p:cNvSpPr/>
-            <p:nvPr/>
-          </p:nvSpPr>
-          <p:spPr>
-            <a:xfrm>
-              <a:off x="3943226" y="5268269"/>
-              <a:ext cx="186466" cy="81691"/>
-            </a:xfrm>
-            <a:prstGeom prst="rect">
-              <a:avLst/>
-            </a:prstGeom>
-            <a:noFill/>
-          </p:spPr>
-          <p:txBody>
-            <a:bodyPr lIns="0" rIns="0" tIns="0" bIns="0" anchorCtr="1" anchor="ctr" wrap="none"/>
-            <a:lstStyle/>
-            <a:p>
-              <a:pPr algn="l" marL="0" marR="0" indent="0">
-                <a:lnSpc>
-                  <a:spcPts val="880"/>
-                </a:lnSpc>
-                <a:spcBef>
-                  <a:spcPts val="0"/>
-                </a:spcBef>
-                <a:spcAft>
-                  <a:spcPts val="0"/>
-                </a:spcAft>
-              </a:pPr>
-              <a:r>
-                <a:rPr sz="880">
-                  <a:solidFill>
-                    <a:srgbClr val="4D4D4D">
-                      <a:alpha val="100000"/>
-                    </a:srgbClr>
-                  </a:solidFill>
-                  <a:latin typeface="Arial"/>
-                  <a:cs typeface="Arial"/>
-                </a:rPr>
-                <a:t>250</a:t>
-              </a:r>
-            </a:p>
-          </p:txBody>
-        </p:sp>
-        <p:sp>
-          <p:nvSpPr>
-            <p:cNvPr id="55" name="tx55"/>
-            <p:cNvSpPr/>
-            <p:nvPr/>
-          </p:nvSpPr>
-          <p:spPr>
-            <a:xfrm>
-              <a:off x="2023549" y="2019594"/>
-              <a:ext cx="368022" cy="122619"/>
-            </a:xfrm>
-            <a:prstGeom prst="rect">
-              <a:avLst/>
-            </a:prstGeom>
-            <a:noFill/>
-          </p:spPr>
-          <p:txBody>
-            <a:bodyPr lIns="0" rIns="0" tIns="0" bIns="0" anchorCtr="1" anchor="ctr" wrap="none"/>
-            <a:lstStyle/>
-            <a:p>
-              <a:pPr algn="l" marL="0" marR="0" indent="0">
-                <a:lnSpc>
-                  <a:spcPts val="1320"/>
-                </a:lnSpc>
-                <a:spcBef>
-                  <a:spcPts val="0"/>
-                </a:spcBef>
-                <a:spcAft>
-                  <a:spcPts val="0"/>
-                </a:spcAft>
-              </a:pPr>
-              <a:r>
-                <a:rPr sz="1320">
-                  <a:solidFill>
-                    <a:srgbClr val="000000">
-                      <a:alpha val="100000"/>
-                    </a:srgbClr>
-                  </a:solidFill>
-                  <a:latin typeface="Arial"/>
-                  <a:cs typeface="Arial"/>
-                </a:rPr>
-                <a:t>0-3岁</a:t>
-              </a:r>
-            </a:p>
-          </p:txBody>
-        </p:sp>
-        <p:sp>
-          <p:nvSpPr>
-            <p:cNvPr id="56" name="rc56"/>
-            <p:cNvSpPr/>
-            <p:nvPr/>
-          </p:nvSpPr>
-          <p:spPr>
-            <a:xfrm>
-              <a:off x="4129881" y="1952625"/>
-              <a:ext cx="2438400" cy="3657600"/>
-            </a:xfrm>
-            <a:prstGeom prst="rect">
-              <a:avLst/>
-            </a:prstGeom>
-            <a:solidFill>
-              <a:srgbClr val="FFFFFF">
-                <a:alpha val="100000"/>
-              </a:srgbClr>
-            </a:solidFill>
-            <a:ln w="13550" cap="rnd">
-              <a:solidFill>
-                <a:srgbClr val="FFFFFF">
-                  <a:alpha val="100000"/>
-                </a:srgbClr>
-              </a:solidFill>
-              <a:prstDash val="solid"/>
-              <a:round/>
-            </a:ln>
-          </p:spPr>
-          <p:txBody>
-            <a:bodyPr/>
-            <a:lstStyle/>
-            <a:p/>
-          </p:txBody>
-        </p:sp>
-        <p:sp>
-          <p:nvSpPr>
-            <p:cNvPr id="57" name="rc57"/>
-            <p:cNvSpPr/>
-            <p:nvPr/>
-          </p:nvSpPr>
-          <p:spPr>
-            <a:xfrm>
-              <a:off x="4461949" y="2248125"/>
-              <a:ext cx="2036743" cy="2959205"/>
-            </a:xfrm>
-            <a:prstGeom prst="rect">
-              <a:avLst/>
-            </a:prstGeom>
-            <a:solidFill>
-              <a:srgbClr val="FFFFFF">
-                <a:alpha val="100000"/>
-              </a:srgbClr>
-            </a:solidFill>
-          </p:spPr>
-          <p:txBody>
-            <a:bodyPr/>
-            <a:lstStyle/>
-            <a:p/>
-          </p:txBody>
-        </p:sp>
-        <p:sp>
-          <p:nvSpPr>
-            <p:cNvPr id="58" name="pl58"/>
-            <p:cNvSpPr/>
-            <p:nvPr/>
-          </p:nvSpPr>
-          <p:spPr>
-            <a:xfrm>
-              <a:off x="4711550" y="2248125"/>
-              <a:ext cx="0" cy="2959205"/>
-            </a:xfrm>
-            <a:custGeom>
-              <a:avLst/>
-              <a:pathLst>
-                <a:path w="0" h="2959205">
-                  <a:moveTo>
-                    <a:pt x="0" y="2959205"/>
-                  </a:moveTo>
-                  <a:lnTo>
-                    <a:pt x="0" y="0"/>
-                  </a:lnTo>
-                  <a:lnTo>
-                    <a:pt x="0" y="0"/>
-                  </a:lnTo>
-                </a:path>
-              </a:pathLst>
-            </a:custGeom>
-            <a:ln w="3387" cap="flat">
-              <a:solidFill>
-                <a:srgbClr val="DEDEDE">
-                  <a:alpha val="100000"/>
-                </a:srgbClr>
-              </a:solidFill>
-              <a:prstDash val="solid"/>
-              <a:round/>
-            </a:ln>
-          </p:spPr>
-          <p:txBody>
-            <a:bodyPr/>
-            <a:lstStyle/>
-            <a:p/>
-          </p:txBody>
-        </p:sp>
-        <p:sp>
-          <p:nvSpPr>
-            <p:cNvPr id="59" name="pl59"/>
-            <p:cNvSpPr/>
-            <p:nvPr/>
-          </p:nvSpPr>
-          <p:spPr>
-            <a:xfrm>
-              <a:off x="5210751" y="2248125"/>
-              <a:ext cx="0" cy="2959205"/>
-            </a:xfrm>
-            <a:custGeom>
-              <a:avLst/>
-              <a:pathLst>
-                <a:path w="0" h="2959205">
-                  <a:moveTo>
-                    <a:pt x="0" y="2959205"/>
-                  </a:moveTo>
-                  <a:lnTo>
-                    <a:pt x="0" y="0"/>
-                  </a:lnTo>
-                  <a:lnTo>
-                    <a:pt x="0" y="0"/>
-                  </a:lnTo>
-                </a:path>
-              </a:pathLst>
-            </a:custGeom>
-            <a:ln w="3387" cap="flat">
-              <a:solidFill>
-                <a:srgbClr val="DEDEDE">
-                  <a:alpha val="100000"/>
-                </a:srgbClr>
-              </a:solidFill>
-              <a:prstDash val="solid"/>
-              <a:round/>
-            </a:ln>
-          </p:spPr>
-          <p:txBody>
-            <a:bodyPr/>
-            <a:lstStyle/>
-            <a:p/>
-          </p:txBody>
-        </p:sp>
-        <p:sp>
-          <p:nvSpPr>
-            <p:cNvPr id="60" name="pl60"/>
-            <p:cNvSpPr/>
-            <p:nvPr/>
-          </p:nvSpPr>
-          <p:spPr>
-            <a:xfrm>
-              <a:off x="5709953" y="2248125"/>
-              <a:ext cx="0" cy="2959205"/>
-            </a:xfrm>
-            <a:custGeom>
-              <a:avLst/>
-              <a:pathLst>
-                <a:path w="0" h="2959205">
-                  <a:moveTo>
-                    <a:pt x="0" y="2959205"/>
-                  </a:moveTo>
-                  <a:lnTo>
-                    <a:pt x="0" y="0"/>
-                  </a:lnTo>
-                  <a:lnTo>
-                    <a:pt x="0" y="0"/>
-                  </a:lnTo>
-                </a:path>
-              </a:pathLst>
-            </a:custGeom>
-            <a:ln w="3387" cap="flat">
-              <a:solidFill>
-                <a:srgbClr val="DEDEDE">
-                  <a:alpha val="100000"/>
-                </a:srgbClr>
-              </a:solidFill>
-              <a:prstDash val="solid"/>
-              <a:round/>
-            </a:ln>
-          </p:spPr>
-          <p:txBody>
-            <a:bodyPr/>
-            <a:lstStyle/>
-            <a:p/>
-          </p:txBody>
-        </p:sp>
-        <p:sp>
-          <p:nvSpPr>
-            <p:cNvPr id="61" name="pl61"/>
-            <p:cNvSpPr/>
-            <p:nvPr/>
-          </p:nvSpPr>
-          <p:spPr>
-            <a:xfrm>
-              <a:off x="6209155" y="2248125"/>
-              <a:ext cx="0" cy="2959205"/>
-            </a:xfrm>
-            <a:custGeom>
-              <a:avLst/>
-              <a:pathLst>
-                <a:path w="0" h="2959205">
-                  <a:moveTo>
-                    <a:pt x="0" y="2959205"/>
-                  </a:moveTo>
-                  <a:lnTo>
-                    <a:pt x="0" y="0"/>
-                  </a:lnTo>
-                  <a:lnTo>
-                    <a:pt x="0" y="0"/>
-                  </a:lnTo>
-                </a:path>
-              </a:pathLst>
-            </a:custGeom>
-            <a:ln w="3387" cap="flat">
-              <a:solidFill>
-                <a:srgbClr val="DEDEDE">
-                  <a:alpha val="100000"/>
-                </a:srgbClr>
-              </a:solidFill>
-              <a:prstDash val="solid"/>
-              <a:round/>
-            </a:ln>
-          </p:spPr>
-          <p:txBody>
-            <a:bodyPr/>
-            <a:lstStyle/>
-            <a:p/>
-          </p:txBody>
-        </p:sp>
-        <p:sp>
-          <p:nvSpPr>
-            <p:cNvPr id="62" name="pl62"/>
-            <p:cNvSpPr/>
-            <p:nvPr/>
-          </p:nvSpPr>
-          <p:spPr>
-            <a:xfrm>
-              <a:off x="4461949" y="4865884"/>
-              <a:ext cx="2036743" cy="0"/>
-            </a:xfrm>
-            <a:custGeom>
-              <a:avLst/>
-              <a:pathLst>
-                <a:path w="2036743" h="0">
-                  <a:moveTo>
-                    <a:pt x="0" y="0"/>
-                  </a:moveTo>
-                  <a:lnTo>
-                    <a:pt x="2036743" y="0"/>
-                  </a:lnTo>
-                  <a:lnTo>
-                    <a:pt x="2036743" y="0"/>
-                  </a:lnTo>
-                </a:path>
-              </a:pathLst>
-            </a:custGeom>
-            <a:ln w="6775" cap="flat">
-              <a:solidFill>
-                <a:srgbClr val="DEDEDE">
-                  <a:alpha val="100000"/>
-                </a:srgbClr>
-              </a:solidFill>
-              <a:prstDash val="solid"/>
-              <a:round/>
-            </a:ln>
-          </p:spPr>
-          <p:txBody>
-            <a:bodyPr/>
-            <a:lstStyle/>
-            <a:p/>
-          </p:txBody>
-        </p:sp>
-        <p:sp>
-          <p:nvSpPr>
-            <p:cNvPr id="63" name="pl63"/>
-            <p:cNvSpPr/>
-            <p:nvPr/>
-          </p:nvSpPr>
-          <p:spPr>
-            <a:xfrm>
-              <a:off x="4461949" y="4296806"/>
-              <a:ext cx="2036743" cy="0"/>
-            </a:xfrm>
-            <a:custGeom>
-              <a:avLst/>
-              <a:pathLst>
-                <a:path w="2036743" h="0">
-                  <a:moveTo>
-                    <a:pt x="0" y="0"/>
-                  </a:moveTo>
-                  <a:lnTo>
-                    <a:pt x="2036743" y="0"/>
-                  </a:lnTo>
-                  <a:lnTo>
-                    <a:pt x="2036743" y="0"/>
-                  </a:lnTo>
-                </a:path>
-              </a:pathLst>
-            </a:custGeom>
-            <a:ln w="6775" cap="flat">
-              <a:solidFill>
-                <a:srgbClr val="DEDEDE">
-                  <a:alpha val="100000"/>
-                </a:srgbClr>
-              </a:solidFill>
-              <a:prstDash val="solid"/>
-              <a:round/>
-            </a:ln>
-          </p:spPr>
-          <p:txBody>
-            <a:bodyPr/>
-            <a:lstStyle/>
-            <a:p/>
-          </p:txBody>
-        </p:sp>
-        <p:sp>
-          <p:nvSpPr>
-            <p:cNvPr id="64" name="pl64"/>
-            <p:cNvSpPr/>
-            <p:nvPr/>
-          </p:nvSpPr>
-          <p:spPr>
-            <a:xfrm>
-              <a:off x="4461949" y="3727728"/>
-              <a:ext cx="2036743" cy="0"/>
-            </a:xfrm>
-            <a:custGeom>
-              <a:avLst/>
-              <a:pathLst>
-                <a:path w="2036743" h="0">
-                  <a:moveTo>
-                    <a:pt x="0" y="0"/>
-                  </a:moveTo>
-                  <a:lnTo>
-                    <a:pt x="2036743" y="0"/>
-                  </a:lnTo>
-                  <a:lnTo>
-                    <a:pt x="2036743" y="0"/>
-                  </a:lnTo>
-                </a:path>
-              </a:pathLst>
-            </a:custGeom>
-            <a:ln w="6775" cap="flat">
-              <a:solidFill>
-                <a:srgbClr val="DEDEDE">
-                  <a:alpha val="100000"/>
-                </a:srgbClr>
-              </a:solidFill>
-              <a:prstDash val="solid"/>
-              <a:round/>
-            </a:ln>
-          </p:spPr>
-          <p:txBody>
-            <a:bodyPr/>
-            <a:lstStyle/>
-            <a:p/>
-          </p:txBody>
-        </p:sp>
-        <p:sp>
-          <p:nvSpPr>
-            <p:cNvPr id="65" name="pl65"/>
-            <p:cNvSpPr/>
-            <p:nvPr/>
-          </p:nvSpPr>
-          <p:spPr>
-            <a:xfrm>
-              <a:off x="4461949" y="3158650"/>
-              <a:ext cx="2036743" cy="0"/>
-            </a:xfrm>
-            <a:custGeom>
-              <a:avLst/>
-              <a:pathLst>
-                <a:path w="2036743" h="0">
-                  <a:moveTo>
-                    <a:pt x="0" y="0"/>
-                  </a:moveTo>
-                  <a:lnTo>
-                    <a:pt x="2036743" y="0"/>
-                  </a:lnTo>
-                  <a:lnTo>
-                    <a:pt x="2036743" y="0"/>
-                  </a:lnTo>
-                </a:path>
-              </a:pathLst>
-            </a:custGeom>
-            <a:ln w="6775" cap="flat">
-              <a:solidFill>
-                <a:srgbClr val="DEDEDE">
-                  <a:alpha val="100000"/>
-                </a:srgbClr>
-              </a:solidFill>
-              <a:prstDash val="solid"/>
-              <a:round/>
-            </a:ln>
-          </p:spPr>
-          <p:txBody>
-            <a:bodyPr/>
-            <a:lstStyle/>
-            <a:p/>
-          </p:txBody>
-        </p:sp>
-        <p:sp>
-          <p:nvSpPr>
-            <p:cNvPr id="66" name="pl66"/>
-            <p:cNvSpPr/>
-            <p:nvPr/>
-          </p:nvSpPr>
-          <p:spPr>
-            <a:xfrm>
-              <a:off x="4461949" y="2589572"/>
-              <a:ext cx="2036743" cy="0"/>
-            </a:xfrm>
-            <a:custGeom>
-              <a:avLst/>
-              <a:pathLst>
-                <a:path w="2036743" h="0">
-                  <a:moveTo>
-                    <a:pt x="0" y="0"/>
-                  </a:moveTo>
-                  <a:lnTo>
-                    <a:pt x="2036743" y="0"/>
-                  </a:lnTo>
-                  <a:lnTo>
-                    <a:pt x="2036743" y="0"/>
-                  </a:lnTo>
-                </a:path>
-              </a:pathLst>
-            </a:custGeom>
-            <a:ln w="6775" cap="flat">
-              <a:solidFill>
-                <a:srgbClr val="DEDEDE">
-                  <a:alpha val="100000"/>
-                </a:srgbClr>
-              </a:solidFill>
-              <a:prstDash val="solid"/>
-              <a:round/>
-            </a:ln>
-          </p:spPr>
-          <p:txBody>
-            <a:bodyPr/>
-            <a:lstStyle/>
-            <a:p/>
-          </p:txBody>
-        </p:sp>
-        <p:sp>
-          <p:nvSpPr>
-            <p:cNvPr id="67" name="pl67"/>
-            <p:cNvSpPr/>
-            <p:nvPr/>
-          </p:nvSpPr>
-          <p:spPr>
-            <a:xfrm>
-              <a:off x="4461949" y="2248125"/>
-              <a:ext cx="0" cy="2959205"/>
-            </a:xfrm>
-            <a:custGeom>
-              <a:avLst/>
-              <a:pathLst>
-                <a:path w="0" h="2959205">
-                  <a:moveTo>
-                    <a:pt x="0" y="2959205"/>
-                  </a:moveTo>
-                  <a:lnTo>
-                    <a:pt x="0" y="0"/>
-                  </a:lnTo>
-                  <a:lnTo>
-                    <a:pt x="0" y="0"/>
-                  </a:lnTo>
-                </a:path>
-              </a:pathLst>
-            </a:custGeom>
-            <a:ln w="6775" cap="flat">
-              <a:solidFill>
-                <a:srgbClr val="DEDEDE">
-                  <a:alpha val="100000"/>
-                </a:srgbClr>
-              </a:solidFill>
-              <a:prstDash val="solid"/>
-              <a:round/>
-            </a:ln>
-          </p:spPr>
-          <p:txBody>
-            <a:bodyPr/>
-            <a:lstStyle/>
-            <a:p/>
-          </p:txBody>
-        </p:sp>
-        <p:sp>
-          <p:nvSpPr>
-            <p:cNvPr id="68" name="pl68"/>
-            <p:cNvSpPr/>
-            <p:nvPr/>
-          </p:nvSpPr>
-          <p:spPr>
-            <a:xfrm>
-              <a:off x="4961151" y="2248125"/>
-              <a:ext cx="0" cy="2959205"/>
-            </a:xfrm>
-            <a:custGeom>
-              <a:avLst/>
-              <a:pathLst>
-                <a:path w="0" h="2959205">
-                  <a:moveTo>
-                    <a:pt x="0" y="2959205"/>
-                  </a:moveTo>
-                  <a:lnTo>
-                    <a:pt x="0" y="0"/>
-                  </a:lnTo>
-                  <a:lnTo>
-                    <a:pt x="0" y="0"/>
-                  </a:lnTo>
-                </a:path>
-              </a:pathLst>
-            </a:custGeom>
-            <a:ln w="6775" cap="flat">
-              <a:solidFill>
-                <a:srgbClr val="DEDEDE">
-                  <a:alpha val="100000"/>
-                </a:srgbClr>
-              </a:solidFill>
-              <a:prstDash val="solid"/>
-              <a:round/>
-            </a:ln>
-          </p:spPr>
-          <p:txBody>
-            <a:bodyPr/>
-            <a:lstStyle/>
-            <a:p/>
-          </p:txBody>
-        </p:sp>
-        <p:sp>
-          <p:nvSpPr>
-            <p:cNvPr id="69" name="pl69"/>
-            <p:cNvSpPr/>
-            <p:nvPr/>
-          </p:nvSpPr>
-          <p:spPr>
-            <a:xfrm>
-              <a:off x="5460352" y="2248125"/>
-              <a:ext cx="0" cy="2959205"/>
-            </a:xfrm>
-            <a:custGeom>
-              <a:avLst/>
-              <a:pathLst>
-                <a:path w="0" h="2959205">
-                  <a:moveTo>
-                    <a:pt x="0" y="2959205"/>
-                  </a:moveTo>
-                  <a:lnTo>
-                    <a:pt x="0" y="0"/>
-                  </a:lnTo>
-                  <a:lnTo>
-                    <a:pt x="0" y="0"/>
-                  </a:lnTo>
-                </a:path>
-              </a:pathLst>
-            </a:custGeom>
-            <a:ln w="6775" cap="flat">
-              <a:solidFill>
-                <a:srgbClr val="DEDEDE">
-                  <a:alpha val="100000"/>
-                </a:srgbClr>
-              </a:solidFill>
-              <a:prstDash val="solid"/>
-              <a:round/>
-            </a:ln>
-          </p:spPr>
-          <p:txBody>
-            <a:bodyPr/>
-            <a:lstStyle/>
-            <a:p/>
-          </p:txBody>
-        </p:sp>
-        <p:sp>
-          <p:nvSpPr>
-            <p:cNvPr id="70" name="pl70"/>
-            <p:cNvSpPr/>
-            <p:nvPr/>
-          </p:nvSpPr>
-          <p:spPr>
-            <a:xfrm>
-              <a:off x="5959554" y="2248125"/>
-              <a:ext cx="0" cy="2959205"/>
-            </a:xfrm>
-            <a:custGeom>
-              <a:avLst/>
-              <a:pathLst>
-                <a:path w="0" h="2959205">
-                  <a:moveTo>
-                    <a:pt x="0" y="2959205"/>
-                  </a:moveTo>
-                  <a:lnTo>
-                    <a:pt x="0" y="0"/>
-                  </a:lnTo>
-                  <a:lnTo>
-                    <a:pt x="0" y="0"/>
-                  </a:lnTo>
-                </a:path>
-              </a:pathLst>
-            </a:custGeom>
-            <a:ln w="6775" cap="flat">
-              <a:solidFill>
-                <a:srgbClr val="DEDEDE">
-                  <a:alpha val="100000"/>
-                </a:srgbClr>
-              </a:solidFill>
-              <a:prstDash val="solid"/>
-              <a:round/>
-            </a:ln>
-          </p:spPr>
-          <p:txBody>
-            <a:bodyPr/>
-            <a:lstStyle/>
-            <a:p/>
-          </p:txBody>
-        </p:sp>
-        <p:sp>
-          <p:nvSpPr>
-            <p:cNvPr id="71" name="pl71"/>
-            <p:cNvSpPr/>
-            <p:nvPr/>
-          </p:nvSpPr>
-          <p:spPr>
-            <a:xfrm>
-              <a:off x="6458756" y="2248125"/>
-              <a:ext cx="0" cy="2959205"/>
-            </a:xfrm>
-            <a:custGeom>
-              <a:avLst/>
-              <a:pathLst>
-                <a:path w="0" h="2959205">
-                  <a:moveTo>
-                    <a:pt x="0" y="2959205"/>
-                  </a:moveTo>
-                  <a:lnTo>
-                    <a:pt x="0" y="0"/>
-                  </a:lnTo>
-                  <a:lnTo>
-                    <a:pt x="0" y="0"/>
-                  </a:lnTo>
-                </a:path>
-              </a:pathLst>
-            </a:custGeom>
-            <a:ln w="6775" cap="flat">
-              <a:solidFill>
-                <a:srgbClr val="DEDEDE">
-                  <a:alpha val="100000"/>
-                </a:srgbClr>
-              </a:solidFill>
-              <a:prstDash val="solid"/>
-              <a:round/>
-            </a:ln>
-          </p:spPr>
-          <p:txBody>
-            <a:bodyPr/>
-            <a:lstStyle/>
-            <a:p/>
-          </p:txBody>
-        </p:sp>
-        <p:sp>
-          <p:nvSpPr>
-            <p:cNvPr id="72" name="rc72"/>
-            <p:cNvSpPr/>
-            <p:nvPr/>
-          </p:nvSpPr>
-          <p:spPr>
-            <a:xfrm>
-              <a:off x="4461949" y="2333486"/>
-              <a:ext cx="1996807" cy="512170"/>
-            </a:xfrm>
-            <a:prstGeom prst="rect">
-              <a:avLst/>
-            </a:prstGeom>
-            <a:solidFill>
-              <a:srgbClr val="595959">
-                <a:alpha val="100000"/>
-              </a:srgbClr>
-            </a:solidFill>
-          </p:spPr>
-          <p:txBody>
-            <a:bodyPr/>
-            <a:lstStyle/>
-            <a:p/>
-          </p:txBody>
-        </p:sp>
-        <p:sp>
-          <p:nvSpPr>
-            <p:cNvPr id="73" name="rc73"/>
-            <p:cNvSpPr/>
-            <p:nvPr/>
-          </p:nvSpPr>
-          <p:spPr>
-            <a:xfrm>
-              <a:off x="4461949" y="2902564"/>
-              <a:ext cx="1647365" cy="512170"/>
-            </a:xfrm>
-            <a:prstGeom prst="rect">
-              <a:avLst/>
-            </a:prstGeom>
-            <a:solidFill>
-              <a:srgbClr val="595959">
-                <a:alpha val="100000"/>
-              </a:srgbClr>
-            </a:solidFill>
-          </p:spPr>
-          <p:txBody>
-            <a:bodyPr/>
-            <a:lstStyle/>
-            <a:p/>
-          </p:txBody>
-        </p:sp>
-        <p:sp>
-          <p:nvSpPr>
-            <p:cNvPr id="74" name="rc74"/>
-            <p:cNvSpPr/>
-            <p:nvPr/>
-          </p:nvSpPr>
-          <p:spPr>
-            <a:xfrm>
-              <a:off x="4461949" y="3471643"/>
-              <a:ext cx="1128195" cy="512170"/>
-            </a:xfrm>
-            <a:prstGeom prst="rect">
-              <a:avLst/>
-            </a:prstGeom>
-            <a:solidFill>
-              <a:srgbClr val="595959">
-                <a:alpha val="100000"/>
-              </a:srgbClr>
-            </a:solidFill>
-          </p:spPr>
-          <p:txBody>
-            <a:bodyPr/>
-            <a:lstStyle/>
-            <a:p/>
-          </p:txBody>
-        </p:sp>
-        <p:sp>
-          <p:nvSpPr>
-            <p:cNvPr id="75" name="rc75"/>
-            <p:cNvSpPr/>
-            <p:nvPr/>
-          </p:nvSpPr>
-          <p:spPr>
-            <a:xfrm>
-              <a:off x="4461949" y="4040721"/>
-              <a:ext cx="1118211" cy="512170"/>
-            </a:xfrm>
-            <a:prstGeom prst="rect">
-              <a:avLst/>
-            </a:prstGeom>
-            <a:solidFill>
-              <a:srgbClr val="595959">
-                <a:alpha val="100000"/>
-              </a:srgbClr>
-            </a:solidFill>
-          </p:spPr>
-          <p:txBody>
-            <a:bodyPr/>
-            <a:lstStyle/>
-            <a:p/>
-          </p:txBody>
-        </p:sp>
-        <p:sp>
-          <p:nvSpPr>
-            <p:cNvPr id="76" name="rc76"/>
-            <p:cNvSpPr/>
-            <p:nvPr/>
-          </p:nvSpPr>
-          <p:spPr>
-            <a:xfrm>
-              <a:off x="4461949" y="4609799"/>
-              <a:ext cx="718850" cy="512170"/>
-            </a:xfrm>
-            <a:prstGeom prst="rect">
-              <a:avLst/>
-            </a:prstGeom>
-            <a:solidFill>
-              <a:srgbClr val="595959">
-                <a:alpha val="100000"/>
-              </a:srgbClr>
-            </a:solidFill>
-          </p:spPr>
-          <p:txBody>
-            <a:bodyPr/>
-            <a:lstStyle/>
-            <a:p/>
-          </p:txBody>
-        </p:sp>
-        <p:sp>
-          <p:nvSpPr>
-            <p:cNvPr id="77" name="tx77"/>
-            <p:cNvSpPr/>
-            <p:nvPr/>
-          </p:nvSpPr>
-          <p:spPr>
-            <a:xfrm>
-              <a:off x="6165428" y="2533612"/>
-              <a:ext cx="261378" cy="79239"/>
-            </a:xfrm>
-            <a:prstGeom prst="rect">
-              <a:avLst/>
-            </a:prstGeom>
-            <a:noFill/>
-          </p:spPr>
-          <p:txBody>
-            <a:bodyPr lIns="0" rIns="0" tIns="0" bIns="0" anchorCtr="1" anchor="ctr" wrap="none"/>
-            <a:lstStyle/>
-            <a:p>
-              <a:pPr algn="l" marL="0" marR="0" indent="0">
-                <a:lnSpc>
-                  <a:spcPts val="853"/>
-                </a:lnSpc>
-                <a:spcBef>
-                  <a:spcPts val="0"/>
-                </a:spcBef>
-                <a:spcAft>
-                  <a:spcPts val="0"/>
-                </a:spcAft>
-              </a:pPr>
-              <a:r>
-                <a:rPr sz="853" b="1">
-                  <a:solidFill>
-                    <a:srgbClr val="FFFFFF">
-                      <a:alpha val="100000"/>
-                    </a:srgbClr>
-                  </a:solidFill>
-                  <a:latin typeface="Arial"/>
-                  <a:cs typeface="Arial"/>
-                </a:rPr>
-                <a:t>≤10亿</a:t>
-              </a:r>
-            </a:p>
-          </p:txBody>
-        </p:sp>
-        <p:sp>
-          <p:nvSpPr>
-            <p:cNvPr id="78" name="tx78"/>
-            <p:cNvSpPr/>
-            <p:nvPr/>
-          </p:nvSpPr>
-          <p:spPr>
-            <a:xfrm>
-              <a:off x="5718803" y="3102690"/>
-              <a:ext cx="358562" cy="79239"/>
-            </a:xfrm>
-            <a:prstGeom prst="rect">
-              <a:avLst/>
-            </a:prstGeom>
-            <a:noFill/>
-          </p:spPr>
-          <p:txBody>
-            <a:bodyPr lIns="0" rIns="0" tIns="0" bIns="0" anchorCtr="1" anchor="ctr" wrap="none"/>
-            <a:lstStyle/>
-            <a:p>
-              <a:pPr algn="l" marL="0" marR="0" indent="0">
-                <a:lnSpc>
-                  <a:spcPts val="853"/>
-                </a:lnSpc>
-                <a:spcBef>
-                  <a:spcPts val="0"/>
-                </a:spcBef>
-                <a:spcAft>
-                  <a:spcPts val="0"/>
-                </a:spcAft>
-              </a:pPr>
-              <a:r>
-                <a:rPr sz="853" b="1">
-                  <a:solidFill>
-                    <a:srgbClr val="FFFFFF">
-                      <a:alpha val="100000"/>
-                    </a:srgbClr>
-                  </a:solidFill>
-                  <a:latin typeface="Arial"/>
-                  <a:cs typeface="Arial"/>
-                </a:rPr>
-                <a:t>10-50亿</a:t>
-              </a:r>
-            </a:p>
-          </p:txBody>
-        </p:sp>
-        <p:sp>
-          <p:nvSpPr>
-            <p:cNvPr id="79" name="tx79"/>
-            <p:cNvSpPr/>
-            <p:nvPr/>
-          </p:nvSpPr>
-          <p:spPr>
-            <a:xfrm>
-              <a:off x="5232981" y="3683254"/>
-              <a:ext cx="325215" cy="67753"/>
-            </a:xfrm>
-            <a:prstGeom prst="rect">
-              <a:avLst/>
-            </a:prstGeom>
-            <a:noFill/>
-          </p:spPr>
-          <p:txBody>
-            <a:bodyPr lIns="0" rIns="0" tIns="0" bIns="0" anchorCtr="1" anchor="ctr" wrap="none"/>
-            <a:lstStyle/>
-            <a:p>
-              <a:pPr algn="l" marL="0" marR="0" indent="0">
-                <a:lnSpc>
-                  <a:spcPts val="853"/>
-                </a:lnSpc>
-                <a:spcBef>
-                  <a:spcPts val="0"/>
-                </a:spcBef>
-                <a:spcAft>
-                  <a:spcPts val="0"/>
-                </a:spcAft>
-              </a:pPr>
-              <a:r>
-                <a:rPr sz="853" b="1">
-                  <a:solidFill>
-                    <a:srgbClr val="FFFFFF">
-                      <a:alpha val="100000"/>
-                    </a:srgbClr>
-                  </a:solidFill>
-                  <a:latin typeface="Arial"/>
-                  <a:cs typeface="Arial"/>
-                </a:rPr>
-                <a:t>不应摄入</a:t>
-              </a:r>
-            </a:p>
-          </p:txBody>
-        </p:sp>
-        <p:sp>
-          <p:nvSpPr>
-            <p:cNvPr id="80" name="tx80"/>
-            <p:cNvSpPr/>
-            <p:nvPr/>
-          </p:nvSpPr>
-          <p:spPr>
-            <a:xfrm>
-              <a:off x="5129360" y="4240846"/>
-              <a:ext cx="418851" cy="79239"/>
-            </a:xfrm>
-            <a:prstGeom prst="rect">
-              <a:avLst/>
-            </a:prstGeom>
-            <a:noFill/>
-          </p:spPr>
-          <p:txBody>
-            <a:bodyPr lIns="0" rIns="0" tIns="0" bIns="0" anchorCtr="1" anchor="ctr" wrap="none"/>
-            <a:lstStyle/>
-            <a:p>
-              <a:pPr algn="l" marL="0" marR="0" indent="0">
-                <a:lnSpc>
-                  <a:spcPts val="853"/>
-                </a:lnSpc>
-                <a:spcBef>
-                  <a:spcPts val="0"/>
-                </a:spcBef>
-                <a:spcAft>
-                  <a:spcPts val="0"/>
-                </a:spcAft>
-              </a:pPr>
-              <a:r>
-                <a:rPr sz="853" b="1">
-                  <a:solidFill>
-                    <a:srgbClr val="FFFFFF">
-                      <a:alpha val="100000"/>
-                    </a:srgbClr>
-                  </a:solidFill>
-                  <a:latin typeface="Arial"/>
-                  <a:cs typeface="Arial"/>
-                </a:rPr>
-                <a:t>50-100亿</a:t>
-              </a:r>
-            </a:p>
-          </p:txBody>
-        </p:sp>
-        <p:sp>
-          <p:nvSpPr>
-            <p:cNvPr id="81" name="tx81"/>
-            <p:cNvSpPr/>
-            <p:nvPr/>
-          </p:nvSpPr>
-          <p:spPr>
-            <a:xfrm>
-              <a:off x="5212748" y="4825391"/>
-              <a:ext cx="479141" cy="79292"/>
-            </a:xfrm>
-            <a:prstGeom prst="rect">
-              <a:avLst/>
-            </a:prstGeom>
-            <a:noFill/>
-          </p:spPr>
-          <p:txBody>
-            <a:bodyPr lIns="0" rIns="0" tIns="0" bIns="0" anchorCtr="1" anchor="ctr" wrap="none"/>
-            <a:lstStyle/>
-            <a:p>
-              <a:pPr algn="l" marL="0" marR="0" indent="0">
-                <a:lnSpc>
-                  <a:spcPts val="853"/>
-                </a:lnSpc>
-                <a:spcBef>
-                  <a:spcPts val="0"/>
-                </a:spcBef>
-                <a:spcAft>
-                  <a:spcPts val="0"/>
-                </a:spcAft>
-              </a:pPr>
-              <a:r>
-                <a:rPr sz="853">
-                  <a:solidFill>
-                    <a:srgbClr val="000000">
-                      <a:alpha val="100000"/>
-                    </a:srgbClr>
-                  </a:solidFill>
-                  <a:latin typeface="Arial"/>
-                  <a:cs typeface="Arial"/>
-                </a:rPr>
-                <a:t>100-300亿</a:t>
-              </a:r>
-            </a:p>
-          </p:txBody>
-        </p:sp>
-        <p:sp>
-          <p:nvSpPr>
-            <p:cNvPr id="82" name="rc82"/>
-            <p:cNvSpPr/>
-            <p:nvPr/>
-          </p:nvSpPr>
-          <p:spPr>
-            <a:xfrm>
-              <a:off x="4461949" y="2248125"/>
-              <a:ext cx="2036743" cy="2959205"/>
-            </a:xfrm>
-            <a:prstGeom prst="rect">
-              <a:avLst/>
-            </a:prstGeom>
-            <a:ln w="13550" cap="rnd">
-              <a:solidFill>
-                <a:srgbClr val="B3B3B3">
-                  <a:alpha val="100000"/>
-                </a:srgbClr>
-              </a:solidFill>
-              <a:prstDash val="solid"/>
-              <a:round/>
-            </a:ln>
-          </p:spPr>
-          <p:txBody>
-            <a:bodyPr/>
-            <a:lstStyle/>
-            <a:p/>
-          </p:txBody>
-        </p:sp>
-        <p:sp>
-          <p:nvSpPr>
-            <p:cNvPr id="83" name="tx83"/>
-            <p:cNvSpPr/>
-            <p:nvPr/>
-          </p:nvSpPr>
-          <p:spPr>
-            <a:xfrm>
-              <a:off x="4364999" y="4825611"/>
-              <a:ext cx="62155" cy="80272"/>
-            </a:xfrm>
-            <a:prstGeom prst="rect">
-              <a:avLst/>
-            </a:prstGeom>
-            <a:noFill/>
-          </p:spPr>
-          <p:txBody>
-            <a:bodyPr lIns="0" rIns="0" tIns="0" bIns="0" anchorCtr="1" anchor="ctr" wrap="none"/>
-            <a:lstStyle/>
-            <a:p>
-              <a:pPr algn="l" marL="0" marR="0" indent="0">
-                <a:lnSpc>
-                  <a:spcPts val="880"/>
-                </a:lnSpc>
-                <a:spcBef>
-                  <a:spcPts val="0"/>
-                </a:spcBef>
-                <a:spcAft>
-                  <a:spcPts val="0"/>
-                </a:spcAft>
-              </a:pPr>
-              <a:r>
-                <a:rPr sz="880" b="1">
-                  <a:solidFill>
-                    <a:srgbClr val="4D4D4D">
-                      <a:alpha val="100000"/>
-                    </a:srgbClr>
-                  </a:solidFill>
-                  <a:latin typeface="Arial"/>
-                  <a:cs typeface="Arial"/>
-                </a:rPr>
-                <a:t>5</a:t>
-              </a:r>
-            </a:p>
-          </p:txBody>
-        </p:sp>
-        <p:sp>
-          <p:nvSpPr>
-            <p:cNvPr id="84" name="tx84"/>
-            <p:cNvSpPr/>
-            <p:nvPr/>
-          </p:nvSpPr>
-          <p:spPr>
-            <a:xfrm>
-              <a:off x="4364999" y="4256478"/>
-              <a:ext cx="62155" cy="80327"/>
-            </a:xfrm>
-            <a:prstGeom prst="rect">
-              <a:avLst/>
-            </a:prstGeom>
-            <a:noFill/>
-          </p:spPr>
-          <p:txBody>
-            <a:bodyPr lIns="0" rIns="0" tIns="0" bIns="0" anchorCtr="1" anchor="ctr" wrap="none"/>
-            <a:lstStyle/>
-            <a:p>
-              <a:pPr algn="l" marL="0" marR="0" indent="0">
-                <a:lnSpc>
-                  <a:spcPts val="880"/>
-                </a:lnSpc>
-                <a:spcBef>
-                  <a:spcPts val="0"/>
-                </a:spcBef>
-                <a:spcAft>
-                  <a:spcPts val="0"/>
-                </a:spcAft>
-              </a:pPr>
-              <a:r>
-                <a:rPr sz="880" b="1">
-                  <a:solidFill>
-                    <a:srgbClr val="4D4D4D">
-                      <a:alpha val="100000"/>
-                    </a:srgbClr>
-                  </a:solidFill>
-                  <a:latin typeface="Arial"/>
-                  <a:cs typeface="Arial"/>
-                </a:rPr>
-                <a:t>4</a:t>
-              </a:r>
-            </a:p>
-          </p:txBody>
-        </p:sp>
-        <p:sp>
-          <p:nvSpPr>
-            <p:cNvPr id="85" name="tx85"/>
-            <p:cNvSpPr/>
-            <p:nvPr/>
-          </p:nvSpPr>
-          <p:spPr>
-            <a:xfrm>
-              <a:off x="4364999" y="3686036"/>
-              <a:ext cx="62155" cy="81691"/>
-            </a:xfrm>
-            <a:prstGeom prst="rect">
-              <a:avLst/>
-            </a:prstGeom>
-            <a:noFill/>
-          </p:spPr>
-          <p:txBody>
-            <a:bodyPr lIns="0" rIns="0" tIns="0" bIns="0" anchorCtr="1" anchor="ctr" wrap="none"/>
-            <a:lstStyle/>
-            <a:p>
-              <a:pPr algn="l" marL="0" marR="0" indent="0">
-                <a:lnSpc>
-                  <a:spcPts val="880"/>
-                </a:lnSpc>
-                <a:spcBef>
-                  <a:spcPts val="0"/>
-                </a:spcBef>
-                <a:spcAft>
-                  <a:spcPts val="0"/>
-                </a:spcAft>
-              </a:pPr>
-              <a:r>
-                <a:rPr sz="880" b="1">
-                  <a:solidFill>
-                    <a:srgbClr val="4D4D4D">
-                      <a:alpha val="100000"/>
-                    </a:srgbClr>
-                  </a:solidFill>
-                  <a:latin typeface="Arial"/>
-                  <a:cs typeface="Arial"/>
-                </a:rPr>
-                <a:t>3</a:t>
-              </a:r>
-            </a:p>
-          </p:txBody>
-        </p:sp>
-        <p:sp>
-          <p:nvSpPr>
-            <p:cNvPr id="86" name="tx86"/>
-            <p:cNvSpPr/>
-            <p:nvPr/>
-          </p:nvSpPr>
-          <p:spPr>
-            <a:xfrm>
-              <a:off x="4364999" y="3118322"/>
-              <a:ext cx="62155" cy="80327"/>
-            </a:xfrm>
-            <a:prstGeom prst="rect">
-              <a:avLst/>
-            </a:prstGeom>
-            <a:noFill/>
-          </p:spPr>
-          <p:txBody>
-            <a:bodyPr lIns="0" rIns="0" tIns="0" bIns="0" anchorCtr="1" anchor="ctr" wrap="none"/>
-            <a:lstStyle/>
-            <a:p>
-              <a:pPr algn="l" marL="0" marR="0" indent="0">
-                <a:lnSpc>
-                  <a:spcPts val="880"/>
-                </a:lnSpc>
-                <a:spcBef>
-                  <a:spcPts val="0"/>
-                </a:spcBef>
-                <a:spcAft>
-                  <a:spcPts val="0"/>
-                </a:spcAft>
-              </a:pPr>
-              <a:r>
-                <a:rPr sz="880" b="1">
-                  <a:solidFill>
-                    <a:srgbClr val="4D4D4D">
-                      <a:alpha val="100000"/>
-                    </a:srgbClr>
-                  </a:solidFill>
-                  <a:latin typeface="Arial"/>
-                  <a:cs typeface="Arial"/>
-                </a:rPr>
-                <a:t>2</a:t>
-              </a:r>
-            </a:p>
-          </p:txBody>
-        </p:sp>
-        <p:sp>
-          <p:nvSpPr>
-            <p:cNvPr id="87" name="tx87"/>
-            <p:cNvSpPr/>
-            <p:nvPr/>
-          </p:nvSpPr>
-          <p:spPr>
-            <a:xfrm>
-              <a:off x="4364999" y="2549244"/>
-              <a:ext cx="62155" cy="80327"/>
-            </a:xfrm>
-            <a:prstGeom prst="rect">
-              <a:avLst/>
-            </a:prstGeom>
-            <a:noFill/>
-          </p:spPr>
-          <p:txBody>
-            <a:bodyPr lIns="0" rIns="0" tIns="0" bIns="0" anchorCtr="1" anchor="ctr" wrap="none"/>
-            <a:lstStyle/>
-            <a:p>
-              <a:pPr algn="l" marL="0" marR="0" indent="0">
-                <a:lnSpc>
-                  <a:spcPts val="880"/>
-                </a:lnSpc>
-                <a:spcBef>
-                  <a:spcPts val="0"/>
-                </a:spcBef>
-                <a:spcAft>
-                  <a:spcPts val="0"/>
-                </a:spcAft>
-              </a:pPr>
-              <a:r>
-                <a:rPr sz="880" b="1">
-                  <a:solidFill>
-                    <a:srgbClr val="4D4D4D">
-                      <a:alpha val="100000"/>
-                    </a:srgbClr>
-                  </a:solidFill>
-                  <a:latin typeface="Arial"/>
-                  <a:cs typeface="Arial"/>
-                </a:rPr>
-                <a:t>1</a:t>
-              </a:r>
-            </a:p>
-          </p:txBody>
-        </p:sp>
-        <p:sp>
-          <p:nvSpPr>
-            <p:cNvPr id="88" name="pl88"/>
-            <p:cNvSpPr/>
-            <p:nvPr/>
-          </p:nvSpPr>
-          <p:spPr>
-            <a:xfrm>
-              <a:off x="4427154" y="4865884"/>
-              <a:ext cx="34794" cy="0"/>
-            </a:xfrm>
-            <a:custGeom>
-              <a:avLst/>
-              <a:pathLst>
-                <a:path w="34794" h="0">
-                  <a:moveTo>
-                    <a:pt x="0" y="0"/>
-                  </a:moveTo>
-                  <a:lnTo>
-                    <a:pt x="34794" y="0"/>
-                  </a:lnTo>
-                </a:path>
-              </a:pathLst>
-            </a:custGeom>
-            <a:ln w="6775" cap="flat">
-              <a:solidFill>
-                <a:srgbClr val="B3B3B3">
-                  <a:alpha val="100000"/>
-                </a:srgbClr>
-              </a:solidFill>
-              <a:prstDash val="solid"/>
-              <a:round/>
-            </a:ln>
-          </p:spPr>
-          <p:txBody>
-            <a:bodyPr/>
-            <a:lstStyle/>
-            <a:p/>
-          </p:txBody>
-        </p:sp>
-        <p:sp>
-          <p:nvSpPr>
-            <p:cNvPr id="89" name="pl89"/>
-            <p:cNvSpPr/>
-            <p:nvPr/>
-          </p:nvSpPr>
-          <p:spPr>
-            <a:xfrm>
-              <a:off x="4427154" y="4296806"/>
-              <a:ext cx="34794" cy="0"/>
-            </a:xfrm>
-            <a:custGeom>
-              <a:avLst/>
-              <a:pathLst>
-                <a:path w="34794" h="0">
-                  <a:moveTo>
-                    <a:pt x="0" y="0"/>
-                  </a:moveTo>
-                  <a:lnTo>
-                    <a:pt x="34794" y="0"/>
-                  </a:lnTo>
-                </a:path>
-              </a:pathLst>
-            </a:custGeom>
-            <a:ln w="6775" cap="flat">
-              <a:solidFill>
-                <a:srgbClr val="B3B3B3">
-                  <a:alpha val="100000"/>
-                </a:srgbClr>
-              </a:solidFill>
-              <a:prstDash val="solid"/>
-              <a:round/>
-            </a:ln>
-          </p:spPr>
-          <p:txBody>
-            <a:bodyPr/>
-            <a:lstStyle/>
-            <a:p/>
-          </p:txBody>
-        </p:sp>
-        <p:sp>
-          <p:nvSpPr>
-            <p:cNvPr id="90" name="pl90"/>
-            <p:cNvSpPr/>
-            <p:nvPr/>
-          </p:nvSpPr>
-          <p:spPr>
-            <a:xfrm>
-              <a:off x="4427154" y="3727728"/>
-              <a:ext cx="34794" cy="0"/>
-            </a:xfrm>
-            <a:custGeom>
-              <a:avLst/>
-              <a:pathLst>
-                <a:path w="34794" h="0">
-                  <a:moveTo>
-                    <a:pt x="0" y="0"/>
-                  </a:moveTo>
-                  <a:lnTo>
-                    <a:pt x="34794" y="0"/>
-                  </a:lnTo>
-                </a:path>
-              </a:pathLst>
-            </a:custGeom>
-            <a:ln w="6775" cap="flat">
-              <a:solidFill>
-                <a:srgbClr val="B3B3B3">
-                  <a:alpha val="100000"/>
-                </a:srgbClr>
-              </a:solidFill>
-              <a:prstDash val="solid"/>
-              <a:round/>
-            </a:ln>
-          </p:spPr>
-          <p:txBody>
-            <a:bodyPr/>
-            <a:lstStyle/>
-            <a:p/>
-          </p:txBody>
-        </p:sp>
-        <p:sp>
-          <p:nvSpPr>
-            <p:cNvPr id="91" name="pl91"/>
-            <p:cNvSpPr/>
-            <p:nvPr/>
-          </p:nvSpPr>
-          <p:spPr>
-            <a:xfrm>
-              <a:off x="4427154" y="3158650"/>
-              <a:ext cx="34794" cy="0"/>
-            </a:xfrm>
-            <a:custGeom>
-              <a:avLst/>
-              <a:pathLst>
-                <a:path w="34794" h="0">
-                  <a:moveTo>
-                    <a:pt x="0" y="0"/>
-                  </a:moveTo>
-                  <a:lnTo>
-                    <a:pt x="34794" y="0"/>
-                  </a:lnTo>
-                </a:path>
-              </a:pathLst>
-            </a:custGeom>
-            <a:ln w="6775" cap="flat">
-              <a:solidFill>
-                <a:srgbClr val="B3B3B3">
-                  <a:alpha val="100000"/>
-                </a:srgbClr>
-              </a:solidFill>
-              <a:prstDash val="solid"/>
-              <a:round/>
-            </a:ln>
-          </p:spPr>
-          <p:txBody>
-            <a:bodyPr/>
-            <a:lstStyle/>
-            <a:p/>
-          </p:txBody>
-        </p:sp>
-        <p:sp>
-          <p:nvSpPr>
-            <p:cNvPr id="92" name="pl92"/>
-            <p:cNvSpPr/>
-            <p:nvPr/>
-          </p:nvSpPr>
-          <p:spPr>
-            <a:xfrm>
-              <a:off x="4427154" y="2589572"/>
-              <a:ext cx="34794" cy="0"/>
-            </a:xfrm>
-            <a:custGeom>
-              <a:avLst/>
-              <a:pathLst>
-                <a:path w="34794" h="0">
-                  <a:moveTo>
-                    <a:pt x="0" y="0"/>
-                  </a:moveTo>
-                  <a:lnTo>
-                    <a:pt x="34794" y="0"/>
-                  </a:lnTo>
-                </a:path>
-              </a:pathLst>
-            </a:custGeom>
-            <a:ln w="6775" cap="flat">
-              <a:solidFill>
-                <a:srgbClr val="B3B3B3">
-                  <a:alpha val="100000"/>
-                </a:srgbClr>
-              </a:solidFill>
-              <a:prstDash val="solid"/>
-              <a:round/>
-            </a:ln>
-          </p:spPr>
-          <p:txBody>
-            <a:bodyPr/>
-            <a:lstStyle/>
-            <a:p/>
-          </p:txBody>
-        </p:sp>
-        <p:sp>
-          <p:nvSpPr>
-            <p:cNvPr id="93" name="pl93"/>
-            <p:cNvSpPr/>
-            <p:nvPr/>
-          </p:nvSpPr>
-          <p:spPr>
-            <a:xfrm>
-              <a:off x="4461949" y="5207331"/>
-              <a:ext cx="0" cy="34794"/>
-            </a:xfrm>
-            <a:custGeom>
-              <a:avLst/>
-              <a:pathLst>
-                <a:path w="0" h="34794">
-                  <a:moveTo>
-                    <a:pt x="0" y="34794"/>
-                  </a:moveTo>
-                  <a:lnTo>
-                    <a:pt x="0" y="0"/>
-                  </a:lnTo>
-                </a:path>
-              </a:pathLst>
-            </a:custGeom>
-            <a:ln w="6775" cap="flat">
-              <a:solidFill>
-                <a:srgbClr val="B3B3B3">
-                  <a:alpha val="100000"/>
-                </a:srgbClr>
-              </a:solidFill>
-              <a:prstDash val="solid"/>
-              <a:round/>
-            </a:ln>
-          </p:spPr>
-          <p:txBody>
-            <a:bodyPr/>
-            <a:lstStyle/>
-            <a:p/>
-          </p:txBody>
-        </p:sp>
-        <p:sp>
-          <p:nvSpPr>
-            <p:cNvPr id="94" name="pl94"/>
-            <p:cNvSpPr/>
-            <p:nvPr/>
-          </p:nvSpPr>
-          <p:spPr>
-            <a:xfrm>
-              <a:off x="4961151" y="5207331"/>
-              <a:ext cx="0" cy="34794"/>
-            </a:xfrm>
-            <a:custGeom>
-              <a:avLst/>
-              <a:pathLst>
-                <a:path w="0" h="34794">
-                  <a:moveTo>
-                    <a:pt x="0" y="34794"/>
-                  </a:moveTo>
-                  <a:lnTo>
-                    <a:pt x="0" y="0"/>
-                  </a:lnTo>
-                </a:path>
-              </a:pathLst>
-            </a:custGeom>
-            <a:ln w="6775" cap="flat">
-              <a:solidFill>
-                <a:srgbClr val="B3B3B3">
-                  <a:alpha val="100000"/>
-                </a:srgbClr>
-              </a:solidFill>
-              <a:prstDash val="solid"/>
-              <a:round/>
-            </a:ln>
-          </p:spPr>
-          <p:txBody>
-            <a:bodyPr/>
-            <a:lstStyle/>
-            <a:p/>
-          </p:txBody>
-        </p:sp>
-        <p:sp>
-          <p:nvSpPr>
-            <p:cNvPr id="95" name="pl95"/>
-            <p:cNvSpPr/>
-            <p:nvPr/>
-          </p:nvSpPr>
-          <p:spPr>
-            <a:xfrm>
-              <a:off x="5460352" y="5207331"/>
-              <a:ext cx="0" cy="34794"/>
-            </a:xfrm>
-            <a:custGeom>
-              <a:avLst/>
-              <a:pathLst>
-                <a:path w="0" h="34794">
-                  <a:moveTo>
-                    <a:pt x="0" y="34794"/>
-                  </a:moveTo>
-                  <a:lnTo>
-                    <a:pt x="0" y="0"/>
-                  </a:lnTo>
-                </a:path>
-              </a:pathLst>
-            </a:custGeom>
-            <a:ln w="6775" cap="flat">
-              <a:solidFill>
-                <a:srgbClr val="B3B3B3">
-                  <a:alpha val="100000"/>
-                </a:srgbClr>
-              </a:solidFill>
-              <a:prstDash val="solid"/>
-              <a:round/>
-            </a:ln>
-          </p:spPr>
-          <p:txBody>
-            <a:bodyPr/>
-            <a:lstStyle/>
-            <a:p/>
-          </p:txBody>
-        </p:sp>
-        <p:sp>
-          <p:nvSpPr>
-            <p:cNvPr id="96" name="pl96"/>
-            <p:cNvSpPr/>
-            <p:nvPr/>
-          </p:nvSpPr>
-          <p:spPr>
-            <a:xfrm>
-              <a:off x="5959554" y="5207331"/>
-              <a:ext cx="0" cy="34794"/>
-            </a:xfrm>
-            <a:custGeom>
-              <a:avLst/>
-              <a:pathLst>
-                <a:path w="0" h="34794">
-                  <a:moveTo>
-                    <a:pt x="0" y="34794"/>
-                  </a:moveTo>
-                  <a:lnTo>
-                    <a:pt x="0" y="0"/>
-                  </a:lnTo>
-                </a:path>
-              </a:pathLst>
-            </a:custGeom>
-            <a:ln w="6775" cap="flat">
-              <a:solidFill>
-                <a:srgbClr val="B3B3B3">
-                  <a:alpha val="100000"/>
-                </a:srgbClr>
-              </a:solidFill>
-              <a:prstDash val="solid"/>
-              <a:round/>
-            </a:ln>
-          </p:spPr>
-          <p:txBody>
-            <a:bodyPr/>
-            <a:lstStyle/>
-            <a:p/>
-          </p:txBody>
-        </p:sp>
-        <p:sp>
-          <p:nvSpPr>
-            <p:cNvPr id="97" name="pl97"/>
-            <p:cNvSpPr/>
-            <p:nvPr/>
-          </p:nvSpPr>
-          <p:spPr>
-            <a:xfrm>
-              <a:off x="6458756" y="5207331"/>
-              <a:ext cx="0" cy="34794"/>
-            </a:xfrm>
-            <a:custGeom>
-              <a:avLst/>
-              <a:pathLst>
-                <a:path w="0" h="34794">
-                  <a:moveTo>
-                    <a:pt x="0" y="34794"/>
-                  </a:moveTo>
-                  <a:lnTo>
-                    <a:pt x="0" y="0"/>
-                  </a:lnTo>
-                </a:path>
-              </a:pathLst>
-            </a:custGeom>
-            <a:ln w="6775" cap="flat">
-              <a:solidFill>
-                <a:srgbClr val="B3B3B3">
-                  <a:alpha val="100000"/>
-                </a:srgbClr>
-              </a:solidFill>
-              <a:prstDash val="solid"/>
-              <a:round/>
-            </a:ln>
-          </p:spPr>
-          <p:txBody>
-            <a:bodyPr/>
-            <a:lstStyle/>
-            <a:p/>
-          </p:txBody>
-        </p:sp>
-        <p:sp>
-          <p:nvSpPr>
-            <p:cNvPr id="98" name="tx98"/>
-            <p:cNvSpPr/>
-            <p:nvPr/>
-          </p:nvSpPr>
-          <p:spPr>
-            <a:xfrm>
-              <a:off x="4430871" y="5268269"/>
-              <a:ext cx="62155" cy="81691"/>
-            </a:xfrm>
-            <a:prstGeom prst="rect">
-              <a:avLst/>
-            </a:prstGeom>
-            <a:noFill/>
-          </p:spPr>
-          <p:txBody>
-            <a:bodyPr lIns="0" rIns="0" tIns="0" bIns="0" anchorCtr="1" anchor="ctr" wrap="none"/>
-            <a:lstStyle/>
-            <a:p>
-              <a:pPr algn="l" marL="0" marR="0" indent="0">
-                <a:lnSpc>
-                  <a:spcPts val="880"/>
-                </a:lnSpc>
-                <a:spcBef>
-                  <a:spcPts val="0"/>
-                </a:spcBef>
-                <a:spcAft>
-                  <a:spcPts val="0"/>
-                </a:spcAft>
-              </a:pPr>
-              <a:r>
-                <a:rPr sz="880">
-                  <a:solidFill>
-                    <a:srgbClr val="4D4D4D">
-                      <a:alpha val="100000"/>
-                    </a:srgbClr>
-                  </a:solidFill>
-                  <a:latin typeface="Arial"/>
-                  <a:cs typeface="Arial"/>
-                </a:rPr>
-                <a:t>0</a:t>
-              </a:r>
-            </a:p>
-          </p:txBody>
-        </p:sp>
-        <p:sp>
-          <p:nvSpPr>
-            <p:cNvPr id="99" name="tx99"/>
-            <p:cNvSpPr/>
-            <p:nvPr/>
-          </p:nvSpPr>
-          <p:spPr>
-            <a:xfrm>
-              <a:off x="4898995" y="5268269"/>
-              <a:ext cx="124311" cy="81691"/>
-            </a:xfrm>
-            <a:prstGeom prst="rect">
-              <a:avLst/>
-            </a:prstGeom>
-            <a:noFill/>
-          </p:spPr>
-          <p:txBody>
-            <a:bodyPr lIns="0" rIns="0" tIns="0" bIns="0" anchorCtr="1" anchor="ctr" wrap="none"/>
-            <a:lstStyle/>
-            <a:p>
-              <a:pPr algn="l" marL="0" marR="0" indent="0">
-                <a:lnSpc>
-                  <a:spcPts val="880"/>
-                </a:lnSpc>
-                <a:spcBef>
-                  <a:spcPts val="0"/>
-                </a:spcBef>
-                <a:spcAft>
-                  <a:spcPts val="0"/>
-                </a:spcAft>
-              </a:pPr>
-              <a:r>
-                <a:rPr sz="880">
-                  <a:solidFill>
-                    <a:srgbClr val="4D4D4D">
-                      <a:alpha val="100000"/>
-                    </a:srgbClr>
-                  </a:solidFill>
-                  <a:latin typeface="Arial"/>
-                  <a:cs typeface="Arial"/>
-                </a:rPr>
-                <a:t>50</a:t>
-              </a:r>
-            </a:p>
-          </p:txBody>
-        </p:sp>
-        <p:sp>
-          <p:nvSpPr>
-            <p:cNvPr id="100" name="tx100"/>
-            <p:cNvSpPr/>
-            <p:nvPr/>
-          </p:nvSpPr>
-          <p:spPr>
-            <a:xfrm>
-              <a:off x="5367119" y="5268269"/>
-              <a:ext cx="186466" cy="81691"/>
-            </a:xfrm>
-            <a:prstGeom prst="rect">
-              <a:avLst/>
-            </a:prstGeom>
-            <a:noFill/>
-          </p:spPr>
-          <p:txBody>
-            <a:bodyPr lIns="0" rIns="0" tIns="0" bIns="0" anchorCtr="1" anchor="ctr" wrap="none"/>
-            <a:lstStyle/>
-            <a:p>
-              <a:pPr algn="l" marL="0" marR="0" indent="0">
-                <a:lnSpc>
-                  <a:spcPts val="880"/>
-                </a:lnSpc>
-                <a:spcBef>
-                  <a:spcPts val="0"/>
-                </a:spcBef>
-                <a:spcAft>
-                  <a:spcPts val="0"/>
-                </a:spcAft>
-              </a:pPr>
-              <a:r>
-                <a:rPr sz="880">
-                  <a:solidFill>
-                    <a:srgbClr val="4D4D4D">
-                      <a:alpha val="100000"/>
-                    </a:srgbClr>
-                  </a:solidFill>
-                  <a:latin typeface="Arial"/>
-                  <a:cs typeface="Arial"/>
-                </a:rPr>
-                <a:t>100</a:t>
-              </a:r>
-            </a:p>
-          </p:txBody>
-        </p:sp>
-        <p:sp>
-          <p:nvSpPr>
-            <p:cNvPr id="101" name="tx101"/>
-            <p:cNvSpPr/>
-            <p:nvPr/>
-          </p:nvSpPr>
-          <p:spPr>
-            <a:xfrm>
-              <a:off x="5866321" y="5268269"/>
-              <a:ext cx="186466" cy="81691"/>
-            </a:xfrm>
-            <a:prstGeom prst="rect">
-              <a:avLst/>
-            </a:prstGeom>
-            <a:noFill/>
-          </p:spPr>
-          <p:txBody>
-            <a:bodyPr lIns="0" rIns="0" tIns="0" bIns="0" anchorCtr="1" anchor="ctr" wrap="none"/>
-            <a:lstStyle/>
-            <a:p>
-              <a:pPr algn="l" marL="0" marR="0" indent="0">
-                <a:lnSpc>
-                  <a:spcPts val="880"/>
-                </a:lnSpc>
-                <a:spcBef>
-                  <a:spcPts val="0"/>
-                </a:spcBef>
-                <a:spcAft>
-                  <a:spcPts val="0"/>
-                </a:spcAft>
-              </a:pPr>
-              <a:r>
-                <a:rPr sz="880">
-                  <a:solidFill>
-                    <a:srgbClr val="4D4D4D">
-                      <a:alpha val="100000"/>
-                    </a:srgbClr>
-                  </a:solidFill>
-                  <a:latin typeface="Arial"/>
-                  <a:cs typeface="Arial"/>
-                </a:rPr>
-                <a:t>150</a:t>
-              </a:r>
-            </a:p>
-          </p:txBody>
-        </p:sp>
-        <p:sp>
-          <p:nvSpPr>
-            <p:cNvPr id="102" name="tx102"/>
-            <p:cNvSpPr/>
-            <p:nvPr/>
-          </p:nvSpPr>
-          <p:spPr>
-            <a:xfrm>
-              <a:off x="6365522" y="5268269"/>
-              <a:ext cx="186466" cy="81691"/>
-            </a:xfrm>
-            <a:prstGeom prst="rect">
-              <a:avLst/>
-            </a:prstGeom>
-            <a:noFill/>
-          </p:spPr>
-          <p:txBody>
-            <a:bodyPr lIns="0" rIns="0" tIns="0" bIns="0" anchorCtr="1" anchor="ctr" wrap="none"/>
-            <a:lstStyle/>
-            <a:p>
-              <a:pPr algn="l" marL="0" marR="0" indent="0">
-                <a:lnSpc>
-                  <a:spcPts val="880"/>
-                </a:lnSpc>
-                <a:spcBef>
-                  <a:spcPts val="0"/>
-                </a:spcBef>
-                <a:spcAft>
-                  <a:spcPts val="0"/>
-                </a:spcAft>
-              </a:pPr>
-              <a:r>
-                <a:rPr sz="880">
-                  <a:solidFill>
-                    <a:srgbClr val="4D4D4D">
-                      <a:alpha val="100000"/>
-                    </a:srgbClr>
-                  </a:solidFill>
-                  <a:latin typeface="Arial"/>
-                  <a:cs typeface="Arial"/>
-                </a:rPr>
-                <a:t>200</a:t>
-              </a:r>
-            </a:p>
-          </p:txBody>
-        </p:sp>
-        <p:sp>
-          <p:nvSpPr>
-            <p:cNvPr id="103" name="tx103"/>
-            <p:cNvSpPr/>
-            <p:nvPr/>
-          </p:nvSpPr>
-          <p:spPr>
-            <a:xfrm>
-              <a:off x="4461949" y="2019594"/>
-              <a:ext cx="461255" cy="122619"/>
-            </a:xfrm>
-            <a:prstGeom prst="rect">
-              <a:avLst/>
-            </a:prstGeom>
-            <a:noFill/>
-          </p:spPr>
-          <p:txBody>
-            <a:bodyPr lIns="0" rIns="0" tIns="0" bIns="0" anchorCtr="1" anchor="ctr" wrap="none"/>
-            <a:lstStyle/>
-            <a:p>
-              <a:pPr algn="l" marL="0" marR="0" indent="0">
-                <a:lnSpc>
-                  <a:spcPts val="1320"/>
-                </a:lnSpc>
-                <a:spcBef>
-                  <a:spcPts val="0"/>
-                </a:spcBef>
-                <a:spcAft>
-                  <a:spcPts val="0"/>
-                </a:spcAft>
-              </a:pPr>
-              <a:r>
-                <a:rPr sz="1320">
-                  <a:solidFill>
-                    <a:srgbClr val="000000">
-                      <a:alpha val="100000"/>
-                    </a:srgbClr>
-                  </a:solidFill>
-                  <a:latin typeface="Arial"/>
-                  <a:cs typeface="Arial"/>
-                </a:rPr>
-                <a:t>3-12岁</a:t>
-              </a:r>
-            </a:p>
-          </p:txBody>
-        </p:sp>
-        <p:sp>
-          <p:nvSpPr>
-            <p:cNvPr id="104" name="rc104"/>
-            <p:cNvSpPr/>
-            <p:nvPr/>
-          </p:nvSpPr>
-          <p:spPr>
-            <a:xfrm>
-              <a:off x="6568281" y="1952625"/>
-              <a:ext cx="2438399" cy="3657600"/>
-            </a:xfrm>
-            <a:prstGeom prst="rect">
-              <a:avLst/>
-            </a:prstGeom>
-            <a:solidFill>
-              <a:srgbClr val="FFFFFF">
-                <a:alpha val="100000"/>
-              </a:srgbClr>
-            </a:solidFill>
-            <a:ln w="13550" cap="rnd">
-              <a:solidFill>
-                <a:srgbClr val="FFFFFF">
-                  <a:alpha val="100000"/>
-                </a:srgbClr>
-              </a:solidFill>
-              <a:prstDash val="solid"/>
-              <a:round/>
-            </a:ln>
-          </p:spPr>
-          <p:txBody>
-            <a:bodyPr/>
-            <a:lstStyle/>
-            <a:p/>
-          </p:txBody>
-        </p:sp>
-        <p:sp>
-          <p:nvSpPr>
-            <p:cNvPr id="105" name="rc105"/>
-            <p:cNvSpPr/>
-            <p:nvPr/>
-          </p:nvSpPr>
-          <p:spPr>
-            <a:xfrm>
-              <a:off x="6900349" y="2248125"/>
-              <a:ext cx="2036743" cy="2959205"/>
-            </a:xfrm>
-            <a:prstGeom prst="rect">
-              <a:avLst/>
-            </a:prstGeom>
-            <a:solidFill>
-              <a:srgbClr val="FFFFFF">
-                <a:alpha val="100000"/>
-              </a:srgbClr>
-            </a:solidFill>
-          </p:spPr>
-          <p:txBody>
-            <a:bodyPr/>
-            <a:lstStyle/>
-            <a:p/>
-          </p:txBody>
-        </p:sp>
-        <p:sp>
-          <p:nvSpPr>
-            <p:cNvPr id="106" name="pl106"/>
-            <p:cNvSpPr/>
-            <p:nvPr/>
-          </p:nvSpPr>
-          <p:spPr>
-            <a:xfrm>
-              <a:off x="7146868" y="2248125"/>
-              <a:ext cx="0" cy="2959205"/>
-            </a:xfrm>
-            <a:custGeom>
-              <a:avLst/>
-              <a:pathLst>
-                <a:path w="0" h="2959205">
-                  <a:moveTo>
-                    <a:pt x="0" y="2959205"/>
-                  </a:moveTo>
-                  <a:lnTo>
-                    <a:pt x="0" y="0"/>
-                  </a:lnTo>
-                  <a:lnTo>
-                    <a:pt x="0" y="0"/>
-                  </a:lnTo>
-                </a:path>
-              </a:pathLst>
-            </a:custGeom>
-            <a:ln w="3387" cap="flat">
-              <a:solidFill>
-                <a:srgbClr val="DEDEDE">
-                  <a:alpha val="100000"/>
-                </a:srgbClr>
-              </a:solidFill>
-              <a:prstDash val="solid"/>
-              <a:round/>
-            </a:ln>
-          </p:spPr>
-          <p:txBody>
-            <a:bodyPr/>
-            <a:lstStyle/>
-            <a:p/>
-          </p:txBody>
-        </p:sp>
-        <p:sp>
-          <p:nvSpPr>
-            <p:cNvPr id="107" name="pl107"/>
-            <p:cNvSpPr/>
-            <p:nvPr/>
-          </p:nvSpPr>
-          <p:spPr>
-            <a:xfrm>
-              <a:off x="7639907" y="2248125"/>
-              <a:ext cx="0" cy="2959205"/>
-            </a:xfrm>
-            <a:custGeom>
-              <a:avLst/>
-              <a:pathLst>
-                <a:path w="0" h="2959205">
-                  <a:moveTo>
-                    <a:pt x="0" y="2959205"/>
-                  </a:moveTo>
-                  <a:lnTo>
-                    <a:pt x="0" y="0"/>
-                  </a:lnTo>
-                  <a:lnTo>
-                    <a:pt x="0" y="0"/>
-                  </a:lnTo>
-                </a:path>
-              </a:pathLst>
-            </a:custGeom>
-            <a:ln w="3387" cap="flat">
-              <a:solidFill>
-                <a:srgbClr val="DEDEDE">
-                  <a:alpha val="100000"/>
-                </a:srgbClr>
-              </a:solidFill>
-              <a:prstDash val="solid"/>
-              <a:round/>
-            </a:ln>
-          </p:spPr>
-          <p:txBody>
-            <a:bodyPr/>
-            <a:lstStyle/>
-            <a:p/>
-          </p:txBody>
-        </p:sp>
-        <p:sp>
-          <p:nvSpPr>
-            <p:cNvPr id="108" name="pl108"/>
-            <p:cNvSpPr/>
-            <p:nvPr/>
-          </p:nvSpPr>
-          <p:spPr>
-            <a:xfrm>
-              <a:off x="8132946" y="2248125"/>
-              <a:ext cx="0" cy="2959205"/>
-            </a:xfrm>
-            <a:custGeom>
-              <a:avLst/>
-              <a:pathLst>
-                <a:path w="0" h="2959205">
-                  <a:moveTo>
-                    <a:pt x="0" y="2959205"/>
-                  </a:moveTo>
-                  <a:lnTo>
-                    <a:pt x="0" y="0"/>
-                  </a:lnTo>
-                  <a:lnTo>
-                    <a:pt x="0" y="0"/>
-                  </a:lnTo>
-                </a:path>
-              </a:pathLst>
-            </a:custGeom>
-            <a:ln w="3387" cap="flat">
-              <a:solidFill>
-                <a:srgbClr val="DEDEDE">
-                  <a:alpha val="100000"/>
-                </a:srgbClr>
-              </a:solidFill>
-              <a:prstDash val="solid"/>
-              <a:round/>
-            </a:ln>
-          </p:spPr>
-          <p:txBody>
-            <a:bodyPr/>
-            <a:lstStyle/>
-            <a:p/>
-          </p:txBody>
-        </p:sp>
-        <p:sp>
-          <p:nvSpPr>
-            <p:cNvPr id="109" name="pl109"/>
-            <p:cNvSpPr/>
-            <p:nvPr/>
-          </p:nvSpPr>
-          <p:spPr>
-            <a:xfrm>
-              <a:off x="8625984" y="2248125"/>
-              <a:ext cx="0" cy="2959205"/>
-            </a:xfrm>
-            <a:custGeom>
-              <a:avLst/>
-              <a:pathLst>
-                <a:path w="0" h="2959205">
-                  <a:moveTo>
-                    <a:pt x="0" y="2959205"/>
-                  </a:moveTo>
-                  <a:lnTo>
-                    <a:pt x="0" y="0"/>
-                  </a:lnTo>
-                  <a:lnTo>
-                    <a:pt x="0" y="0"/>
-                  </a:lnTo>
-                </a:path>
-              </a:pathLst>
-            </a:custGeom>
-            <a:ln w="3387" cap="flat">
-              <a:solidFill>
-                <a:srgbClr val="DEDEDE">
-                  <a:alpha val="100000"/>
-                </a:srgbClr>
-              </a:solidFill>
-              <a:prstDash val="solid"/>
-              <a:round/>
-            </a:ln>
-          </p:spPr>
-          <p:txBody>
-            <a:bodyPr/>
-            <a:lstStyle/>
-            <a:p/>
-          </p:txBody>
-        </p:sp>
-        <p:sp>
-          <p:nvSpPr>
-            <p:cNvPr id="110" name="pl110"/>
-            <p:cNvSpPr/>
-            <p:nvPr/>
-          </p:nvSpPr>
-          <p:spPr>
-            <a:xfrm>
-              <a:off x="6900349" y="4865884"/>
-              <a:ext cx="2036743" cy="0"/>
-            </a:xfrm>
-            <a:custGeom>
-              <a:avLst/>
-              <a:pathLst>
-                <a:path w="2036743" h="0">
-                  <a:moveTo>
-                    <a:pt x="0" y="0"/>
-                  </a:moveTo>
-                  <a:lnTo>
-                    <a:pt x="2036743" y="0"/>
-                  </a:lnTo>
-                  <a:lnTo>
-                    <a:pt x="2036743" y="0"/>
-                  </a:lnTo>
-                </a:path>
-              </a:pathLst>
-            </a:custGeom>
-            <a:ln w="6775" cap="flat">
-              <a:solidFill>
-                <a:srgbClr val="DEDEDE">
-                  <a:alpha val="100000"/>
-                </a:srgbClr>
-              </a:solidFill>
-              <a:prstDash val="solid"/>
-              <a:round/>
-            </a:ln>
-          </p:spPr>
-          <p:txBody>
-            <a:bodyPr/>
-            <a:lstStyle/>
-            <a:p/>
-          </p:txBody>
-        </p:sp>
-        <p:sp>
-          <p:nvSpPr>
-            <p:cNvPr id="111" name="pl111"/>
-            <p:cNvSpPr/>
-            <p:nvPr/>
-          </p:nvSpPr>
-          <p:spPr>
-            <a:xfrm>
-              <a:off x="6900349" y="4296806"/>
-              <a:ext cx="2036743" cy="0"/>
-            </a:xfrm>
-            <a:custGeom>
-              <a:avLst/>
-              <a:pathLst>
-                <a:path w="2036743" h="0">
-                  <a:moveTo>
-                    <a:pt x="0" y="0"/>
-                  </a:moveTo>
-                  <a:lnTo>
-                    <a:pt x="2036743" y="0"/>
-                  </a:lnTo>
-                  <a:lnTo>
-                    <a:pt x="2036743" y="0"/>
-                  </a:lnTo>
-                </a:path>
-              </a:pathLst>
-            </a:custGeom>
-            <a:ln w="6775" cap="flat">
-              <a:solidFill>
-                <a:srgbClr val="DEDEDE">
-                  <a:alpha val="100000"/>
-                </a:srgbClr>
-              </a:solidFill>
-              <a:prstDash val="solid"/>
-              <a:round/>
-            </a:ln>
-          </p:spPr>
-          <p:txBody>
-            <a:bodyPr/>
-            <a:lstStyle/>
-            <a:p/>
-          </p:txBody>
-        </p:sp>
-        <p:sp>
-          <p:nvSpPr>
-            <p:cNvPr id="112" name="pl112"/>
-            <p:cNvSpPr/>
-            <p:nvPr/>
-          </p:nvSpPr>
-          <p:spPr>
-            <a:xfrm>
-              <a:off x="6900349" y="3727728"/>
-              <a:ext cx="2036743" cy="0"/>
-            </a:xfrm>
-            <a:custGeom>
-              <a:avLst/>
-              <a:pathLst>
-                <a:path w="2036743" h="0">
-                  <a:moveTo>
-                    <a:pt x="0" y="0"/>
-                  </a:moveTo>
-                  <a:lnTo>
-                    <a:pt x="2036743" y="0"/>
-                  </a:lnTo>
-                  <a:lnTo>
-                    <a:pt x="2036743" y="0"/>
-                  </a:lnTo>
-                </a:path>
-              </a:pathLst>
-            </a:custGeom>
-            <a:ln w="6775" cap="flat">
-              <a:solidFill>
-                <a:srgbClr val="DEDEDE">
-                  <a:alpha val="100000"/>
-                </a:srgbClr>
-              </a:solidFill>
-              <a:prstDash val="solid"/>
-              <a:round/>
-            </a:ln>
-          </p:spPr>
-          <p:txBody>
-            <a:bodyPr/>
-            <a:lstStyle/>
-            <a:p/>
-          </p:txBody>
-        </p:sp>
-        <p:sp>
-          <p:nvSpPr>
-            <p:cNvPr id="113" name="pl113"/>
-            <p:cNvSpPr/>
-            <p:nvPr/>
-          </p:nvSpPr>
-          <p:spPr>
-            <a:xfrm>
-              <a:off x="6900349" y="3158650"/>
-              <a:ext cx="2036743" cy="0"/>
-            </a:xfrm>
-            <a:custGeom>
-              <a:avLst/>
-              <a:pathLst>
-                <a:path w="2036743" h="0">
-                  <a:moveTo>
-                    <a:pt x="0" y="0"/>
-                  </a:moveTo>
-                  <a:lnTo>
-                    <a:pt x="2036743" y="0"/>
-                  </a:lnTo>
-                  <a:lnTo>
-                    <a:pt x="2036743" y="0"/>
-                  </a:lnTo>
-                </a:path>
-              </a:pathLst>
-            </a:custGeom>
-            <a:ln w="6775" cap="flat">
-              <a:solidFill>
-                <a:srgbClr val="DEDEDE">
-                  <a:alpha val="100000"/>
-                </a:srgbClr>
-              </a:solidFill>
-              <a:prstDash val="solid"/>
-              <a:round/>
-            </a:ln>
-          </p:spPr>
-          <p:txBody>
-            <a:bodyPr/>
-            <a:lstStyle/>
-            <a:p/>
-          </p:txBody>
-        </p:sp>
-        <p:sp>
-          <p:nvSpPr>
-            <p:cNvPr id="114" name="pl114"/>
-            <p:cNvSpPr/>
-            <p:nvPr/>
-          </p:nvSpPr>
-          <p:spPr>
-            <a:xfrm>
-              <a:off x="6900349" y="2589572"/>
-              <a:ext cx="2036743" cy="0"/>
-            </a:xfrm>
-            <a:custGeom>
-              <a:avLst/>
-              <a:pathLst>
-                <a:path w="2036743" h="0">
-                  <a:moveTo>
-                    <a:pt x="0" y="0"/>
-                  </a:moveTo>
-                  <a:lnTo>
-                    <a:pt x="2036743" y="0"/>
-                  </a:lnTo>
-                  <a:lnTo>
-                    <a:pt x="2036743" y="0"/>
-                  </a:lnTo>
-                </a:path>
-              </a:pathLst>
-            </a:custGeom>
-            <a:ln w="6775" cap="flat">
-              <a:solidFill>
-                <a:srgbClr val="DEDEDE">
-                  <a:alpha val="100000"/>
-                </a:srgbClr>
-              </a:solidFill>
-              <a:prstDash val="solid"/>
-              <a:round/>
-            </a:ln>
-          </p:spPr>
-          <p:txBody>
-            <a:bodyPr/>
-            <a:lstStyle/>
-            <a:p/>
-          </p:txBody>
-        </p:sp>
-        <p:sp>
-          <p:nvSpPr>
-            <p:cNvPr id="115" name="pl115"/>
-            <p:cNvSpPr/>
-            <p:nvPr/>
-          </p:nvSpPr>
-          <p:spPr>
-            <a:xfrm>
-              <a:off x="6900349" y="2248125"/>
-              <a:ext cx="0" cy="2959205"/>
-            </a:xfrm>
-            <a:custGeom>
-              <a:avLst/>
-              <a:pathLst>
-                <a:path w="0" h="2959205">
-                  <a:moveTo>
-                    <a:pt x="0" y="2959205"/>
-                  </a:moveTo>
-                  <a:lnTo>
-                    <a:pt x="0" y="0"/>
-                  </a:lnTo>
-                  <a:lnTo>
-                    <a:pt x="0" y="0"/>
-                  </a:lnTo>
-                </a:path>
-              </a:pathLst>
-            </a:custGeom>
-            <a:ln w="6775" cap="flat">
-              <a:solidFill>
-                <a:srgbClr val="DEDEDE">
-                  <a:alpha val="100000"/>
-                </a:srgbClr>
-              </a:solidFill>
-              <a:prstDash val="solid"/>
-              <a:round/>
-            </a:ln>
-          </p:spPr>
-          <p:txBody>
-            <a:bodyPr/>
-            <a:lstStyle/>
-            <a:p/>
-          </p:txBody>
-        </p:sp>
-        <p:sp>
-          <p:nvSpPr>
-            <p:cNvPr id="116" name="pl116"/>
-            <p:cNvSpPr/>
-            <p:nvPr/>
-          </p:nvSpPr>
-          <p:spPr>
-            <a:xfrm>
-              <a:off x="7393388" y="2248125"/>
-              <a:ext cx="0" cy="2959205"/>
-            </a:xfrm>
-            <a:custGeom>
-              <a:avLst/>
-              <a:pathLst>
-                <a:path w="0" h="2959205">
-                  <a:moveTo>
-                    <a:pt x="0" y="2959205"/>
-                  </a:moveTo>
-                  <a:lnTo>
-                    <a:pt x="0" y="0"/>
-                  </a:lnTo>
-                  <a:lnTo>
-                    <a:pt x="0" y="0"/>
-                  </a:lnTo>
-                </a:path>
-              </a:pathLst>
-            </a:custGeom>
-            <a:ln w="6775" cap="flat">
-              <a:solidFill>
-                <a:srgbClr val="DEDEDE">
-                  <a:alpha val="100000"/>
-                </a:srgbClr>
-              </a:solidFill>
-              <a:prstDash val="solid"/>
-              <a:round/>
-            </a:ln>
-          </p:spPr>
-          <p:txBody>
-            <a:bodyPr/>
-            <a:lstStyle/>
-            <a:p/>
-          </p:txBody>
-        </p:sp>
-        <p:sp>
-          <p:nvSpPr>
-            <p:cNvPr id="117" name="pl117"/>
-            <p:cNvSpPr/>
-            <p:nvPr/>
-          </p:nvSpPr>
-          <p:spPr>
-            <a:xfrm>
-              <a:off x="7886426" y="2248125"/>
-              <a:ext cx="0" cy="2959205"/>
-            </a:xfrm>
-            <a:custGeom>
-              <a:avLst/>
-              <a:pathLst>
-                <a:path w="0" h="2959205">
-                  <a:moveTo>
-                    <a:pt x="0" y="2959205"/>
-                  </a:moveTo>
-                  <a:lnTo>
-                    <a:pt x="0" y="0"/>
-                  </a:lnTo>
-                  <a:lnTo>
-                    <a:pt x="0" y="0"/>
-                  </a:lnTo>
-                </a:path>
-              </a:pathLst>
-            </a:custGeom>
-            <a:ln w="6775" cap="flat">
-              <a:solidFill>
-                <a:srgbClr val="DEDEDE">
-                  <a:alpha val="100000"/>
-                </a:srgbClr>
-              </a:solidFill>
-              <a:prstDash val="solid"/>
-              <a:round/>
-            </a:ln>
-          </p:spPr>
-          <p:txBody>
-            <a:bodyPr/>
-            <a:lstStyle/>
-            <a:p/>
-          </p:txBody>
-        </p:sp>
-        <p:sp>
-          <p:nvSpPr>
-            <p:cNvPr id="118" name="pl118"/>
-            <p:cNvSpPr/>
-            <p:nvPr/>
-          </p:nvSpPr>
-          <p:spPr>
-            <a:xfrm>
-              <a:off x="8379465" y="2248125"/>
-              <a:ext cx="0" cy="2959205"/>
-            </a:xfrm>
-            <a:custGeom>
-              <a:avLst/>
-              <a:pathLst>
-                <a:path w="0" h="2959205">
-                  <a:moveTo>
-                    <a:pt x="0" y="2959205"/>
-                  </a:moveTo>
-                  <a:lnTo>
-                    <a:pt x="0" y="0"/>
-                  </a:lnTo>
-                  <a:lnTo>
-                    <a:pt x="0" y="0"/>
-                  </a:lnTo>
-                </a:path>
-              </a:pathLst>
-            </a:custGeom>
-            <a:ln w="6775" cap="flat">
-              <a:solidFill>
-                <a:srgbClr val="DEDEDE">
-                  <a:alpha val="100000"/>
-                </a:srgbClr>
-              </a:solidFill>
-              <a:prstDash val="solid"/>
-              <a:round/>
-            </a:ln>
-          </p:spPr>
-          <p:txBody>
-            <a:bodyPr/>
-            <a:lstStyle/>
-            <a:p/>
-          </p:txBody>
-        </p:sp>
-        <p:sp>
-          <p:nvSpPr>
-            <p:cNvPr id="119" name="pl119"/>
-            <p:cNvSpPr/>
-            <p:nvPr/>
-          </p:nvSpPr>
-          <p:spPr>
-            <a:xfrm>
-              <a:off x="8872504" y="2248125"/>
-              <a:ext cx="0" cy="2959205"/>
-            </a:xfrm>
-            <a:custGeom>
-              <a:avLst/>
-              <a:pathLst>
-                <a:path w="0" h="2959205">
-                  <a:moveTo>
-                    <a:pt x="0" y="2959205"/>
-                  </a:moveTo>
-                  <a:lnTo>
-                    <a:pt x="0" y="0"/>
-                  </a:lnTo>
-                  <a:lnTo>
-                    <a:pt x="0" y="0"/>
-                  </a:lnTo>
-                </a:path>
-              </a:pathLst>
-            </a:custGeom>
-            <a:ln w="6775" cap="flat">
-              <a:solidFill>
-                <a:srgbClr val="DEDEDE">
-                  <a:alpha val="100000"/>
-                </a:srgbClr>
-              </a:solidFill>
-              <a:prstDash val="solid"/>
-              <a:round/>
-            </a:ln>
-          </p:spPr>
-          <p:txBody>
-            <a:bodyPr/>
-            <a:lstStyle/>
-            <a:p/>
-          </p:txBody>
-        </p:sp>
-        <p:sp>
-          <p:nvSpPr>
-            <p:cNvPr id="120" name="rc120"/>
-            <p:cNvSpPr/>
-            <p:nvPr/>
-          </p:nvSpPr>
-          <p:spPr>
-            <a:xfrm>
-              <a:off x="6900349" y="2333486"/>
-              <a:ext cx="1996807" cy="512170"/>
-            </a:xfrm>
-            <a:prstGeom prst="rect">
-              <a:avLst/>
-            </a:prstGeom>
-            <a:solidFill>
-              <a:srgbClr val="595959">
-                <a:alpha val="100000"/>
-              </a:srgbClr>
-            </a:solidFill>
-          </p:spPr>
-          <p:txBody>
-            <a:bodyPr/>
-            <a:lstStyle/>
-            <a:p/>
-          </p:txBody>
-        </p:sp>
-        <p:sp>
-          <p:nvSpPr>
-            <p:cNvPr id="121" name="rc121"/>
-            <p:cNvSpPr/>
-            <p:nvPr/>
-          </p:nvSpPr>
-          <p:spPr>
-            <a:xfrm>
-              <a:off x="6900349" y="2902564"/>
-              <a:ext cx="1898199" cy="512170"/>
-            </a:xfrm>
-            <a:prstGeom prst="rect">
-              <a:avLst/>
-            </a:prstGeom>
-            <a:solidFill>
-              <a:srgbClr val="595959">
-                <a:alpha val="100000"/>
-              </a:srgbClr>
-            </a:solidFill>
-          </p:spPr>
-          <p:txBody>
-            <a:bodyPr/>
-            <a:lstStyle/>
-            <a:p/>
-          </p:txBody>
-        </p:sp>
-        <p:sp>
-          <p:nvSpPr>
-            <p:cNvPr id="122" name="rc122"/>
-            <p:cNvSpPr/>
-            <p:nvPr/>
-          </p:nvSpPr>
-          <p:spPr>
-            <a:xfrm>
-              <a:off x="6900349" y="3471643"/>
-              <a:ext cx="1651679" cy="512170"/>
-            </a:xfrm>
-            <a:prstGeom prst="rect">
-              <a:avLst/>
-            </a:prstGeom>
-            <a:solidFill>
-              <a:srgbClr val="595959">
-                <a:alpha val="100000"/>
-              </a:srgbClr>
-            </a:solidFill>
-          </p:spPr>
-          <p:txBody>
-            <a:bodyPr/>
-            <a:lstStyle/>
-            <a:p/>
-          </p:txBody>
-        </p:sp>
-        <p:sp>
-          <p:nvSpPr>
-            <p:cNvPr id="123" name="rc123"/>
-            <p:cNvSpPr/>
-            <p:nvPr/>
-          </p:nvSpPr>
-          <p:spPr>
-            <a:xfrm>
-              <a:off x="6900349" y="4040721"/>
-              <a:ext cx="1257248" cy="512170"/>
-            </a:xfrm>
-            <a:prstGeom prst="rect">
-              <a:avLst/>
-            </a:prstGeom>
-            <a:solidFill>
-              <a:srgbClr val="595959">
-                <a:alpha val="100000"/>
-              </a:srgbClr>
-            </a:solidFill>
-          </p:spPr>
-          <p:txBody>
-            <a:bodyPr/>
-            <a:lstStyle/>
-            <a:p/>
-          </p:txBody>
-        </p:sp>
-        <p:sp>
-          <p:nvSpPr>
-            <p:cNvPr id="124" name="rc124"/>
-            <p:cNvSpPr/>
-            <p:nvPr/>
-          </p:nvSpPr>
-          <p:spPr>
-            <a:xfrm>
-              <a:off x="6900349" y="4609799"/>
-              <a:ext cx="862817" cy="512170"/>
-            </a:xfrm>
-            <a:prstGeom prst="rect">
-              <a:avLst/>
-            </a:prstGeom>
-            <a:solidFill>
-              <a:srgbClr val="595959">
-                <a:alpha val="100000"/>
-              </a:srgbClr>
-            </a:solidFill>
-          </p:spPr>
-          <p:txBody>
-            <a:bodyPr/>
-            <a:lstStyle/>
-            <a:p/>
-          </p:txBody>
-        </p:sp>
-        <p:sp>
-          <p:nvSpPr>
-            <p:cNvPr id="125" name="tx125"/>
-            <p:cNvSpPr/>
-            <p:nvPr/>
-          </p:nvSpPr>
-          <p:spPr>
-            <a:xfrm>
-              <a:off x="8449954" y="2533612"/>
-              <a:ext cx="418851" cy="79239"/>
-            </a:xfrm>
-            <a:prstGeom prst="rect">
-              <a:avLst/>
-            </a:prstGeom>
-            <a:noFill/>
-          </p:spPr>
-          <p:txBody>
-            <a:bodyPr lIns="0" rIns="0" tIns="0" bIns="0" anchorCtr="1" anchor="ctr" wrap="none"/>
-            <a:lstStyle/>
-            <a:p>
-              <a:pPr algn="l" marL="0" marR="0" indent="0">
-                <a:lnSpc>
-                  <a:spcPts val="853"/>
-                </a:lnSpc>
-                <a:spcBef>
-                  <a:spcPts val="0"/>
-                </a:spcBef>
-                <a:spcAft>
-                  <a:spcPts val="0"/>
-                </a:spcAft>
-              </a:pPr>
-              <a:r>
-                <a:rPr sz="853" b="1">
-                  <a:solidFill>
-                    <a:srgbClr val="FFFFFF">
-                      <a:alpha val="100000"/>
-                    </a:srgbClr>
-                  </a:solidFill>
-                  <a:latin typeface="Arial"/>
-                  <a:cs typeface="Arial"/>
-                </a:rPr>
-                <a:t>50-100亿</a:t>
-              </a:r>
-            </a:p>
-          </p:txBody>
-        </p:sp>
-        <p:sp>
-          <p:nvSpPr>
-            <p:cNvPr id="126" name="tx126"/>
-            <p:cNvSpPr/>
-            <p:nvPr/>
-          </p:nvSpPr>
-          <p:spPr>
-            <a:xfrm>
-              <a:off x="8291057" y="3102690"/>
-              <a:ext cx="479141" cy="79239"/>
-            </a:xfrm>
-            <a:prstGeom prst="rect">
-              <a:avLst/>
-            </a:prstGeom>
-            <a:noFill/>
-          </p:spPr>
-          <p:txBody>
-            <a:bodyPr lIns="0" rIns="0" tIns="0" bIns="0" anchorCtr="1" anchor="ctr" wrap="none"/>
-            <a:lstStyle/>
-            <a:p>
-              <a:pPr algn="l" marL="0" marR="0" indent="0">
-                <a:lnSpc>
-                  <a:spcPts val="853"/>
-                </a:lnSpc>
-                <a:spcBef>
-                  <a:spcPts val="0"/>
-                </a:spcBef>
-                <a:spcAft>
-                  <a:spcPts val="0"/>
-                </a:spcAft>
-              </a:pPr>
-              <a:r>
-                <a:rPr sz="853" b="1">
-                  <a:solidFill>
-                    <a:srgbClr val="FFFFFF">
-                      <a:alpha val="100000"/>
-                    </a:srgbClr>
-                  </a:solidFill>
-                  <a:latin typeface="Arial"/>
-                  <a:cs typeface="Arial"/>
-                </a:rPr>
-                <a:t>100-300亿</a:t>
-              </a:r>
-            </a:p>
-          </p:txBody>
-        </p:sp>
-        <p:sp>
-          <p:nvSpPr>
-            <p:cNvPr id="127" name="tx127"/>
-            <p:cNvSpPr/>
-            <p:nvPr/>
-          </p:nvSpPr>
-          <p:spPr>
-            <a:xfrm>
-              <a:off x="8165117" y="3671768"/>
-              <a:ext cx="358562" cy="79239"/>
-            </a:xfrm>
-            <a:prstGeom prst="rect">
-              <a:avLst/>
-            </a:prstGeom>
-            <a:noFill/>
-          </p:spPr>
-          <p:txBody>
-            <a:bodyPr lIns="0" rIns="0" tIns="0" bIns="0" anchorCtr="1" anchor="ctr" wrap="none"/>
-            <a:lstStyle/>
-            <a:p>
-              <a:pPr algn="l" marL="0" marR="0" indent="0">
-                <a:lnSpc>
-                  <a:spcPts val="853"/>
-                </a:lnSpc>
-                <a:spcBef>
-                  <a:spcPts val="0"/>
-                </a:spcBef>
-                <a:spcAft>
-                  <a:spcPts val="0"/>
-                </a:spcAft>
-              </a:pPr>
-              <a:r>
-                <a:rPr sz="853" b="1">
-                  <a:solidFill>
-                    <a:srgbClr val="FFFFFF">
-                      <a:alpha val="100000"/>
-                    </a:srgbClr>
-                  </a:solidFill>
-                  <a:latin typeface="Arial"/>
-                  <a:cs typeface="Arial"/>
-                </a:rPr>
-                <a:t>10-50亿</a:t>
-              </a:r>
-            </a:p>
-          </p:txBody>
-        </p:sp>
-        <p:sp>
-          <p:nvSpPr>
-            <p:cNvPr id="128" name="tx128"/>
-            <p:cNvSpPr/>
-            <p:nvPr/>
-          </p:nvSpPr>
-          <p:spPr>
-            <a:xfrm>
-              <a:off x="7867869" y="4240846"/>
-              <a:ext cx="261378" cy="79239"/>
-            </a:xfrm>
-            <a:prstGeom prst="rect">
-              <a:avLst/>
-            </a:prstGeom>
-            <a:noFill/>
-          </p:spPr>
-          <p:txBody>
-            <a:bodyPr lIns="0" rIns="0" tIns="0" bIns="0" anchorCtr="1" anchor="ctr" wrap="none"/>
-            <a:lstStyle/>
-            <a:p>
-              <a:pPr algn="l" marL="0" marR="0" indent="0">
-                <a:lnSpc>
-                  <a:spcPts val="853"/>
-                </a:lnSpc>
-                <a:spcBef>
-                  <a:spcPts val="0"/>
-                </a:spcBef>
-                <a:spcAft>
-                  <a:spcPts val="0"/>
-                </a:spcAft>
-              </a:pPr>
-              <a:r>
-                <a:rPr sz="853" b="1">
-                  <a:solidFill>
-                    <a:srgbClr val="FFFFFF">
-                      <a:alpha val="100000"/>
-                    </a:srgbClr>
-                  </a:solidFill>
-                  <a:latin typeface="Arial"/>
-                  <a:cs typeface="Arial"/>
-                </a:rPr>
-                <a:t>≤10亿</a:t>
-              </a:r>
-            </a:p>
-          </p:txBody>
-        </p:sp>
-        <p:sp>
-          <p:nvSpPr>
-            <p:cNvPr id="129" name="tx129"/>
-            <p:cNvSpPr/>
-            <p:nvPr/>
-          </p:nvSpPr>
-          <p:spPr>
-            <a:xfrm>
-              <a:off x="7791516" y="4825391"/>
-              <a:ext cx="479141" cy="79292"/>
-            </a:xfrm>
-            <a:prstGeom prst="rect">
-              <a:avLst/>
-            </a:prstGeom>
-            <a:noFill/>
-          </p:spPr>
-          <p:txBody>
-            <a:bodyPr lIns="0" rIns="0" tIns="0" bIns="0" anchorCtr="1" anchor="ctr" wrap="none"/>
-            <a:lstStyle/>
-            <a:p>
-              <a:pPr algn="l" marL="0" marR="0" indent="0">
-                <a:lnSpc>
-                  <a:spcPts val="853"/>
-                </a:lnSpc>
-                <a:spcBef>
-                  <a:spcPts val="0"/>
-                </a:spcBef>
-                <a:spcAft>
-                  <a:spcPts val="0"/>
-                </a:spcAft>
-              </a:pPr>
-              <a:r>
-                <a:rPr sz="853">
-                  <a:solidFill>
-                    <a:srgbClr val="000000">
-                      <a:alpha val="100000"/>
-                    </a:srgbClr>
-                  </a:solidFill>
-                  <a:latin typeface="Arial"/>
-                  <a:cs typeface="Arial"/>
-                </a:rPr>
-                <a:t>300-500亿</a:t>
-              </a:r>
-            </a:p>
-          </p:txBody>
-        </p:sp>
-        <p:sp>
-          <p:nvSpPr>
-            <p:cNvPr id="130" name="rc130"/>
-            <p:cNvSpPr/>
-            <p:nvPr/>
-          </p:nvSpPr>
-          <p:spPr>
-            <a:xfrm>
-              <a:off x="6900349" y="2248125"/>
-              <a:ext cx="2036743" cy="2959205"/>
-            </a:xfrm>
-            <a:prstGeom prst="rect">
-              <a:avLst/>
-            </a:prstGeom>
-            <a:ln w="13550" cap="rnd">
-              <a:solidFill>
-                <a:srgbClr val="B3B3B3">
-                  <a:alpha val="100000"/>
-                </a:srgbClr>
-              </a:solidFill>
-              <a:prstDash val="solid"/>
-              <a:round/>
-            </a:ln>
-          </p:spPr>
-          <p:txBody>
-            <a:bodyPr/>
-            <a:lstStyle/>
-            <a:p/>
-          </p:txBody>
-        </p:sp>
-        <p:sp>
-          <p:nvSpPr>
-            <p:cNvPr id="131" name="tx131"/>
-            <p:cNvSpPr/>
-            <p:nvPr/>
-          </p:nvSpPr>
-          <p:spPr>
-            <a:xfrm>
-              <a:off x="6803399" y="4825611"/>
-              <a:ext cx="62155" cy="80272"/>
-            </a:xfrm>
-            <a:prstGeom prst="rect">
-              <a:avLst/>
-            </a:prstGeom>
-            <a:noFill/>
-          </p:spPr>
-          <p:txBody>
-            <a:bodyPr lIns="0" rIns="0" tIns="0" bIns="0" anchorCtr="1" anchor="ctr" wrap="none"/>
-            <a:lstStyle/>
-            <a:p>
-              <a:pPr algn="l" marL="0" marR="0" indent="0">
-                <a:lnSpc>
-                  <a:spcPts val="880"/>
-                </a:lnSpc>
-                <a:spcBef>
-                  <a:spcPts val="0"/>
-                </a:spcBef>
-                <a:spcAft>
-                  <a:spcPts val="0"/>
-                </a:spcAft>
-              </a:pPr>
-              <a:r>
-                <a:rPr sz="880" b="1">
-                  <a:solidFill>
-                    <a:srgbClr val="4D4D4D">
-                      <a:alpha val="100000"/>
-                    </a:srgbClr>
-                  </a:solidFill>
-                  <a:latin typeface="Arial"/>
-                  <a:cs typeface="Arial"/>
-                </a:rPr>
-                <a:t>5</a:t>
-              </a:r>
-            </a:p>
-          </p:txBody>
-        </p:sp>
-        <p:sp>
-          <p:nvSpPr>
-            <p:cNvPr id="132" name="tx132"/>
-            <p:cNvSpPr/>
-            <p:nvPr/>
-          </p:nvSpPr>
-          <p:spPr>
-            <a:xfrm>
-              <a:off x="6803399" y="4256478"/>
-              <a:ext cx="62155" cy="80327"/>
-            </a:xfrm>
-            <a:prstGeom prst="rect">
-              <a:avLst/>
-            </a:prstGeom>
-            <a:noFill/>
-          </p:spPr>
-          <p:txBody>
-            <a:bodyPr lIns="0" rIns="0" tIns="0" bIns="0" anchorCtr="1" anchor="ctr" wrap="none"/>
-            <a:lstStyle/>
-            <a:p>
-              <a:pPr algn="l" marL="0" marR="0" indent="0">
-                <a:lnSpc>
-                  <a:spcPts val="880"/>
-                </a:lnSpc>
-                <a:spcBef>
-                  <a:spcPts val="0"/>
-                </a:spcBef>
-                <a:spcAft>
-                  <a:spcPts val="0"/>
-                </a:spcAft>
-              </a:pPr>
-              <a:r>
-                <a:rPr sz="880" b="1">
-                  <a:solidFill>
-                    <a:srgbClr val="4D4D4D">
-                      <a:alpha val="100000"/>
-                    </a:srgbClr>
-                  </a:solidFill>
-                  <a:latin typeface="Arial"/>
-                  <a:cs typeface="Arial"/>
-                </a:rPr>
-                <a:t>4</a:t>
-              </a:r>
-            </a:p>
-          </p:txBody>
-        </p:sp>
-        <p:sp>
-          <p:nvSpPr>
-            <p:cNvPr id="133" name="tx133"/>
-            <p:cNvSpPr/>
-            <p:nvPr/>
-          </p:nvSpPr>
-          <p:spPr>
-            <a:xfrm>
-              <a:off x="6803399" y="3686036"/>
-              <a:ext cx="62155" cy="81691"/>
-            </a:xfrm>
-            <a:prstGeom prst="rect">
-              <a:avLst/>
-            </a:prstGeom>
-            <a:noFill/>
-          </p:spPr>
-          <p:txBody>
-            <a:bodyPr lIns="0" rIns="0" tIns="0" bIns="0" anchorCtr="1" anchor="ctr" wrap="none"/>
-            <a:lstStyle/>
-            <a:p>
-              <a:pPr algn="l" marL="0" marR="0" indent="0">
-                <a:lnSpc>
-                  <a:spcPts val="880"/>
-                </a:lnSpc>
-                <a:spcBef>
-                  <a:spcPts val="0"/>
-                </a:spcBef>
-                <a:spcAft>
-                  <a:spcPts val="0"/>
-                </a:spcAft>
-              </a:pPr>
-              <a:r>
-                <a:rPr sz="880" b="1">
-                  <a:solidFill>
-                    <a:srgbClr val="4D4D4D">
-                      <a:alpha val="100000"/>
-                    </a:srgbClr>
-                  </a:solidFill>
-                  <a:latin typeface="Arial"/>
-                  <a:cs typeface="Arial"/>
-                </a:rPr>
-                <a:t>3</a:t>
-              </a:r>
-            </a:p>
-          </p:txBody>
-        </p:sp>
-        <p:sp>
-          <p:nvSpPr>
-            <p:cNvPr id="134" name="tx134"/>
-            <p:cNvSpPr/>
-            <p:nvPr/>
-          </p:nvSpPr>
-          <p:spPr>
-            <a:xfrm>
-              <a:off x="6803399" y="3118322"/>
-              <a:ext cx="62155" cy="80327"/>
-            </a:xfrm>
-            <a:prstGeom prst="rect">
-              <a:avLst/>
-            </a:prstGeom>
-            <a:noFill/>
-          </p:spPr>
-          <p:txBody>
-            <a:bodyPr lIns="0" rIns="0" tIns="0" bIns="0" anchorCtr="1" anchor="ctr" wrap="none"/>
-            <a:lstStyle/>
-            <a:p>
-              <a:pPr algn="l" marL="0" marR="0" indent="0">
-                <a:lnSpc>
-                  <a:spcPts val="880"/>
-                </a:lnSpc>
-                <a:spcBef>
-                  <a:spcPts val="0"/>
-                </a:spcBef>
-                <a:spcAft>
-                  <a:spcPts val="0"/>
-                </a:spcAft>
-              </a:pPr>
-              <a:r>
-                <a:rPr sz="880" b="1">
-                  <a:solidFill>
-                    <a:srgbClr val="4D4D4D">
-                      <a:alpha val="100000"/>
-                    </a:srgbClr>
-                  </a:solidFill>
-                  <a:latin typeface="Arial"/>
-                  <a:cs typeface="Arial"/>
-                </a:rPr>
-                <a:t>2</a:t>
-              </a:r>
-            </a:p>
-          </p:txBody>
-        </p:sp>
-        <p:sp>
-          <p:nvSpPr>
-            <p:cNvPr id="135" name="tx135"/>
-            <p:cNvSpPr/>
-            <p:nvPr/>
-          </p:nvSpPr>
-          <p:spPr>
-            <a:xfrm>
-              <a:off x="6803399" y="2549244"/>
-              <a:ext cx="62155" cy="80327"/>
-            </a:xfrm>
-            <a:prstGeom prst="rect">
-              <a:avLst/>
-            </a:prstGeom>
-            <a:noFill/>
-          </p:spPr>
-          <p:txBody>
-            <a:bodyPr lIns="0" rIns="0" tIns="0" bIns="0" anchorCtr="1" anchor="ctr" wrap="none"/>
-            <a:lstStyle/>
-            <a:p>
-              <a:pPr algn="l" marL="0" marR="0" indent="0">
-                <a:lnSpc>
-                  <a:spcPts val="880"/>
-                </a:lnSpc>
-                <a:spcBef>
-                  <a:spcPts val="0"/>
-                </a:spcBef>
-                <a:spcAft>
-                  <a:spcPts val="0"/>
-                </a:spcAft>
-              </a:pPr>
-              <a:r>
-                <a:rPr sz="880" b="1">
-                  <a:solidFill>
-                    <a:srgbClr val="4D4D4D">
-                      <a:alpha val="100000"/>
-                    </a:srgbClr>
-                  </a:solidFill>
-                  <a:latin typeface="Arial"/>
-                  <a:cs typeface="Arial"/>
-                </a:rPr>
-                <a:t>1</a:t>
-              </a:r>
-            </a:p>
-          </p:txBody>
-        </p:sp>
-        <p:sp>
-          <p:nvSpPr>
-            <p:cNvPr id="136" name="pl136"/>
-            <p:cNvSpPr/>
-            <p:nvPr/>
-          </p:nvSpPr>
-          <p:spPr>
-            <a:xfrm>
-              <a:off x="6865554" y="4865884"/>
-              <a:ext cx="34794" cy="0"/>
-            </a:xfrm>
-            <a:custGeom>
-              <a:avLst/>
-              <a:pathLst>
-                <a:path w="34794" h="0">
-                  <a:moveTo>
-                    <a:pt x="0" y="0"/>
-                  </a:moveTo>
-                  <a:lnTo>
-                    <a:pt x="34794" y="0"/>
-                  </a:lnTo>
-                </a:path>
-              </a:pathLst>
-            </a:custGeom>
-            <a:ln w="6775" cap="flat">
-              <a:solidFill>
-                <a:srgbClr val="B3B3B3">
-                  <a:alpha val="100000"/>
-                </a:srgbClr>
-              </a:solidFill>
-              <a:prstDash val="solid"/>
-              <a:round/>
-            </a:ln>
-          </p:spPr>
-          <p:txBody>
-            <a:bodyPr/>
-            <a:lstStyle/>
-            <a:p/>
-          </p:txBody>
-        </p:sp>
-        <p:sp>
-          <p:nvSpPr>
-            <p:cNvPr id="137" name="pl137"/>
-            <p:cNvSpPr/>
-            <p:nvPr/>
-          </p:nvSpPr>
-          <p:spPr>
-            <a:xfrm>
-              <a:off x="6865554" y="4296806"/>
-              <a:ext cx="34794" cy="0"/>
-            </a:xfrm>
-            <a:custGeom>
-              <a:avLst/>
-              <a:pathLst>
-                <a:path w="34794" h="0">
-                  <a:moveTo>
-                    <a:pt x="0" y="0"/>
-                  </a:moveTo>
-                  <a:lnTo>
-                    <a:pt x="34794" y="0"/>
-                  </a:lnTo>
-                </a:path>
-              </a:pathLst>
-            </a:custGeom>
-            <a:ln w="6775" cap="flat">
-              <a:solidFill>
-                <a:srgbClr val="B3B3B3">
-                  <a:alpha val="100000"/>
-                </a:srgbClr>
-              </a:solidFill>
-              <a:prstDash val="solid"/>
-              <a:round/>
-            </a:ln>
-          </p:spPr>
-          <p:txBody>
-            <a:bodyPr/>
-            <a:lstStyle/>
-            <a:p/>
-          </p:txBody>
-        </p:sp>
-        <p:sp>
-          <p:nvSpPr>
-            <p:cNvPr id="138" name="pl138"/>
-            <p:cNvSpPr/>
-            <p:nvPr/>
-          </p:nvSpPr>
-          <p:spPr>
-            <a:xfrm>
-              <a:off x="6865554" y="3727728"/>
-              <a:ext cx="34794" cy="0"/>
-            </a:xfrm>
-            <a:custGeom>
-              <a:avLst/>
-              <a:pathLst>
-                <a:path w="34794" h="0">
-                  <a:moveTo>
-                    <a:pt x="0" y="0"/>
-                  </a:moveTo>
-                  <a:lnTo>
-                    <a:pt x="34794" y="0"/>
-                  </a:lnTo>
-                </a:path>
-              </a:pathLst>
-            </a:custGeom>
-            <a:ln w="6775" cap="flat">
-              <a:solidFill>
-                <a:srgbClr val="B3B3B3">
-                  <a:alpha val="100000"/>
-                </a:srgbClr>
-              </a:solidFill>
-              <a:prstDash val="solid"/>
-              <a:round/>
-            </a:ln>
-          </p:spPr>
-          <p:txBody>
-            <a:bodyPr/>
-            <a:lstStyle/>
-            <a:p/>
-          </p:txBody>
-        </p:sp>
-        <p:sp>
-          <p:nvSpPr>
-            <p:cNvPr id="139" name="pl139"/>
-            <p:cNvSpPr/>
-            <p:nvPr/>
-          </p:nvSpPr>
-          <p:spPr>
-            <a:xfrm>
-              <a:off x="6865554" y="3158650"/>
-              <a:ext cx="34794" cy="0"/>
-            </a:xfrm>
-            <a:custGeom>
-              <a:avLst/>
-              <a:pathLst>
-                <a:path w="34794" h="0">
-                  <a:moveTo>
-                    <a:pt x="0" y="0"/>
-                  </a:moveTo>
-                  <a:lnTo>
-                    <a:pt x="34794" y="0"/>
-                  </a:lnTo>
-                </a:path>
-              </a:pathLst>
-            </a:custGeom>
-            <a:ln w="6775" cap="flat">
-              <a:solidFill>
-                <a:srgbClr val="B3B3B3">
-                  <a:alpha val="100000"/>
-                </a:srgbClr>
-              </a:solidFill>
-              <a:prstDash val="solid"/>
-              <a:round/>
-            </a:ln>
-          </p:spPr>
-          <p:txBody>
-            <a:bodyPr/>
-            <a:lstStyle/>
-            <a:p/>
-          </p:txBody>
-        </p:sp>
-        <p:sp>
-          <p:nvSpPr>
-            <p:cNvPr id="140" name="pl140"/>
-            <p:cNvSpPr/>
-            <p:nvPr/>
-          </p:nvSpPr>
-          <p:spPr>
-            <a:xfrm>
-              <a:off x="6865554" y="2589572"/>
-              <a:ext cx="34794" cy="0"/>
-            </a:xfrm>
-            <a:custGeom>
-              <a:avLst/>
-              <a:pathLst>
-                <a:path w="34794" h="0">
-                  <a:moveTo>
-                    <a:pt x="0" y="0"/>
-                  </a:moveTo>
-                  <a:lnTo>
-                    <a:pt x="34794" y="0"/>
-                  </a:lnTo>
-                </a:path>
-              </a:pathLst>
-            </a:custGeom>
-            <a:ln w="6775" cap="flat">
-              <a:solidFill>
-                <a:srgbClr val="B3B3B3">
-                  <a:alpha val="100000"/>
-                </a:srgbClr>
-              </a:solidFill>
-              <a:prstDash val="solid"/>
-              <a:round/>
-            </a:ln>
-          </p:spPr>
-          <p:txBody>
-            <a:bodyPr/>
-            <a:lstStyle/>
-            <a:p/>
-          </p:txBody>
-        </p:sp>
-        <p:sp>
-          <p:nvSpPr>
-            <p:cNvPr id="141" name="pl141"/>
-            <p:cNvSpPr/>
-            <p:nvPr/>
-          </p:nvSpPr>
-          <p:spPr>
-            <a:xfrm>
-              <a:off x="6900349" y="5207331"/>
-              <a:ext cx="0" cy="34794"/>
-            </a:xfrm>
-            <a:custGeom>
-              <a:avLst/>
-              <a:pathLst>
-                <a:path w="0" h="34794">
-                  <a:moveTo>
-                    <a:pt x="0" y="34794"/>
-                  </a:moveTo>
-                  <a:lnTo>
-                    <a:pt x="0" y="0"/>
-                  </a:lnTo>
-                </a:path>
-              </a:pathLst>
-            </a:custGeom>
-            <a:ln w="6775" cap="flat">
-              <a:solidFill>
-                <a:srgbClr val="B3B3B3">
-                  <a:alpha val="100000"/>
-                </a:srgbClr>
-              </a:solidFill>
-              <a:prstDash val="solid"/>
-              <a:round/>
-            </a:ln>
-          </p:spPr>
-          <p:txBody>
-            <a:bodyPr/>
-            <a:lstStyle/>
-            <a:p/>
-          </p:txBody>
-        </p:sp>
-        <p:sp>
-          <p:nvSpPr>
-            <p:cNvPr id="142" name="pl142"/>
-            <p:cNvSpPr/>
-            <p:nvPr/>
-          </p:nvSpPr>
-          <p:spPr>
-            <a:xfrm>
-              <a:off x="7393388" y="5207331"/>
-              <a:ext cx="0" cy="34794"/>
-            </a:xfrm>
-            <a:custGeom>
-              <a:avLst/>
-              <a:pathLst>
-                <a:path w="0" h="34794">
-                  <a:moveTo>
-                    <a:pt x="0" y="34794"/>
-                  </a:moveTo>
-                  <a:lnTo>
-                    <a:pt x="0" y="0"/>
-                  </a:lnTo>
-                </a:path>
-              </a:pathLst>
-            </a:custGeom>
-            <a:ln w="6775" cap="flat">
-              <a:solidFill>
-                <a:srgbClr val="B3B3B3">
-                  <a:alpha val="100000"/>
-                </a:srgbClr>
-              </a:solidFill>
-              <a:prstDash val="solid"/>
-              <a:round/>
-            </a:ln>
-          </p:spPr>
-          <p:txBody>
-            <a:bodyPr/>
-            <a:lstStyle/>
-            <a:p/>
-          </p:txBody>
-        </p:sp>
-        <p:sp>
-          <p:nvSpPr>
-            <p:cNvPr id="143" name="pl143"/>
-            <p:cNvSpPr/>
-            <p:nvPr/>
-          </p:nvSpPr>
-          <p:spPr>
-            <a:xfrm>
-              <a:off x="7886426" y="5207331"/>
-              <a:ext cx="0" cy="34794"/>
-            </a:xfrm>
-            <a:custGeom>
-              <a:avLst/>
-              <a:pathLst>
-                <a:path w="0" h="34794">
-                  <a:moveTo>
-                    <a:pt x="0" y="34794"/>
-                  </a:moveTo>
-                  <a:lnTo>
-                    <a:pt x="0" y="0"/>
-                  </a:lnTo>
-                </a:path>
-              </a:pathLst>
-            </a:custGeom>
-            <a:ln w="6775" cap="flat">
-              <a:solidFill>
-                <a:srgbClr val="B3B3B3">
-                  <a:alpha val="100000"/>
-                </a:srgbClr>
-              </a:solidFill>
-              <a:prstDash val="solid"/>
-              <a:round/>
-            </a:ln>
-          </p:spPr>
-          <p:txBody>
-            <a:bodyPr/>
-            <a:lstStyle/>
-            <a:p/>
-          </p:txBody>
-        </p:sp>
-        <p:sp>
-          <p:nvSpPr>
-            <p:cNvPr id="144" name="pl144"/>
-            <p:cNvSpPr/>
-            <p:nvPr/>
-          </p:nvSpPr>
-          <p:spPr>
-            <a:xfrm>
-              <a:off x="8379465" y="5207331"/>
-              <a:ext cx="0" cy="34794"/>
-            </a:xfrm>
-            <a:custGeom>
-              <a:avLst/>
-              <a:pathLst>
-                <a:path w="0" h="34794">
-                  <a:moveTo>
-                    <a:pt x="0" y="34794"/>
-                  </a:moveTo>
-                  <a:lnTo>
-                    <a:pt x="0" y="0"/>
-                  </a:lnTo>
-                </a:path>
-              </a:pathLst>
-            </a:custGeom>
-            <a:ln w="6775" cap="flat">
-              <a:solidFill>
-                <a:srgbClr val="B3B3B3">
-                  <a:alpha val="100000"/>
-                </a:srgbClr>
-              </a:solidFill>
-              <a:prstDash val="solid"/>
-              <a:round/>
-            </a:ln>
-          </p:spPr>
-          <p:txBody>
-            <a:bodyPr/>
-            <a:lstStyle/>
-            <a:p/>
-          </p:txBody>
-        </p:sp>
-        <p:sp>
-          <p:nvSpPr>
-            <p:cNvPr id="145" name="pl145"/>
-            <p:cNvSpPr/>
-            <p:nvPr/>
-          </p:nvSpPr>
-          <p:spPr>
-            <a:xfrm>
-              <a:off x="8872504" y="5207331"/>
-              <a:ext cx="0" cy="34794"/>
-            </a:xfrm>
-            <a:custGeom>
-              <a:avLst/>
-              <a:pathLst>
-                <a:path w="0" h="34794">
-                  <a:moveTo>
-                    <a:pt x="0" y="34794"/>
-                  </a:moveTo>
-                  <a:lnTo>
-                    <a:pt x="0" y="0"/>
-                  </a:lnTo>
-                </a:path>
-              </a:pathLst>
-            </a:custGeom>
-            <a:ln w="6775" cap="flat">
-              <a:solidFill>
-                <a:srgbClr val="B3B3B3">
-                  <a:alpha val="100000"/>
-                </a:srgbClr>
-              </a:solidFill>
-              <a:prstDash val="solid"/>
-              <a:round/>
-            </a:ln>
-          </p:spPr>
-          <p:txBody>
-            <a:bodyPr/>
-            <a:lstStyle/>
-            <a:p/>
-          </p:txBody>
-        </p:sp>
-        <p:sp>
-          <p:nvSpPr>
-            <p:cNvPr id="146" name="tx146"/>
-            <p:cNvSpPr/>
-            <p:nvPr/>
-          </p:nvSpPr>
-          <p:spPr>
-            <a:xfrm>
-              <a:off x="6869271" y="5268269"/>
-              <a:ext cx="62155" cy="81691"/>
-            </a:xfrm>
-            <a:prstGeom prst="rect">
-              <a:avLst/>
-            </a:prstGeom>
-            <a:noFill/>
-          </p:spPr>
-          <p:txBody>
-            <a:bodyPr lIns="0" rIns="0" tIns="0" bIns="0" anchorCtr="1" anchor="ctr" wrap="none"/>
-            <a:lstStyle/>
-            <a:p>
-              <a:pPr algn="l" marL="0" marR="0" indent="0">
-                <a:lnSpc>
-                  <a:spcPts val="880"/>
-                </a:lnSpc>
-                <a:spcBef>
-                  <a:spcPts val="0"/>
-                </a:spcBef>
-                <a:spcAft>
-                  <a:spcPts val="0"/>
-                </a:spcAft>
-              </a:pPr>
-              <a:r>
-                <a:rPr sz="880">
-                  <a:solidFill>
-                    <a:srgbClr val="4D4D4D">
-                      <a:alpha val="100000"/>
-                    </a:srgbClr>
-                  </a:solidFill>
-                  <a:latin typeface="Arial"/>
-                  <a:cs typeface="Arial"/>
-                </a:rPr>
-                <a:t>0</a:t>
-              </a:r>
-            </a:p>
-          </p:txBody>
-        </p:sp>
-        <p:sp>
-          <p:nvSpPr>
-            <p:cNvPr id="147" name="tx147"/>
-            <p:cNvSpPr/>
-            <p:nvPr/>
-          </p:nvSpPr>
-          <p:spPr>
-            <a:xfrm>
-              <a:off x="7331232" y="5268269"/>
-              <a:ext cx="124311" cy="81691"/>
-            </a:xfrm>
-            <a:prstGeom prst="rect">
-              <a:avLst/>
-            </a:prstGeom>
-            <a:noFill/>
-          </p:spPr>
-          <p:txBody>
-            <a:bodyPr lIns="0" rIns="0" tIns="0" bIns="0" anchorCtr="1" anchor="ctr" wrap="none"/>
-            <a:lstStyle/>
-            <a:p>
-              <a:pPr algn="l" marL="0" marR="0" indent="0">
-                <a:lnSpc>
-                  <a:spcPts val="880"/>
-                </a:lnSpc>
-                <a:spcBef>
-                  <a:spcPts val="0"/>
-                </a:spcBef>
-                <a:spcAft>
-                  <a:spcPts val="0"/>
-                </a:spcAft>
-              </a:pPr>
-              <a:r>
-                <a:rPr sz="880">
-                  <a:solidFill>
-                    <a:srgbClr val="4D4D4D">
-                      <a:alpha val="100000"/>
-                    </a:srgbClr>
-                  </a:solidFill>
-                  <a:latin typeface="Arial"/>
-                  <a:cs typeface="Arial"/>
-                </a:rPr>
-                <a:t>40</a:t>
-              </a:r>
-            </a:p>
-          </p:txBody>
-        </p:sp>
-        <p:sp>
-          <p:nvSpPr>
-            <p:cNvPr id="148" name="tx148"/>
-            <p:cNvSpPr/>
-            <p:nvPr/>
-          </p:nvSpPr>
-          <p:spPr>
-            <a:xfrm>
-              <a:off x="7824271" y="5268269"/>
-              <a:ext cx="124311" cy="81691"/>
-            </a:xfrm>
-            <a:prstGeom prst="rect">
-              <a:avLst/>
-            </a:prstGeom>
-            <a:noFill/>
-          </p:spPr>
-          <p:txBody>
-            <a:bodyPr lIns="0" rIns="0" tIns="0" bIns="0" anchorCtr="1" anchor="ctr" wrap="none"/>
-            <a:lstStyle/>
-            <a:p>
-              <a:pPr algn="l" marL="0" marR="0" indent="0">
-                <a:lnSpc>
-                  <a:spcPts val="880"/>
-                </a:lnSpc>
-                <a:spcBef>
-                  <a:spcPts val="0"/>
-                </a:spcBef>
-                <a:spcAft>
-                  <a:spcPts val="0"/>
-                </a:spcAft>
-              </a:pPr>
-              <a:r>
-                <a:rPr sz="880">
-                  <a:solidFill>
-                    <a:srgbClr val="4D4D4D">
-                      <a:alpha val="100000"/>
-                    </a:srgbClr>
-                  </a:solidFill>
-                  <a:latin typeface="Arial"/>
-                  <a:cs typeface="Arial"/>
-                </a:rPr>
-                <a:t>80</a:t>
-              </a:r>
-            </a:p>
-          </p:txBody>
-        </p:sp>
-        <p:sp>
-          <p:nvSpPr>
-            <p:cNvPr id="149" name="tx149"/>
-            <p:cNvSpPr/>
-            <p:nvPr/>
-          </p:nvSpPr>
-          <p:spPr>
-            <a:xfrm>
-              <a:off x="8286232" y="5268269"/>
-              <a:ext cx="186466" cy="81691"/>
-            </a:xfrm>
-            <a:prstGeom prst="rect">
-              <a:avLst/>
-            </a:prstGeom>
-            <a:noFill/>
-          </p:spPr>
-          <p:txBody>
-            <a:bodyPr lIns="0" rIns="0" tIns="0" bIns="0" anchorCtr="1" anchor="ctr" wrap="none"/>
-            <a:lstStyle/>
-            <a:p>
-              <a:pPr algn="l" marL="0" marR="0" indent="0">
-                <a:lnSpc>
-                  <a:spcPts val="880"/>
-                </a:lnSpc>
-                <a:spcBef>
-                  <a:spcPts val="0"/>
-                </a:spcBef>
-                <a:spcAft>
-                  <a:spcPts val="0"/>
-                </a:spcAft>
-              </a:pPr>
-              <a:r>
-                <a:rPr sz="880">
-                  <a:solidFill>
-                    <a:srgbClr val="4D4D4D">
-                      <a:alpha val="100000"/>
-                    </a:srgbClr>
-                  </a:solidFill>
-                  <a:latin typeface="Arial"/>
-                  <a:cs typeface="Arial"/>
-                </a:rPr>
-                <a:t>120</a:t>
-              </a:r>
-            </a:p>
-          </p:txBody>
-        </p:sp>
-        <p:sp>
-          <p:nvSpPr>
-            <p:cNvPr id="150" name="tx150"/>
-            <p:cNvSpPr/>
-            <p:nvPr/>
-          </p:nvSpPr>
-          <p:spPr>
-            <a:xfrm>
-              <a:off x="8779271" y="5268269"/>
-              <a:ext cx="186466" cy="81691"/>
-            </a:xfrm>
-            <a:prstGeom prst="rect">
-              <a:avLst/>
-            </a:prstGeom>
-            <a:noFill/>
-          </p:spPr>
-          <p:txBody>
-            <a:bodyPr lIns="0" rIns="0" tIns="0" bIns="0" anchorCtr="1" anchor="ctr" wrap="none"/>
-            <a:lstStyle/>
-            <a:p>
-              <a:pPr algn="l" marL="0" marR="0" indent="0">
-                <a:lnSpc>
-                  <a:spcPts val="880"/>
-                </a:lnSpc>
-                <a:spcBef>
-                  <a:spcPts val="0"/>
-                </a:spcBef>
-                <a:spcAft>
-                  <a:spcPts val="0"/>
-                </a:spcAft>
-              </a:pPr>
-              <a:r>
-                <a:rPr sz="880">
-                  <a:solidFill>
-                    <a:srgbClr val="4D4D4D">
-                      <a:alpha val="100000"/>
-                    </a:srgbClr>
-                  </a:solidFill>
-                  <a:latin typeface="Arial"/>
-                  <a:cs typeface="Arial"/>
-                </a:rPr>
-                <a:t>160</a:t>
-              </a:r>
-            </a:p>
-          </p:txBody>
-        </p:sp>
-        <p:sp>
-          <p:nvSpPr>
-            <p:cNvPr id="151" name="tx151"/>
+            <p:cNvPr id="137" name="tx137"/>
             <p:cNvSpPr/>
             <p:nvPr/>
           </p:nvSpPr>
